--- a/presentation/Final pre/talk.pptx
+++ b/presentation/Final pre/talk.pptx
@@ -5,37 +5,42 @@
     <p:sldMasterId id="2147483648" r:id="rId1"/>
   </p:sldMasterIdLst>
   <p:notesMasterIdLst>
-    <p:notesMasterId r:id="rId31"/>
+    <p:notesMasterId r:id="rId36"/>
   </p:notesMasterIdLst>
   <p:sldIdLst>
     <p:sldId id="290" r:id="rId3"/>
     <p:sldId id="295" r:id="rId4"/>
     <p:sldId id="292" r:id="rId5"/>
-    <p:sldId id="293" r:id="rId6"/>
-    <p:sldId id="294" r:id="rId7"/>
-    <p:sldId id="315" r:id="rId8"/>
-    <p:sldId id="296" r:id="rId9"/>
-    <p:sldId id="297" r:id="rId10"/>
-    <p:sldId id="333" r:id="rId11"/>
-    <p:sldId id="336" r:id="rId12"/>
-    <p:sldId id="332" r:id="rId13"/>
-    <p:sldId id="334" r:id="rId14"/>
-    <p:sldId id="337" r:id="rId15"/>
-    <p:sldId id="338" r:id="rId16"/>
-    <p:sldId id="339" r:id="rId17"/>
-    <p:sldId id="299" r:id="rId18"/>
-    <p:sldId id="335" r:id="rId19"/>
-    <p:sldId id="298" r:id="rId20"/>
-    <p:sldId id="331" r:id="rId21"/>
-    <p:sldId id="301" r:id="rId22"/>
-    <p:sldId id="307" r:id="rId23"/>
-    <p:sldId id="341" r:id="rId24"/>
-    <p:sldId id="308" r:id="rId25"/>
-    <p:sldId id="309" r:id="rId26"/>
-    <p:sldId id="343" r:id="rId27"/>
-    <p:sldId id="342" r:id="rId28"/>
-    <p:sldId id="310" r:id="rId29"/>
-    <p:sldId id="314" r:id="rId30"/>
+    <p:sldId id="315" r:id="rId6"/>
+    <p:sldId id="293" r:id="rId7"/>
+    <p:sldId id="344" r:id="rId8"/>
+    <p:sldId id="345" r:id="rId9"/>
+    <p:sldId id="347" r:id="rId10"/>
+    <p:sldId id="296" r:id="rId11"/>
+    <p:sldId id="297" r:id="rId12"/>
+    <p:sldId id="333" r:id="rId13"/>
+    <p:sldId id="336" r:id="rId14"/>
+    <p:sldId id="332" r:id="rId15"/>
+    <p:sldId id="334" r:id="rId16"/>
+    <p:sldId id="337" r:id="rId17"/>
+    <p:sldId id="338" r:id="rId18"/>
+    <p:sldId id="348" r:id="rId19"/>
+    <p:sldId id="339" r:id="rId20"/>
+    <p:sldId id="299" r:id="rId21"/>
+    <p:sldId id="335" r:id="rId22"/>
+    <p:sldId id="298" r:id="rId23"/>
+    <p:sldId id="331" r:id="rId24"/>
+    <p:sldId id="301" r:id="rId25"/>
+    <p:sldId id="307" r:id="rId26"/>
+    <p:sldId id="349" r:id="rId27"/>
+    <p:sldId id="350" r:id="rId28"/>
+    <p:sldId id="308" r:id="rId29"/>
+    <p:sldId id="309" r:id="rId30"/>
+    <p:sldId id="343" r:id="rId31"/>
+    <p:sldId id="342" r:id="rId32"/>
+    <p:sldId id="310" r:id="rId33"/>
+    <p:sldId id="351" r:id="rId34"/>
+    <p:sldId id="314" r:id="rId35"/>
   </p:sldIdLst>
   <p:sldSz cx="12192000" cy="6858000"/>
   <p:notesSz cx="6858000" cy="9144000"/>
@@ -3525,14 +3530,14 @@
       </p:sp>
       <p:sp>
         <p:nvSpPr>
-          <p:cNvPr id="4" name="Text Box 3"/>
+          <p:cNvPr id="3" name="Text Box 2"/>
           <p:cNvSpPr txBox="1"/>
           <p:nvPr/>
         </p:nvSpPr>
         <p:spPr>
           <a:xfrm>
             <a:off x="332740" y="135255"/>
-            <a:ext cx="6692265" cy="645160"/>
+            <a:ext cx="8482965" cy="645160"/>
           </a:xfrm>
           <a:prstGeom prst="rect">
             <a:avLst/>
@@ -3545,10 +3550,301 @@
           </a:bodyPr>
           <a:p>
             <a:r>
+              <a:rPr lang="en-US" altLang="en-US" sz="3600"/>
+              <a:t>Parameters investigated </a:t>
+            </a:r>
+            <a:endParaRPr lang="en-US" altLang="en-US" sz="3600"/>
+          </a:p>
+        </p:txBody>
+      </p:sp>
+      <p:sp>
+        <p:nvSpPr>
+          <p:cNvPr id="4" name="Text Box 3"/>
+          <p:cNvSpPr txBox="1"/>
+          <p:nvPr/>
+        </p:nvSpPr>
+        <p:spPr>
+          <a:xfrm>
+            <a:off x="35560" y="1536700"/>
+            <a:ext cx="11581765" cy="3784600"/>
+          </a:xfrm>
+          <a:prstGeom prst="rect">
+            <a:avLst/>
+          </a:prstGeom>
+          <a:noFill/>
+        </p:spPr>
+        <p:txBody>
+          <a:bodyPr wrap="square" rtlCol="0">
+            <a:spAutoFit/>
+          </a:bodyPr>
+          <a:p>
+            <a:pPr marL="365760" indent="-285750" fontAlgn="auto">
+              <a:spcBef>
+                <a:spcPts val="3000"/>
+              </a:spcBef>
+              <a:buFont typeface="Arial" panose="02080604020202020204" pitchFamily="34" charset="0"/>
+              <a:buChar char="•"/>
+            </a:pPr>
+            <a:r>
+              <a:rPr lang="en-US" altLang="en-US" sz="2800">
+                <a:sym typeface="+mn-ea"/>
+              </a:rPr>
+              <a:t>Invariant mass of three pions</a:t>
+            </a:r>
+            <a:endParaRPr lang="en-US" altLang="en-US" sz="2800">
+              <a:sym typeface="+mn-ea"/>
+            </a:endParaRPr>
+          </a:p>
+          <a:p>
+            <a:pPr marL="365760" indent="-285750" fontAlgn="auto">
+              <a:spcBef>
+                <a:spcPts val="3000"/>
+              </a:spcBef>
+              <a:buFont typeface="Arial" panose="02080604020202020204" pitchFamily="34" charset="0"/>
+              <a:buChar char="•"/>
+            </a:pPr>
+            <a:r>
+              <a:rPr lang="en-US" altLang="en-US" sz="2800">
+                <a:sym typeface="+mn-ea"/>
+              </a:rPr>
+              <a:t>Photon number from different Calorimeters</a:t>
+            </a:r>
+            <a:endParaRPr lang="en-US" altLang="en-US" sz="2800"/>
+          </a:p>
+          <a:p>
+            <a:pPr marL="365760" indent="-285750" fontAlgn="auto">
+              <a:spcBef>
+                <a:spcPts val="3000"/>
+              </a:spcBef>
+              <a:buFont typeface="Arial" panose="02080604020202020204" pitchFamily="34" charset="0"/>
+              <a:buChar char="•"/>
+            </a:pPr>
+            <a:r>
+              <a:rPr lang="en-US" altLang="en-US" sz="2800"/>
+              <a:t>The total invariant mass </a:t>
+            </a:r>
+            <a:endParaRPr lang="en-US" altLang="en-US" sz="2800"/>
+          </a:p>
+          <a:p>
+            <a:pPr marL="365760" indent="-285750" fontAlgn="auto">
+              <a:spcBef>
+                <a:spcPts val="3000"/>
+              </a:spcBef>
+              <a:buFont typeface="Arial" panose="02080604020202020204" pitchFamily="34" charset="0"/>
+              <a:buChar char="•"/>
+            </a:pPr>
+            <a:r>
+              <a:rPr lang="en-US" altLang="en-US" sz="2800"/>
+              <a:t>Angular distribution of </a:t>
+            </a:r>
+            <a:r>
+              <a:rPr lang="en-US" altLang="en-US" sz="2800">
+                <a:sym typeface="+mn-ea"/>
+              </a:rPr>
+              <a:t>recoiled proton</a:t>
+            </a:r>
+            <a:endParaRPr lang="en-US" altLang="en-US" sz="2800">
+              <a:sym typeface="+mn-ea"/>
+            </a:endParaRPr>
+          </a:p>
+          <a:p>
+            <a:pPr marL="365760" indent="-285750" fontAlgn="auto">
+              <a:spcBef>
+                <a:spcPts val="3000"/>
+              </a:spcBef>
+              <a:buFont typeface="Arial" panose="02080604020202020204" pitchFamily="34" charset="0"/>
+              <a:buChar char="•"/>
+            </a:pPr>
+            <a:r>
+              <a:rPr lang="" altLang="en-US" sz="2800"/>
+              <a:t>The FWHM width of invariant mass histogram</a:t>
+            </a:r>
+            <a:endParaRPr lang="" altLang="en-US" sz="2800"/>
+          </a:p>
+        </p:txBody>
+      </p:sp>
+    </p:spTree>
+  </p:cSld>
+  <p:clrMapOvr>
+    <a:masterClrMapping/>
+  </p:clrMapOvr>
+</p:sld>
+</file>
+
+<file path=ppt/slides/slide11.xml><?xml version="1.0" encoding="utf-8"?>
+<p:sld xmlns:a="http://schemas.openxmlformats.org/drawingml/2006/main" xmlns:r="http://schemas.openxmlformats.org/officeDocument/2006/relationships" xmlns:p="http://schemas.openxmlformats.org/presentationml/2006/main">
+  <p:cSld>
+    <p:spTree>
+      <p:nvGrpSpPr>
+        <p:cNvPr id="1" name=""/>
+        <p:cNvGrpSpPr/>
+        <p:nvPr/>
+      </p:nvGrpSpPr>
+      <p:grpSpPr/>
+      <p:sp>
+        <p:nvSpPr>
+          <p:cNvPr id="2" name="Slide Number Placeholder 1"/>
+          <p:cNvSpPr>
+            <a:spLocks noGrp="1"/>
+          </p:cNvSpPr>
+          <p:nvPr>
+            <p:ph type="sldNum" sz="quarter" idx="12"/>
+          </p:nvPr>
+        </p:nvSpPr>
+        <p:spPr/>
+        <p:txBody>
+          <a:bodyPr/>
+          <a:p>
+            <a:r>
+              <a:rPr lang="en-US" altLang="zh-CN" smtClean="0"/>
+              <a:t> </a:t>
+            </a:r>
+            <a:fld id="{565CE74E-AB26-4998-AD42-012C4C1AD076}" type="slidenum">
+              <a:rPr lang="zh-CN" altLang="en-US" smtClean="0"/>
+            </a:fld>
+            <a:endParaRPr lang="en-US" altLang="zh-CN" smtClean="0"/>
+          </a:p>
+        </p:txBody>
+      </p:sp>
+      <p:sp>
+        <p:nvSpPr>
+          <p:cNvPr id="4" name="Text Box 3"/>
+          <p:cNvSpPr txBox="1"/>
+          <p:nvPr/>
+        </p:nvSpPr>
+        <p:spPr>
+          <a:xfrm>
+            <a:off x="332740" y="135255"/>
+            <a:ext cx="9294495" cy="645160"/>
+          </a:xfrm>
+          <a:prstGeom prst="rect">
+            <a:avLst/>
+          </a:prstGeom>
+          <a:noFill/>
+        </p:spPr>
+        <p:txBody>
+          <a:bodyPr wrap="square" rtlCol="0">
+            <a:spAutoFit/>
+          </a:bodyPr>
+          <a:p>
+            <a:r>
               <a:rPr lang="en-US" altLang="en-US" sz="3600">
                 <a:sym typeface="+mn-ea"/>
               </a:rPr>
-              <a:t>Invariant mass of 3 pions</a:t>
+              <a:t>Invariant mass of 3 pions </a:t>
+            </a:r>
+            <a:r>
+              <a:rPr lang="" altLang="en-US" sz="3600">
+                <a:sym typeface="+mn-ea"/>
+              </a:rPr>
+              <a:t>(Normalized)</a:t>
+            </a:r>
+            <a:endParaRPr lang="" altLang="en-US" sz="3600">
+              <a:sym typeface="+mn-ea"/>
+            </a:endParaRPr>
+          </a:p>
+        </p:txBody>
+      </p:sp>
+      <p:pic>
+        <p:nvPicPr>
+          <p:cNvPr id="5" name="Picture 4" descr="mass_Three_pion"/>
+          <p:cNvPicPr>
+            <a:picLocks noChangeAspect="1"/>
+          </p:cNvPicPr>
+          <p:nvPr/>
+        </p:nvPicPr>
+        <p:blipFill>
+          <a:blip r:embed="rId1"/>
+          <a:srcRect l="3845"/>
+          <a:stretch>
+            <a:fillRect/>
+          </a:stretch>
+        </p:blipFill>
+        <p:spPr>
+          <a:xfrm>
+            <a:off x="139700" y="922655"/>
+            <a:ext cx="10945495" cy="5513070"/>
+          </a:xfrm>
+          <a:prstGeom prst="rect">
+            <a:avLst/>
+          </a:prstGeom>
+        </p:spPr>
+      </p:pic>
+    </p:spTree>
+  </p:cSld>
+  <p:clrMapOvr>
+    <a:masterClrMapping/>
+  </p:clrMapOvr>
+</p:sld>
+</file>
+
+<file path=ppt/slides/slide12.xml><?xml version="1.0" encoding="utf-8"?>
+<p:sld xmlns:a="http://schemas.openxmlformats.org/drawingml/2006/main" xmlns:r="http://schemas.openxmlformats.org/officeDocument/2006/relationships" xmlns:p="http://schemas.openxmlformats.org/presentationml/2006/main">
+  <p:cSld>
+    <p:spTree>
+      <p:nvGrpSpPr>
+        <p:cNvPr id="1" name=""/>
+        <p:cNvGrpSpPr/>
+        <p:nvPr/>
+      </p:nvGrpSpPr>
+      <p:grpSpPr/>
+      <p:sp>
+        <p:nvSpPr>
+          <p:cNvPr id="2" name="Slide Number Placeholder 1"/>
+          <p:cNvSpPr>
+            <a:spLocks noGrp="1"/>
+          </p:cNvSpPr>
+          <p:nvPr>
+            <p:ph type="sldNum" sz="quarter" idx="12"/>
+          </p:nvPr>
+        </p:nvSpPr>
+        <p:spPr/>
+        <p:txBody>
+          <a:bodyPr/>
+          <a:p>
+            <a:r>
+              <a:rPr lang="en-US" altLang="zh-CN" smtClean="0"/>
+              <a:t> </a:t>
+            </a:r>
+            <a:fld id="{565CE74E-AB26-4998-AD42-012C4C1AD076}" type="slidenum">
+              <a:rPr lang="zh-CN" altLang="en-US" smtClean="0"/>
+            </a:fld>
+            <a:endParaRPr lang="en-US" altLang="zh-CN" smtClean="0"/>
+          </a:p>
+        </p:txBody>
+      </p:sp>
+      <p:sp>
+        <p:nvSpPr>
+          <p:cNvPr id="4" name="Text Box 3"/>
+          <p:cNvSpPr txBox="1"/>
+          <p:nvPr/>
+        </p:nvSpPr>
+        <p:spPr>
+          <a:xfrm>
+            <a:off x="323850" y="102870"/>
+            <a:ext cx="9452610" cy="645160"/>
+          </a:xfrm>
+          <a:prstGeom prst="rect">
+            <a:avLst/>
+          </a:prstGeom>
+          <a:noFill/>
+        </p:spPr>
+        <p:txBody>
+          <a:bodyPr wrap="square" rtlCol="0">
+            <a:spAutoFit/>
+          </a:bodyPr>
+          <a:p>
+            <a:r>
+              <a:rPr lang="en-US" altLang="en-US" sz="3600">
+                <a:sym typeface="+mn-ea"/>
+              </a:rPr>
+              <a:t>Invariant mass of 3 pions </a:t>
+            </a:r>
+            <a:r>
+              <a:rPr lang="en-US" altLang="en-US" sz="3600">
+                <a:sym typeface="+mn-ea"/>
+              </a:rPr>
+              <a:t>(Normalized)</a:t>
             </a:r>
             <a:endParaRPr lang="en-US" altLang="en-US" sz="3600">
               <a:sym typeface="+mn-ea"/>
@@ -3662,449 +3958,6 @@
 </p:sld>
 </file>
 
-<file path=ppt/slides/slide11.xml><?xml version="1.0" encoding="utf-8"?>
-<p:sld xmlns:a="http://schemas.openxmlformats.org/drawingml/2006/main" xmlns:r="http://schemas.openxmlformats.org/officeDocument/2006/relationships" xmlns:p="http://schemas.openxmlformats.org/presentationml/2006/main">
-  <p:cSld>
-    <p:spTree>
-      <p:nvGrpSpPr>
-        <p:cNvPr id="1" name=""/>
-        <p:cNvGrpSpPr/>
-        <p:nvPr/>
-      </p:nvGrpSpPr>
-      <p:grpSpPr/>
-      <p:sp>
-        <p:nvSpPr>
-          <p:cNvPr id="2" name="Slide Number Placeholder 1"/>
-          <p:cNvSpPr>
-            <a:spLocks noGrp="1"/>
-          </p:cNvSpPr>
-          <p:nvPr>
-            <p:ph type="sldNum" sz="quarter" idx="12"/>
-          </p:nvPr>
-        </p:nvSpPr>
-        <p:spPr/>
-        <p:txBody>
-          <a:bodyPr/>
-          <a:p>
-            <a:r>
-              <a:rPr lang="en-US" altLang="zh-CN" smtClean="0"/>
-              <a:t> </a:t>
-            </a:r>
-            <a:fld id="{565CE74E-AB26-4998-AD42-012C4C1AD076}" type="slidenum">
-              <a:rPr lang="zh-CN" altLang="en-US" smtClean="0"/>
-            </a:fld>
-            <a:endParaRPr lang="en-US" altLang="zh-CN" smtClean="0"/>
-          </a:p>
-        </p:txBody>
-      </p:sp>
-      <p:sp>
-        <p:nvSpPr>
-          <p:cNvPr id="3" name="Text Box 2"/>
-          <p:cNvSpPr txBox="1"/>
-          <p:nvPr/>
-        </p:nvSpPr>
-        <p:spPr>
-          <a:xfrm>
-            <a:off x="332740" y="135255"/>
-            <a:ext cx="9655810" cy="645160"/>
-          </a:xfrm>
-          <a:prstGeom prst="rect">
-            <a:avLst/>
-          </a:prstGeom>
-          <a:noFill/>
-        </p:spPr>
-        <p:txBody>
-          <a:bodyPr wrap="square" rtlCol="0">
-            <a:spAutoFit/>
-          </a:bodyPr>
-          <a:p>
-            <a:r>
-              <a:rPr lang="" altLang="en-US" sz="3600">
-                <a:sym typeface="+mn-ea"/>
-              </a:rPr>
-              <a:t>I</a:t>
-            </a:r>
-            <a:r>
-              <a:rPr lang="en-US" altLang="en-US" sz="3600">
-                <a:sym typeface="+mn-ea"/>
-              </a:rPr>
-              <a:t>nvariant mass </a:t>
-            </a:r>
-            <a:r>
-              <a:rPr lang="" altLang="en-US" sz="3600">
-                <a:sym typeface="+mn-ea"/>
-              </a:rPr>
-              <a:t>of 3 pions</a:t>
-            </a:r>
-            <a:r>
-              <a:rPr lang="en-US" altLang="en-US" sz="2400">
-                <a:sym typeface="+mn-ea"/>
-              </a:rPr>
-              <a:t>( Run = 69853)</a:t>
-            </a:r>
-            <a:endParaRPr lang="" altLang="en-US" sz="3600">
-              <a:sym typeface="+mn-ea"/>
-            </a:endParaRPr>
-          </a:p>
-        </p:txBody>
-      </p:sp>
-      <p:pic>
-        <p:nvPicPr>
-          <p:cNvPr id="4" name="Picture 3" descr="mass_Three_pion_69853"/>
-          <p:cNvPicPr>
-            <a:picLocks noChangeAspect="1"/>
-          </p:cNvPicPr>
-          <p:nvPr/>
-        </p:nvPicPr>
-        <p:blipFill>
-          <a:blip r:embed="rId1"/>
-          <a:stretch>
-            <a:fillRect/>
-          </a:stretch>
-        </p:blipFill>
-        <p:spPr>
-          <a:xfrm>
-            <a:off x="612775" y="873760"/>
-            <a:ext cx="10965815" cy="5629910"/>
-          </a:xfrm>
-          <a:prstGeom prst="rect">
-            <a:avLst/>
-          </a:prstGeom>
-        </p:spPr>
-      </p:pic>
-    </p:spTree>
-  </p:cSld>
-  <p:clrMapOvr>
-    <a:masterClrMapping/>
-  </p:clrMapOvr>
-</p:sld>
-</file>
-
-<file path=ppt/slides/slide12.xml><?xml version="1.0" encoding="utf-8"?>
-<p:sld xmlns:a="http://schemas.openxmlformats.org/drawingml/2006/main" xmlns:r="http://schemas.openxmlformats.org/officeDocument/2006/relationships" xmlns:p="http://schemas.openxmlformats.org/presentationml/2006/main">
-  <p:cSld>
-    <p:spTree>
-      <p:nvGrpSpPr>
-        <p:cNvPr id="1" name=""/>
-        <p:cNvGrpSpPr/>
-        <p:nvPr/>
-      </p:nvGrpSpPr>
-      <p:grpSpPr/>
-      <p:sp>
-        <p:nvSpPr>
-          <p:cNvPr id="2" name="Slide Number Placeholder 1"/>
-          <p:cNvSpPr>
-            <a:spLocks noGrp="1"/>
-          </p:cNvSpPr>
-          <p:nvPr>
-            <p:ph type="sldNum" sz="quarter" idx="12"/>
-          </p:nvPr>
-        </p:nvSpPr>
-        <p:spPr/>
-        <p:txBody>
-          <a:bodyPr/>
-          <a:p>
-            <a:r>
-              <a:rPr lang="en-US" altLang="zh-CN" smtClean="0"/>
-              <a:t> </a:t>
-            </a:r>
-            <a:fld id="{565CE74E-AB26-4998-AD42-012C4C1AD076}" type="slidenum">
-              <a:rPr lang="zh-CN" altLang="en-US" smtClean="0"/>
-            </a:fld>
-            <a:endParaRPr lang="en-US" altLang="zh-CN" smtClean="0"/>
-          </a:p>
-        </p:txBody>
-      </p:sp>
-      <p:sp>
-        <p:nvSpPr>
-          <p:cNvPr id="3" name="Text Box 2"/>
-          <p:cNvSpPr txBox="1"/>
-          <p:nvPr/>
-        </p:nvSpPr>
-        <p:spPr>
-          <a:xfrm>
-            <a:off x="332740" y="135255"/>
-            <a:ext cx="9655810" cy="645160"/>
-          </a:xfrm>
-          <a:prstGeom prst="rect">
-            <a:avLst/>
-          </a:prstGeom>
-          <a:noFill/>
-        </p:spPr>
-        <p:txBody>
-          <a:bodyPr wrap="square" rtlCol="0">
-            <a:spAutoFit/>
-          </a:bodyPr>
-          <a:p>
-            <a:r>
-              <a:rPr lang="en-US" altLang="en-US" sz="3600">
-                <a:sym typeface="+mn-ea"/>
-              </a:rPr>
-              <a:t>Invariant mass of 3 pions</a:t>
-            </a:r>
-            <a:r>
-              <a:rPr lang="en-US" altLang="en-US" sz="2400">
-                <a:sym typeface="+mn-ea"/>
-              </a:rPr>
-              <a:t>( Run = 69853)</a:t>
-            </a:r>
-            <a:endParaRPr lang="en-US" altLang="en-US" sz="3600">
-              <a:sym typeface="+mn-ea"/>
-            </a:endParaRPr>
-          </a:p>
-        </p:txBody>
-      </p:sp>
-      <p:pic>
-        <p:nvPicPr>
-          <p:cNvPr id="4" name="Picture 3" descr="mass_Three_pion_69853"/>
-          <p:cNvPicPr>
-            <a:picLocks noChangeAspect="1"/>
-          </p:cNvPicPr>
-          <p:nvPr/>
-        </p:nvPicPr>
-        <p:blipFill>
-          <a:blip r:embed="rId1"/>
-          <a:stretch>
-            <a:fillRect/>
-          </a:stretch>
-        </p:blipFill>
-        <p:spPr>
-          <a:xfrm>
-            <a:off x="612775" y="873760"/>
-            <a:ext cx="10965815" cy="5629910"/>
-          </a:xfrm>
-          <a:prstGeom prst="rect">
-            <a:avLst/>
-          </a:prstGeom>
-        </p:spPr>
-      </p:pic>
-      <p:cxnSp>
-        <p:nvCxnSpPr>
-          <p:cNvPr id="5" name="Straight Connector 4"/>
-          <p:cNvCxnSpPr/>
-          <p:nvPr/>
-        </p:nvCxnSpPr>
-        <p:spPr>
-          <a:xfrm>
-            <a:off x="3295015" y="1055370"/>
-            <a:ext cx="0" cy="5266690"/>
-          </a:xfrm>
-          <a:prstGeom prst="line">
-            <a:avLst/>
-          </a:prstGeom>
-          <a:ln w="19050">
-            <a:solidFill>
-              <a:srgbClr val="FF0000"/>
-            </a:solidFill>
-            <a:prstDash val="dash"/>
-          </a:ln>
-        </p:spPr>
-        <p:style>
-          <a:lnRef idx="1">
-            <a:schemeClr val="accent1"/>
-          </a:lnRef>
-          <a:fillRef idx="0">
-            <a:schemeClr val="accent1"/>
-          </a:fillRef>
-          <a:effectRef idx="0">
-            <a:schemeClr val="accent1"/>
-          </a:effectRef>
-          <a:fontRef idx="minor">
-            <a:schemeClr val="tx1"/>
-          </a:fontRef>
-        </p:style>
-      </p:cxnSp>
-      <p:sp>
-        <p:nvSpPr>
-          <p:cNvPr id="6" name="Text Box 5"/>
-          <p:cNvSpPr txBox="1"/>
-          <p:nvPr/>
-        </p:nvSpPr>
-        <p:spPr>
-          <a:xfrm>
-            <a:off x="2987675" y="6322060"/>
-            <a:ext cx="615315" cy="368300"/>
-          </a:xfrm>
-          <a:prstGeom prst="rect">
-            <a:avLst/>
-          </a:prstGeom>
-          <a:noFill/>
-        </p:spPr>
-        <p:txBody>
-          <a:bodyPr wrap="square" rtlCol="0">
-            <a:spAutoFit/>
-          </a:bodyPr>
-          <a:p>
-            <a:r>
-              <a:rPr lang="en-US" altLang="en-US">
-                <a:solidFill>
-                  <a:srgbClr val="FF0000"/>
-                </a:solidFill>
-              </a:rPr>
-              <a:t>1.3</a:t>
-            </a:r>
-            <a:endParaRPr lang="en-US" altLang="en-US">
-              <a:solidFill>
-                <a:srgbClr val="FF0000"/>
-              </a:solidFill>
-            </a:endParaRPr>
-          </a:p>
-        </p:txBody>
-      </p:sp>
-      <p:cxnSp>
-        <p:nvCxnSpPr>
-          <p:cNvPr id="7" name="Straight Connector 6"/>
-          <p:cNvCxnSpPr/>
-          <p:nvPr/>
-        </p:nvCxnSpPr>
-        <p:spPr>
-          <a:xfrm>
-            <a:off x="3669030" y="1055370"/>
-            <a:ext cx="0" cy="5266690"/>
-          </a:xfrm>
-          <a:prstGeom prst="line">
-            <a:avLst/>
-          </a:prstGeom>
-          <a:ln w="19050">
-            <a:solidFill>
-              <a:srgbClr val="FF0000"/>
-            </a:solidFill>
-            <a:prstDash val="dash"/>
-          </a:ln>
-        </p:spPr>
-        <p:style>
-          <a:lnRef idx="1">
-            <a:schemeClr val="accent1"/>
-          </a:lnRef>
-          <a:fillRef idx="0">
-            <a:schemeClr val="accent1"/>
-          </a:fillRef>
-          <a:effectRef idx="0">
-            <a:schemeClr val="accent1"/>
-          </a:effectRef>
-          <a:fontRef idx="minor">
-            <a:schemeClr val="tx1"/>
-          </a:fontRef>
-        </p:style>
-      </p:cxnSp>
-      <p:sp>
-        <p:nvSpPr>
-          <p:cNvPr id="8" name="Text Box 7"/>
-          <p:cNvSpPr txBox="1"/>
-          <p:nvPr/>
-        </p:nvSpPr>
-        <p:spPr>
-          <a:xfrm>
-            <a:off x="3466465" y="6322060"/>
-            <a:ext cx="615315" cy="368300"/>
-          </a:xfrm>
-          <a:prstGeom prst="rect">
-            <a:avLst/>
-          </a:prstGeom>
-          <a:noFill/>
-        </p:spPr>
-        <p:txBody>
-          <a:bodyPr wrap="square" rtlCol="0">
-            <a:spAutoFit/>
-          </a:bodyPr>
-          <a:p>
-            <a:r>
-              <a:rPr lang="en-US" altLang="en-US">
-                <a:solidFill>
-                  <a:srgbClr val="FF0000"/>
-                </a:solidFill>
-              </a:rPr>
-              <a:t>1.6</a:t>
-            </a:r>
-            <a:endParaRPr lang="en-US" altLang="en-US">
-              <a:solidFill>
-                <a:srgbClr val="FF0000"/>
-              </a:solidFill>
-            </a:endParaRPr>
-          </a:p>
-        </p:txBody>
-      </p:sp>
-      <p:cxnSp>
-        <p:nvCxnSpPr>
-          <p:cNvPr id="9" name="Straight Connector 8"/>
-          <p:cNvCxnSpPr/>
-          <p:nvPr/>
-        </p:nvCxnSpPr>
-        <p:spPr>
-          <a:xfrm>
-            <a:off x="3602990" y="3516630"/>
-            <a:ext cx="971550" cy="0"/>
-          </a:xfrm>
-          <a:prstGeom prst="line">
-            <a:avLst/>
-          </a:prstGeom>
-          <a:ln w="9525">
-            <a:solidFill>
-              <a:srgbClr val="FF0000"/>
-            </a:solidFill>
-            <a:prstDash val="sysDot"/>
-          </a:ln>
-        </p:spPr>
-        <p:style>
-          <a:lnRef idx="1">
-            <a:schemeClr val="accent1"/>
-          </a:lnRef>
-          <a:fillRef idx="0">
-            <a:schemeClr val="accent1"/>
-          </a:fillRef>
-          <a:effectRef idx="0">
-            <a:schemeClr val="accent1"/>
-          </a:effectRef>
-          <a:fontRef idx="minor">
-            <a:schemeClr val="tx1"/>
-          </a:fontRef>
-        </p:style>
-      </p:cxnSp>
-      <p:sp>
-        <p:nvSpPr>
-          <p:cNvPr id="10" name="Text Box 9"/>
-          <p:cNvSpPr txBox="1"/>
-          <p:nvPr/>
-        </p:nvSpPr>
-        <p:spPr>
-          <a:xfrm>
-            <a:off x="4389120" y="3520440"/>
-            <a:ext cx="3305175" cy="337185"/>
-          </a:xfrm>
-          <a:prstGeom prst="rect">
-            <a:avLst/>
-          </a:prstGeom>
-          <a:noFill/>
-        </p:spPr>
-        <p:txBody>
-          <a:bodyPr wrap="square" rtlCol="0">
-            <a:spAutoFit/>
-          </a:bodyPr>
-          <a:p>
-            <a:r>
-              <a:rPr lang="en-US" altLang="en-US" sz="1600">
-                <a:solidFill>
-                  <a:srgbClr val="FF0000"/>
-                </a:solidFill>
-              </a:rPr>
-              <a:t>55% of maximum</a:t>
-            </a:r>
-            <a:endParaRPr lang="en-US" altLang="en-US" sz="1600">
-              <a:solidFill>
-                <a:srgbClr val="FF0000"/>
-              </a:solidFill>
-            </a:endParaRPr>
-          </a:p>
-        </p:txBody>
-      </p:sp>
-    </p:spTree>
-  </p:cSld>
-  <p:clrMapOvr>
-    <a:masterClrMapping/>
-  </p:clrMapOvr>
-</p:sld>
-</file>
-
 <file path=ppt/slides/slide13.xml><?xml version="1.0" encoding="utf-8"?>
 <p:sld xmlns:a="http://schemas.openxmlformats.org/drawingml/2006/main" xmlns:r="http://schemas.openxmlformats.org/officeDocument/2006/relationships" xmlns:p="http://schemas.openxmlformats.org/presentationml/2006/main">
   <p:cSld>
@@ -4140,9 +3993,60 @@
           </a:p>
         </p:txBody>
       </p:sp>
+      <p:sp>
+        <p:nvSpPr>
+          <p:cNvPr id="3" name="Text Box 2"/>
+          <p:cNvSpPr txBox="1"/>
+          <p:nvPr/>
+        </p:nvSpPr>
+        <p:spPr>
+          <a:xfrm>
+            <a:off x="332740" y="135255"/>
+            <a:ext cx="9655810" cy="645160"/>
+          </a:xfrm>
+          <a:prstGeom prst="rect">
+            <a:avLst/>
+          </a:prstGeom>
+          <a:noFill/>
+        </p:spPr>
+        <p:txBody>
+          <a:bodyPr wrap="square" rtlCol="0">
+            <a:spAutoFit/>
+          </a:bodyPr>
+          <a:p>
+            <a:r>
+              <a:rPr lang="" altLang="en-US" sz="3600">
+                <a:sym typeface="+mn-ea"/>
+              </a:rPr>
+              <a:t>I</a:t>
+            </a:r>
+            <a:r>
+              <a:rPr lang="en-US" altLang="en-US" sz="3600">
+                <a:sym typeface="+mn-ea"/>
+              </a:rPr>
+              <a:t>nvariant mass </a:t>
+            </a:r>
+            <a:r>
+              <a:rPr lang="" altLang="en-US" sz="3600">
+                <a:sym typeface="+mn-ea"/>
+              </a:rPr>
+              <a:t>of 3 pions</a:t>
+            </a:r>
+            <a:r>
+              <a:rPr lang="en-US" altLang="en-US" sz="2400">
+                <a:sym typeface="+mn-ea"/>
+              </a:rPr>
+              <a:t>( Run = 69853)</a:t>
+            </a:r>
+            <a:endParaRPr lang="" altLang="en-US" sz="3600">
+              <a:sym typeface="+mn-ea"/>
+            </a:endParaRPr>
+          </a:p>
+        </p:txBody>
+      </p:sp>
       <p:pic>
         <p:nvPicPr>
-          <p:cNvPr id="3" name="Picture 2" descr="mass_Three_pion_center_down"/>
+          <p:cNvPr id="4" name="Picture 3" descr="mass_Three_pion_69853"/>
           <p:cNvPicPr>
             <a:picLocks noChangeAspect="1"/>
           </p:cNvPicPr>
@@ -4156,8 +4060,8 @@
         </p:blipFill>
         <p:spPr>
           <a:xfrm>
-            <a:off x="369570" y="786765"/>
-            <a:ext cx="11604625" cy="5620385"/>
+            <a:off x="612775" y="873760"/>
+            <a:ext cx="10965815" cy="5629910"/>
           </a:xfrm>
           <a:prstGeom prst="rect">
             <a:avLst/>
@@ -4207,9 +4111,48 @@
           </a:p>
         </p:txBody>
       </p:sp>
+      <p:sp>
+        <p:nvSpPr>
+          <p:cNvPr id="3" name="Text Box 2"/>
+          <p:cNvSpPr txBox="1"/>
+          <p:nvPr/>
+        </p:nvSpPr>
+        <p:spPr>
+          <a:xfrm>
+            <a:off x="332740" y="135255"/>
+            <a:ext cx="9655810" cy="645160"/>
+          </a:xfrm>
+          <a:prstGeom prst="rect">
+            <a:avLst/>
+          </a:prstGeom>
+          <a:noFill/>
+        </p:spPr>
+        <p:txBody>
+          <a:bodyPr wrap="square" rtlCol="0">
+            <a:spAutoFit/>
+          </a:bodyPr>
+          <a:p>
+            <a:r>
+              <a:rPr lang="en-US" altLang="en-US" sz="3600">
+                <a:sym typeface="+mn-ea"/>
+              </a:rPr>
+              <a:t>Invariant mass of 3 pions</a:t>
+            </a:r>
+            <a:r>
+              <a:rPr lang="en-US" altLang="en-US" sz="2400">
+                <a:sym typeface="+mn-ea"/>
+              </a:rPr>
+              <a:t>( Run = 69853)</a:t>
+            </a:r>
+            <a:endParaRPr lang="en-US" altLang="en-US" sz="3600">
+              <a:sym typeface="+mn-ea"/>
+            </a:endParaRPr>
+          </a:p>
+        </p:txBody>
+      </p:sp>
       <p:pic>
         <p:nvPicPr>
-          <p:cNvPr id="3" name="Picture 2" descr="mass_Three_pion_center_down"/>
+          <p:cNvPr id="4" name="Picture 3" descr="mass_Three_pion_69853"/>
           <p:cNvPicPr>
             <a:picLocks noChangeAspect="1"/>
           </p:cNvPicPr>
@@ -4223,61 +4166,33 @@
         </p:blipFill>
         <p:spPr>
           <a:xfrm>
-            <a:off x="369570" y="786765"/>
-            <a:ext cx="11604625" cy="5620385"/>
+            <a:off x="612775" y="873760"/>
+            <a:ext cx="10965815" cy="5629910"/>
           </a:xfrm>
           <a:prstGeom prst="rect">
             <a:avLst/>
           </a:prstGeom>
-        </p:spPr>
-      </p:pic>
-      <p:pic>
-        <p:nvPicPr>
-          <p:cNvPr id="5" name="Picture 4" descr="mass_Three_pion_center_down_his"/>
-          <p:cNvPicPr>
-            <a:picLocks noChangeAspect="1"/>
-          </p:cNvPicPr>
-          <p:nvPr/>
-        </p:nvPicPr>
-        <p:blipFill>
-          <a:blip r:embed="rId2"/>
-          <a:srcRect l="6353" t="6911" r="11465" b="5990"/>
-          <a:stretch>
-            <a:fillRect/>
-          </a:stretch>
-        </p:blipFill>
-        <p:spPr>
-          <a:xfrm>
-            <a:off x="6078220" y="1187450"/>
-            <a:ext cx="4069080" cy="4349115"/>
-          </a:xfrm>
-          <a:prstGeom prst="rect">
-            <a:avLst/>
-          </a:prstGeom>
-          <a:effectLst>
-            <a:softEdge rad="63500"/>
-          </a:effectLst>
         </p:spPr>
       </p:pic>
       <p:cxnSp>
         <p:nvCxnSpPr>
-          <p:cNvPr id="4" name="Straight Arrow Connector 3"/>
+          <p:cNvPr id="5" name="Straight Connector 4"/>
           <p:cNvCxnSpPr/>
           <p:nvPr/>
         </p:nvCxnSpPr>
         <p:spPr>
-          <a:xfrm flipV="1">
-            <a:off x="3622040" y="4105910"/>
-            <a:ext cx="2822575" cy="273050"/>
-          </a:xfrm>
-          <a:prstGeom prst="straightConnector1">
-            <a:avLst/>
-          </a:prstGeom>
-          <a:ln w="28575">
+          <a:xfrm>
+            <a:off x="3295015" y="1055370"/>
+            <a:ext cx="0" cy="5266690"/>
+          </a:xfrm>
+          <a:prstGeom prst="line">
+            <a:avLst/>
+          </a:prstGeom>
+          <a:ln w="19050">
             <a:solidFill>
               <a:srgbClr val="FF0000"/>
             </a:solidFill>
-            <a:tailEnd type="arrow"/>
+            <a:prstDash val="dash"/>
           </a:ln>
         </p:spPr>
         <p:style>
@@ -4295,6 +4210,205 @@
           </a:fontRef>
         </p:style>
       </p:cxnSp>
+      <p:sp>
+        <p:nvSpPr>
+          <p:cNvPr id="6" name="Text Box 5"/>
+          <p:cNvSpPr txBox="1"/>
+          <p:nvPr/>
+        </p:nvSpPr>
+        <p:spPr>
+          <a:xfrm>
+            <a:off x="2844165" y="6322060"/>
+            <a:ext cx="725805" cy="368300"/>
+          </a:xfrm>
+          <a:prstGeom prst="rect">
+            <a:avLst/>
+          </a:prstGeom>
+          <a:noFill/>
+        </p:spPr>
+        <p:txBody>
+          <a:bodyPr wrap="square" rtlCol="0">
+            <a:spAutoFit/>
+          </a:bodyPr>
+          <a:p>
+            <a:r>
+              <a:rPr lang="en-US" altLang="en-US">
+                <a:solidFill>
+                  <a:srgbClr val="FF0000"/>
+                </a:solidFill>
+              </a:rPr>
+              <a:t>1.3</a:t>
+            </a:r>
+            <a:r>
+              <a:rPr lang="" altLang="en-US">
+                <a:solidFill>
+                  <a:srgbClr val="FF0000"/>
+                </a:solidFill>
+              </a:rPr>
+              <a:t>2</a:t>
+            </a:r>
+            <a:endParaRPr lang="" altLang="en-US">
+              <a:solidFill>
+                <a:srgbClr val="FF0000"/>
+              </a:solidFill>
+            </a:endParaRPr>
+          </a:p>
+        </p:txBody>
+      </p:sp>
+      <p:cxnSp>
+        <p:nvCxnSpPr>
+          <p:cNvPr id="7" name="Straight Connector 6"/>
+          <p:cNvCxnSpPr/>
+          <p:nvPr/>
+        </p:nvCxnSpPr>
+        <p:spPr>
+          <a:xfrm>
+            <a:off x="3669030" y="1055370"/>
+            <a:ext cx="0" cy="5266690"/>
+          </a:xfrm>
+          <a:prstGeom prst="line">
+            <a:avLst/>
+          </a:prstGeom>
+          <a:ln w="19050">
+            <a:solidFill>
+              <a:srgbClr val="FF0000"/>
+            </a:solidFill>
+            <a:prstDash val="dash"/>
+          </a:ln>
+        </p:spPr>
+        <p:style>
+          <a:lnRef idx="1">
+            <a:schemeClr val="accent1"/>
+          </a:lnRef>
+          <a:fillRef idx="0">
+            <a:schemeClr val="accent1"/>
+          </a:fillRef>
+          <a:effectRef idx="0">
+            <a:schemeClr val="accent1"/>
+          </a:effectRef>
+          <a:fontRef idx="minor">
+            <a:schemeClr val="tx1"/>
+          </a:fontRef>
+        </p:style>
+      </p:cxnSp>
+      <p:sp>
+        <p:nvSpPr>
+          <p:cNvPr id="8" name="Text Box 7"/>
+          <p:cNvSpPr txBox="1"/>
+          <p:nvPr/>
+        </p:nvSpPr>
+        <p:spPr>
+          <a:xfrm>
+            <a:off x="3466465" y="6322060"/>
+            <a:ext cx="729615" cy="368300"/>
+          </a:xfrm>
+          <a:prstGeom prst="rect">
+            <a:avLst/>
+          </a:prstGeom>
+          <a:noFill/>
+        </p:spPr>
+        <p:txBody>
+          <a:bodyPr wrap="square" rtlCol="0">
+            <a:spAutoFit/>
+          </a:bodyPr>
+          <a:p>
+            <a:r>
+              <a:rPr lang="en-US" altLang="en-US">
+                <a:solidFill>
+                  <a:srgbClr val="FF0000"/>
+                </a:solidFill>
+              </a:rPr>
+              <a:t>1.6</a:t>
+            </a:r>
+            <a:r>
+              <a:rPr lang="" altLang="en-US">
+                <a:solidFill>
+                  <a:srgbClr val="FF0000"/>
+                </a:solidFill>
+              </a:rPr>
+              <a:t>7</a:t>
+            </a:r>
+            <a:endParaRPr lang="" altLang="en-US">
+              <a:solidFill>
+                <a:srgbClr val="FF0000"/>
+              </a:solidFill>
+            </a:endParaRPr>
+          </a:p>
+        </p:txBody>
+      </p:sp>
+      <p:cxnSp>
+        <p:nvCxnSpPr>
+          <p:cNvPr id="9" name="Straight Connector 8"/>
+          <p:cNvCxnSpPr/>
+          <p:nvPr/>
+        </p:nvCxnSpPr>
+        <p:spPr>
+          <a:xfrm>
+            <a:off x="3602990" y="3516630"/>
+            <a:ext cx="971550" cy="0"/>
+          </a:xfrm>
+          <a:prstGeom prst="line">
+            <a:avLst/>
+          </a:prstGeom>
+          <a:ln w="9525">
+            <a:solidFill>
+              <a:srgbClr val="FF0000"/>
+            </a:solidFill>
+            <a:prstDash val="sysDot"/>
+          </a:ln>
+        </p:spPr>
+        <p:style>
+          <a:lnRef idx="1">
+            <a:schemeClr val="accent1"/>
+          </a:lnRef>
+          <a:fillRef idx="0">
+            <a:schemeClr val="accent1"/>
+          </a:fillRef>
+          <a:effectRef idx="0">
+            <a:schemeClr val="accent1"/>
+          </a:effectRef>
+          <a:fontRef idx="minor">
+            <a:schemeClr val="tx1"/>
+          </a:fontRef>
+        </p:style>
+      </p:cxnSp>
+      <p:sp>
+        <p:nvSpPr>
+          <p:cNvPr id="10" name="Text Box 9"/>
+          <p:cNvSpPr txBox="1"/>
+          <p:nvPr/>
+        </p:nvSpPr>
+        <p:spPr>
+          <a:xfrm>
+            <a:off x="4389120" y="3520440"/>
+            <a:ext cx="3305175" cy="337185"/>
+          </a:xfrm>
+          <a:prstGeom prst="rect">
+            <a:avLst/>
+          </a:prstGeom>
+          <a:noFill/>
+        </p:spPr>
+        <p:txBody>
+          <a:bodyPr wrap="square" rtlCol="0">
+            <a:spAutoFit/>
+          </a:bodyPr>
+          <a:p>
+            <a:r>
+              <a:rPr lang="en-US" altLang="en-US" sz="1600">
+                <a:solidFill>
+                  <a:srgbClr val="FF0000"/>
+                </a:solidFill>
+              </a:rPr>
+              <a:t>55% of maximum</a:t>
+            </a:r>
+            <a:endParaRPr lang="en-US" altLang="en-US" sz="1600">
+              <a:solidFill>
+                <a:srgbClr val="FF0000"/>
+              </a:solidFill>
+            </a:endParaRPr>
+          </a:p>
+        </p:txBody>
+      </p:sp>
     </p:spTree>
   </p:cSld>
   <p:clrMapOvr>
@@ -4304,6 +4418,441 @@
 </file>
 
 <file path=ppt/slides/slide15.xml><?xml version="1.0" encoding="utf-8"?>
+<p:sld xmlns:a="http://schemas.openxmlformats.org/drawingml/2006/main" xmlns:r="http://schemas.openxmlformats.org/officeDocument/2006/relationships" xmlns:p="http://schemas.openxmlformats.org/presentationml/2006/main">
+  <p:cSld>
+    <p:spTree>
+      <p:nvGrpSpPr>
+        <p:cNvPr id="1" name=""/>
+        <p:cNvGrpSpPr/>
+        <p:nvPr/>
+      </p:nvGrpSpPr>
+      <p:grpSpPr/>
+      <p:sp>
+        <p:nvSpPr>
+          <p:cNvPr id="2" name="Slide Number Placeholder 1"/>
+          <p:cNvSpPr>
+            <a:spLocks noGrp="1"/>
+          </p:cNvSpPr>
+          <p:nvPr>
+            <p:ph type="sldNum" sz="quarter" idx="12"/>
+          </p:nvPr>
+        </p:nvSpPr>
+        <p:spPr/>
+        <p:txBody>
+          <a:bodyPr/>
+          <a:p>
+            <a:r>
+              <a:rPr lang="en-US" altLang="zh-CN" smtClean="0"/>
+              <a:t> </a:t>
+            </a:r>
+            <a:fld id="{565CE74E-AB26-4998-AD42-012C4C1AD076}" type="slidenum">
+              <a:rPr lang="zh-CN" altLang="en-US" smtClean="0"/>
+            </a:fld>
+            <a:endParaRPr lang="en-US" altLang="zh-CN" smtClean="0"/>
+          </a:p>
+        </p:txBody>
+      </p:sp>
+      <p:pic>
+        <p:nvPicPr>
+          <p:cNvPr id="3" name="Picture 2" descr="mass_Three_pion_center_down"/>
+          <p:cNvPicPr>
+            <a:picLocks noChangeAspect="1"/>
+          </p:cNvPicPr>
+          <p:nvPr/>
+        </p:nvPicPr>
+        <p:blipFill>
+          <a:blip r:embed="rId1"/>
+          <a:stretch>
+            <a:fillRect/>
+          </a:stretch>
+        </p:blipFill>
+        <p:spPr>
+          <a:xfrm>
+            <a:off x="369570" y="786765"/>
+            <a:ext cx="11604625" cy="5620385"/>
+          </a:xfrm>
+          <a:prstGeom prst="rect">
+            <a:avLst/>
+          </a:prstGeom>
+        </p:spPr>
+      </p:pic>
+      <p:sp>
+        <p:nvSpPr>
+          <p:cNvPr id="4" name="Text Box 3"/>
+          <p:cNvSpPr txBox="1"/>
+          <p:nvPr/>
+        </p:nvSpPr>
+        <p:spPr>
+          <a:xfrm>
+            <a:off x="332740" y="135255"/>
+            <a:ext cx="6025515" cy="645160"/>
+          </a:xfrm>
+          <a:prstGeom prst="rect">
+            <a:avLst/>
+          </a:prstGeom>
+          <a:noFill/>
+        </p:spPr>
+        <p:txBody>
+          <a:bodyPr wrap="square" rtlCol="0">
+            <a:spAutoFit/>
+          </a:bodyPr>
+          <a:p>
+            <a:r>
+              <a:rPr lang="" altLang="en-US" sz="3600">
+                <a:sym typeface="+mn-ea"/>
+              </a:rPr>
+              <a:t>3 pions invariant mass</a:t>
+            </a:r>
+            <a:endParaRPr lang="" altLang="en-US" sz="3600">
+              <a:sym typeface="+mn-ea"/>
+            </a:endParaRPr>
+          </a:p>
+        </p:txBody>
+      </p:sp>
+    </p:spTree>
+  </p:cSld>
+  <p:clrMapOvr>
+    <a:masterClrMapping/>
+  </p:clrMapOvr>
+</p:sld>
+</file>
+
+<file path=ppt/slides/slide16.xml><?xml version="1.0" encoding="utf-8"?>
+<p:sld xmlns:a="http://schemas.openxmlformats.org/drawingml/2006/main" xmlns:r="http://schemas.openxmlformats.org/officeDocument/2006/relationships" xmlns:p="http://schemas.openxmlformats.org/presentationml/2006/main">
+  <p:cSld>
+    <p:spTree>
+      <p:nvGrpSpPr>
+        <p:cNvPr id="1" name=""/>
+        <p:cNvGrpSpPr/>
+        <p:nvPr/>
+      </p:nvGrpSpPr>
+      <p:grpSpPr/>
+      <p:sp>
+        <p:nvSpPr>
+          <p:cNvPr id="2" name="Slide Number Placeholder 1"/>
+          <p:cNvSpPr>
+            <a:spLocks noGrp="1"/>
+          </p:cNvSpPr>
+          <p:nvPr>
+            <p:ph type="sldNum" sz="quarter" idx="12"/>
+          </p:nvPr>
+        </p:nvSpPr>
+        <p:spPr/>
+        <p:txBody>
+          <a:bodyPr/>
+          <a:p>
+            <a:r>
+              <a:rPr lang="en-US" altLang="zh-CN" smtClean="0"/>
+              <a:t> </a:t>
+            </a:r>
+            <a:fld id="{565CE74E-AB26-4998-AD42-012C4C1AD076}" type="slidenum">
+              <a:rPr lang="zh-CN" altLang="en-US" smtClean="0"/>
+            </a:fld>
+            <a:endParaRPr lang="en-US" altLang="zh-CN" smtClean="0"/>
+          </a:p>
+        </p:txBody>
+      </p:sp>
+      <p:pic>
+        <p:nvPicPr>
+          <p:cNvPr id="3" name="Picture 2" descr="mass_Three_pion_center_down"/>
+          <p:cNvPicPr>
+            <a:picLocks noChangeAspect="1"/>
+          </p:cNvPicPr>
+          <p:nvPr/>
+        </p:nvPicPr>
+        <p:blipFill>
+          <a:blip r:embed="rId1"/>
+          <a:stretch>
+            <a:fillRect/>
+          </a:stretch>
+        </p:blipFill>
+        <p:spPr>
+          <a:xfrm>
+            <a:off x="369570" y="786765"/>
+            <a:ext cx="11604625" cy="5620385"/>
+          </a:xfrm>
+          <a:prstGeom prst="rect">
+            <a:avLst/>
+          </a:prstGeom>
+        </p:spPr>
+      </p:pic>
+      <p:pic>
+        <p:nvPicPr>
+          <p:cNvPr id="6" name="Picture 5" descr="mass_Three_pion_69820"/>
+          <p:cNvPicPr>
+            <a:picLocks noChangeAspect="1"/>
+          </p:cNvPicPr>
+          <p:nvPr/>
+        </p:nvPicPr>
+        <p:blipFill>
+          <a:blip r:embed="rId2"/>
+          <a:stretch>
+            <a:fillRect/>
+          </a:stretch>
+        </p:blipFill>
+        <p:spPr>
+          <a:xfrm>
+            <a:off x="6330315" y="733425"/>
+            <a:ext cx="3438525" cy="4868545"/>
+          </a:xfrm>
+          <a:prstGeom prst="rect">
+            <a:avLst/>
+          </a:prstGeom>
+          <a:effectLst>
+            <a:softEdge rad="63500"/>
+          </a:effectLst>
+        </p:spPr>
+      </p:pic>
+      <p:cxnSp>
+        <p:nvCxnSpPr>
+          <p:cNvPr id="4" name="Straight Arrow Connector 3"/>
+          <p:cNvCxnSpPr/>
+          <p:nvPr/>
+        </p:nvCxnSpPr>
+        <p:spPr>
+          <a:xfrm flipV="1">
+            <a:off x="3622040" y="3780155"/>
+            <a:ext cx="4271645" cy="598805"/>
+          </a:xfrm>
+          <a:prstGeom prst="straightConnector1">
+            <a:avLst/>
+          </a:prstGeom>
+          <a:ln w="28575">
+            <a:solidFill>
+              <a:srgbClr val="FF0000"/>
+            </a:solidFill>
+            <a:tailEnd type="arrow"/>
+          </a:ln>
+        </p:spPr>
+        <p:style>
+          <a:lnRef idx="1">
+            <a:schemeClr val="accent1"/>
+          </a:lnRef>
+          <a:fillRef idx="0">
+            <a:schemeClr val="accent1"/>
+          </a:fillRef>
+          <a:effectRef idx="0">
+            <a:schemeClr val="accent1"/>
+          </a:effectRef>
+          <a:fontRef idx="minor">
+            <a:schemeClr val="tx1"/>
+          </a:fontRef>
+        </p:style>
+      </p:cxnSp>
+      <p:sp>
+        <p:nvSpPr>
+          <p:cNvPr id="8" name="Text Box 7"/>
+          <p:cNvSpPr txBox="1"/>
+          <p:nvPr/>
+        </p:nvSpPr>
+        <p:spPr>
+          <a:xfrm>
+            <a:off x="332740" y="135255"/>
+            <a:ext cx="6025515" cy="645160"/>
+          </a:xfrm>
+          <a:prstGeom prst="rect">
+            <a:avLst/>
+          </a:prstGeom>
+          <a:noFill/>
+        </p:spPr>
+        <p:txBody>
+          <a:bodyPr wrap="square" rtlCol="0">
+            <a:spAutoFit/>
+          </a:bodyPr>
+          <a:p>
+            <a:r>
+              <a:rPr lang="en-US" altLang="en-US" sz="3600">
+                <a:sym typeface="+mn-ea"/>
+              </a:rPr>
+              <a:t>3 pions invariant mass</a:t>
+            </a:r>
+            <a:endParaRPr lang="en-US" altLang="en-US" sz="3600">
+              <a:sym typeface="+mn-ea"/>
+            </a:endParaRPr>
+          </a:p>
+        </p:txBody>
+      </p:sp>
+    </p:spTree>
+  </p:cSld>
+  <p:clrMapOvr>
+    <a:masterClrMapping/>
+  </p:clrMapOvr>
+</p:sld>
+</file>
+
+<file path=ppt/slides/slide17.xml><?xml version="1.0" encoding="utf-8"?>
+<p:sld xmlns:a="http://schemas.openxmlformats.org/drawingml/2006/main" xmlns:r="http://schemas.openxmlformats.org/officeDocument/2006/relationships" xmlns:p="http://schemas.openxmlformats.org/presentationml/2006/main">
+  <p:cSld>
+    <p:spTree>
+      <p:nvGrpSpPr>
+        <p:cNvPr id="1" name=""/>
+        <p:cNvGrpSpPr/>
+        <p:nvPr/>
+      </p:nvGrpSpPr>
+      <p:grpSpPr/>
+      <p:sp>
+        <p:nvSpPr>
+          <p:cNvPr id="2" name="Slide Number Placeholder 1"/>
+          <p:cNvSpPr>
+            <a:spLocks noGrp="1"/>
+          </p:cNvSpPr>
+          <p:nvPr>
+            <p:ph type="sldNum" sz="quarter" idx="12"/>
+          </p:nvPr>
+        </p:nvSpPr>
+        <p:spPr/>
+        <p:txBody>
+          <a:bodyPr/>
+          <a:p>
+            <a:r>
+              <a:rPr lang="en-US" altLang="zh-CN" smtClean="0"/>
+              <a:t> </a:t>
+            </a:r>
+            <a:fld id="{565CE74E-AB26-4998-AD42-012C4C1AD076}" type="slidenum">
+              <a:rPr lang="zh-CN" altLang="en-US" smtClean="0"/>
+            </a:fld>
+            <a:endParaRPr lang="en-US" altLang="zh-CN" smtClean="0"/>
+          </a:p>
+        </p:txBody>
+      </p:sp>
+      <p:sp>
+        <p:nvSpPr>
+          <p:cNvPr id="3" name="Text Box 2"/>
+          <p:cNvSpPr txBox="1"/>
+          <p:nvPr/>
+        </p:nvSpPr>
+        <p:spPr>
+          <a:xfrm>
+            <a:off x="332740" y="135255"/>
+            <a:ext cx="9463405" cy="1198880"/>
+          </a:xfrm>
+          <a:prstGeom prst="rect">
+            <a:avLst/>
+          </a:prstGeom>
+          <a:noFill/>
+        </p:spPr>
+        <p:txBody>
+          <a:bodyPr wrap="square" rtlCol="0">
+            <a:spAutoFit/>
+          </a:bodyPr>
+          <a:p>
+            <a:r>
+              <a:rPr lang="en-US" altLang="en-US" sz="3600">
+                <a:sym typeface="+mn-ea"/>
+              </a:rPr>
+              <a:t>Photon energy </a:t>
+            </a:r>
+            <a:r>
+              <a:rPr lang="en-US" altLang="en-US" sz="2400">
+                <a:sym typeface="+mn-ea"/>
+              </a:rPr>
+              <a:t>( Run = 69853)</a:t>
+            </a:r>
+            <a:endParaRPr lang="en-US" altLang="en-US" sz="3600">
+              <a:sym typeface="+mn-ea"/>
+            </a:endParaRPr>
+          </a:p>
+          <a:p>
+            <a:endParaRPr lang="en-US" altLang="en-US" sz="3600">
+              <a:sym typeface="+mn-ea"/>
+            </a:endParaRPr>
+          </a:p>
+        </p:txBody>
+      </p:sp>
+      <p:grpSp>
+        <p:nvGrpSpPr>
+          <p:cNvPr id="6" name="Group 5"/>
+          <p:cNvGrpSpPr/>
+          <p:nvPr/>
+        </p:nvGrpSpPr>
+        <p:grpSpPr>
+          <a:xfrm>
+            <a:off x="724535" y="813435"/>
+            <a:ext cx="10497820" cy="5716270"/>
+            <a:chOff x="1141" y="1281"/>
+            <a:chExt cx="16532" cy="9002"/>
+          </a:xfrm>
+        </p:grpSpPr>
+        <p:pic>
+          <p:nvPicPr>
+            <p:cNvPr id="4" name="Picture 3" descr="Photon_energy_69853"/>
+            <p:cNvPicPr>
+              <a:picLocks noChangeAspect="1"/>
+            </p:cNvPicPr>
+            <p:nvPr/>
+          </p:nvPicPr>
+          <p:blipFill>
+            <a:blip r:embed="rId1"/>
+            <a:srcRect l="2273" r="8744" b="2117"/>
+            <a:stretch>
+              <a:fillRect/>
+            </a:stretch>
+          </p:blipFill>
+          <p:spPr>
+            <a:xfrm>
+              <a:off x="1141" y="1281"/>
+              <a:ext cx="16533" cy="9003"/>
+            </a:xfrm>
+            <a:prstGeom prst="rect">
+              <a:avLst/>
+            </a:prstGeom>
+          </p:spPr>
+        </p:pic>
+        <p:sp>
+          <p:nvSpPr>
+            <p:cNvPr id="5" name="Rectangle 4"/>
+            <p:cNvSpPr/>
+            <p:nvPr/>
+          </p:nvSpPr>
+          <p:spPr>
+            <a:xfrm>
+              <a:off x="8429" y="1314"/>
+              <a:ext cx="3295" cy="624"/>
+            </a:xfrm>
+            <a:prstGeom prst="rect">
+              <a:avLst/>
+            </a:prstGeom>
+            <a:solidFill>
+              <a:schemeClr val="bg1"/>
+            </a:solidFill>
+            <a:ln>
+              <a:noFill/>
+            </a:ln>
+          </p:spPr>
+          <p:style>
+            <a:lnRef idx="2">
+              <a:schemeClr val="accent1">
+                <a:shade val="50000"/>
+              </a:schemeClr>
+            </a:lnRef>
+            <a:fillRef idx="1">
+              <a:schemeClr val="accent1"/>
+            </a:fillRef>
+            <a:effectRef idx="0">
+              <a:schemeClr val="accent1"/>
+            </a:effectRef>
+            <a:fontRef idx="minor">
+              <a:schemeClr val="lt1"/>
+            </a:fontRef>
+          </p:style>
+          <p:txBody>
+            <a:bodyPr rtlCol="0" anchor="ctr"/>
+            <a:p>
+              <a:pPr algn="ctr"/>
+              <a:endParaRPr lang="en-US"/>
+            </a:p>
+          </p:txBody>
+        </p:sp>
+      </p:grpSp>
+    </p:spTree>
+  </p:cSld>
+  <p:clrMapOvr>
+    <a:masterClrMapping/>
+  </p:clrMapOvr>
+</p:sld>
+</file>
+
+<file path=ppt/slides/slide18.xml><?xml version="1.0" encoding="utf-8"?>
 <p:sld xmlns:a="http://schemas.openxmlformats.org/drawingml/2006/main" xmlns:r="http://schemas.openxmlformats.org/officeDocument/2006/relationships" xmlns:p="http://schemas.openxmlformats.org/presentationml/2006/main">
   <p:cSld>
     <p:spTree>
@@ -4785,7 +5334,7 @@
 </p:sld>
 </file>
 
-<file path=ppt/slides/slide16.xml><?xml version="1.0" encoding="utf-8"?>
+<file path=ppt/slides/slide19.xml><?xml version="1.0" encoding="utf-8"?>
 <p:sld xmlns:a="http://schemas.openxmlformats.org/drawingml/2006/main" xmlns:r="http://schemas.openxmlformats.org/officeDocument/2006/relationships" xmlns:p="http://schemas.openxmlformats.org/presentationml/2006/main">
   <p:cSld>
     <p:spTree>
@@ -4892,7 +5441,143 @@
 </p:sld>
 </file>
 
-<file path=ppt/slides/slide17.xml><?xml version="1.0" encoding="utf-8"?>
+<file path=ppt/slides/slide2.xml><?xml version="1.0" encoding="utf-8"?>
+<p:sld xmlns:a="http://schemas.openxmlformats.org/drawingml/2006/main" xmlns:r="http://schemas.openxmlformats.org/officeDocument/2006/relationships" xmlns:p="http://schemas.openxmlformats.org/presentationml/2006/main">
+  <p:cSld>
+    <p:spTree>
+      <p:nvGrpSpPr>
+        <p:cNvPr id="1" name=""/>
+        <p:cNvGrpSpPr/>
+        <p:nvPr/>
+      </p:nvGrpSpPr>
+      <p:grpSpPr/>
+      <p:sp>
+        <p:nvSpPr>
+          <p:cNvPr id="2" name="Slide Number Placeholder 1"/>
+          <p:cNvSpPr>
+            <a:spLocks noGrp="1"/>
+          </p:cNvSpPr>
+          <p:nvPr>
+            <p:ph type="sldNum" sz="quarter" idx="12"/>
+          </p:nvPr>
+        </p:nvSpPr>
+        <p:spPr/>
+        <p:txBody>
+          <a:bodyPr/>
+          <a:p>
+            <a:r>
+              <a:rPr lang="en-US" altLang="zh-CN" smtClean="0"/>
+              <a:t> </a:t>
+            </a:r>
+            <a:fld id="{565CE74E-AB26-4998-AD42-012C4C1AD076}" type="slidenum">
+              <a:rPr lang="zh-CN" altLang="en-US" smtClean="0"/>
+            </a:fld>
+            <a:endParaRPr lang="en-US" altLang="zh-CN" smtClean="0"/>
+          </a:p>
+        </p:txBody>
+      </p:sp>
+      <p:sp>
+        <p:nvSpPr>
+          <p:cNvPr id="3" name="Text Box 2"/>
+          <p:cNvSpPr txBox="1"/>
+          <p:nvPr/>
+        </p:nvSpPr>
+        <p:spPr>
+          <a:xfrm>
+            <a:off x="332740" y="135255"/>
+            <a:ext cx="7091045" cy="645160"/>
+          </a:xfrm>
+          <a:prstGeom prst="rect">
+            <a:avLst/>
+          </a:prstGeom>
+          <a:noFill/>
+        </p:spPr>
+        <p:txBody>
+          <a:bodyPr wrap="square" rtlCol="0">
+            <a:spAutoFit/>
+          </a:bodyPr>
+          <a:p>
+            <a:r>
+              <a:rPr lang="en-US" altLang="en-US" sz="3600"/>
+              <a:t>The goals of analysis</a:t>
+            </a:r>
+            <a:endParaRPr lang="en-US" altLang="en-US" sz="3600"/>
+          </a:p>
+        </p:txBody>
+      </p:sp>
+      <p:sp>
+        <p:nvSpPr>
+          <p:cNvPr id="5" name="Text Box 4"/>
+          <p:cNvSpPr txBox="1"/>
+          <p:nvPr/>
+        </p:nvSpPr>
+        <p:spPr>
+          <a:xfrm>
+            <a:off x="643255" y="1983105"/>
+            <a:ext cx="8828405" cy="2891790"/>
+          </a:xfrm>
+          <a:prstGeom prst="rect">
+            <a:avLst/>
+          </a:prstGeom>
+          <a:noFill/>
+        </p:spPr>
+        <p:txBody>
+          <a:bodyPr wrap="square" rtlCol="0">
+            <a:spAutoFit/>
+          </a:bodyPr>
+          <a:p>
+            <a:pPr marL="285750" indent="-285750" fontAlgn="auto">
+              <a:spcBef>
+                <a:spcPts val="6600"/>
+              </a:spcBef>
+              <a:buFont typeface="Arial" panose="02080604020202020204" pitchFamily="34" charset="0"/>
+              <a:buChar char="•"/>
+            </a:pPr>
+            <a:r>
+              <a:rPr lang="en-US" altLang="en-US" sz="2400"/>
+              <a:t>Selecting out bad runs with abnormal properties</a:t>
+            </a:r>
+            <a:endParaRPr lang="en-US" altLang="en-US" sz="2400"/>
+          </a:p>
+          <a:p>
+            <a:pPr marL="285750" indent="-285750" fontAlgn="auto">
+              <a:spcBef>
+                <a:spcPts val="6600"/>
+              </a:spcBef>
+              <a:buFont typeface="Arial" panose="02080604020202020204" pitchFamily="34" charset="0"/>
+              <a:buChar char="•"/>
+            </a:pPr>
+            <a:r>
+              <a:rPr lang="en-US" altLang="en-US" sz="2400"/>
+              <a:t>Individual investigation of the bad runs</a:t>
+            </a:r>
+            <a:endParaRPr lang="en-US" altLang="en-US" sz="2400"/>
+          </a:p>
+          <a:p>
+            <a:pPr marL="285750" indent="-285750" fontAlgn="auto">
+              <a:spcBef>
+                <a:spcPts val="6600"/>
+              </a:spcBef>
+              <a:buFont typeface="Arial" panose="02080604020202020204" pitchFamily="34" charset="0"/>
+              <a:buChar char="•"/>
+            </a:pPr>
+            <a:r>
+              <a:rPr lang="en-US" altLang="en-US" sz="2400"/>
+              <a:t>Postulate of probable cause of the bad runs </a:t>
+            </a:r>
+            <a:endParaRPr lang="en-US" altLang="en-US" sz="2400"/>
+          </a:p>
+        </p:txBody>
+      </p:sp>
+    </p:spTree>
+  </p:cSld>
+  <p:clrMapOvr>
+    <a:masterClrMapping/>
+  </p:clrMapOvr>
+</p:sld>
+</file>
+
+<file path=ppt/slides/slide20.xml><?xml version="1.0" encoding="utf-8"?>
 <p:sld xmlns:a="http://schemas.openxmlformats.org/drawingml/2006/main" xmlns:r="http://schemas.openxmlformats.org/officeDocument/2006/relationships" xmlns:p="http://schemas.openxmlformats.org/presentationml/2006/main">
   <p:cSld>
     <p:spTree>
@@ -5106,7 +5791,7 @@
 </p:sld>
 </file>
 
-<file path=ppt/slides/slide18.xml><?xml version="1.0" encoding="utf-8"?>
+<file path=ppt/slides/slide21.xml><?xml version="1.0" encoding="utf-8"?>
 <p:sld xmlns:a="http://schemas.openxmlformats.org/drawingml/2006/main" xmlns:r="http://schemas.openxmlformats.org/officeDocument/2006/relationships" xmlns:p="http://schemas.openxmlformats.org/presentationml/2006/main">
   <p:cSld>
     <p:spTree>
@@ -5270,14 +5955,6 @@
               </a:rPr>
               <a:t>1.3</a:t>
             </a:r>
-            <a:r>
-              <a:rPr lang="" altLang="en-US">
-                <a:solidFill>
-                  <a:srgbClr val="FF0000"/>
-                </a:solidFill>
-              </a:rPr>
-              <a:t>1</a:t>
-            </a:r>
             <a:endParaRPr lang="" altLang="en-US">
               <a:solidFill>
                 <a:srgbClr val="FF0000"/>
@@ -5357,7 +6034,7 @@
                   <a:srgbClr val="FF0000"/>
                 </a:solidFill>
               </a:rPr>
-              <a:t>66</a:t>
+              <a:t>6</a:t>
             </a:r>
             <a:endParaRPr lang="" altLang="en-US">
               <a:solidFill>
@@ -5375,7 +6052,7 @@
 </p:sld>
 </file>
 
-<file path=ppt/slides/slide19.xml><?xml version="1.0" encoding="utf-8"?>
+<file path=ppt/slides/slide22.xml><?xml version="1.0" encoding="utf-8"?>
 <p:sld xmlns:a="http://schemas.openxmlformats.org/drawingml/2006/main" xmlns:r="http://schemas.openxmlformats.org/officeDocument/2006/relationships" xmlns:p="http://schemas.openxmlformats.org/presentationml/2006/main">
   <p:cSld>
     <p:spTree>
@@ -5557,7 +6234,7 @@
 </p:sld>
 </file>
 
-<file path=ppt/slides/slide2.xml><?xml version="1.0" encoding="utf-8"?>
+<file path=ppt/slides/slide23.xml><?xml version="1.0" encoding="utf-8"?>
 <p:sld xmlns:a="http://schemas.openxmlformats.org/drawingml/2006/main" xmlns:r="http://schemas.openxmlformats.org/officeDocument/2006/relationships" xmlns:p="http://schemas.openxmlformats.org/presentationml/2006/main">
   <p:cSld>
     <p:spTree>
@@ -5594,142 +6271,6 @@
       </p:sp>
       <p:sp>
         <p:nvSpPr>
-          <p:cNvPr id="3" name="Text Box 2"/>
-          <p:cNvSpPr txBox="1"/>
-          <p:nvPr/>
-        </p:nvSpPr>
-        <p:spPr>
-          <a:xfrm>
-            <a:off x="332740" y="135255"/>
-            <a:ext cx="7091045" cy="645160"/>
-          </a:xfrm>
-          <a:prstGeom prst="rect">
-            <a:avLst/>
-          </a:prstGeom>
-          <a:noFill/>
-        </p:spPr>
-        <p:txBody>
-          <a:bodyPr wrap="square" rtlCol="0">
-            <a:spAutoFit/>
-          </a:bodyPr>
-          <a:p>
-            <a:r>
-              <a:rPr lang="en-US" altLang="en-US" sz="3600"/>
-              <a:t>The goals of analysis</a:t>
-            </a:r>
-            <a:endParaRPr lang="en-US" altLang="en-US" sz="3600"/>
-          </a:p>
-        </p:txBody>
-      </p:sp>
-      <p:sp>
-        <p:nvSpPr>
-          <p:cNvPr id="5" name="Text Box 4"/>
-          <p:cNvSpPr txBox="1"/>
-          <p:nvPr/>
-        </p:nvSpPr>
-        <p:spPr>
-          <a:xfrm>
-            <a:off x="643255" y="1983105"/>
-            <a:ext cx="8828405" cy="2891790"/>
-          </a:xfrm>
-          <a:prstGeom prst="rect">
-            <a:avLst/>
-          </a:prstGeom>
-          <a:noFill/>
-        </p:spPr>
-        <p:txBody>
-          <a:bodyPr wrap="square" rtlCol="0">
-            <a:spAutoFit/>
-          </a:bodyPr>
-          <a:p>
-            <a:pPr marL="285750" indent="-285750" fontAlgn="auto">
-              <a:spcBef>
-                <a:spcPts val="6600"/>
-              </a:spcBef>
-              <a:buFont typeface="Arial" panose="02080604020202020204" pitchFamily="34" charset="0"/>
-              <a:buChar char="•"/>
-            </a:pPr>
-            <a:r>
-              <a:rPr lang="en-US" altLang="en-US" sz="2400"/>
-              <a:t>Selecting out bad runs with abnormal properties</a:t>
-            </a:r>
-            <a:endParaRPr lang="en-US" altLang="en-US" sz="2400"/>
-          </a:p>
-          <a:p>
-            <a:pPr marL="285750" indent="-285750" fontAlgn="auto">
-              <a:spcBef>
-                <a:spcPts val="6600"/>
-              </a:spcBef>
-              <a:buFont typeface="Arial" panose="02080604020202020204" pitchFamily="34" charset="0"/>
-              <a:buChar char="•"/>
-            </a:pPr>
-            <a:r>
-              <a:rPr lang="en-US" altLang="en-US" sz="2400"/>
-              <a:t>Individual investigation of the bad runs</a:t>
-            </a:r>
-            <a:endParaRPr lang="en-US" altLang="en-US" sz="2400"/>
-          </a:p>
-          <a:p>
-            <a:pPr marL="285750" indent="-285750" fontAlgn="auto">
-              <a:spcBef>
-                <a:spcPts val="6600"/>
-              </a:spcBef>
-              <a:buFont typeface="Arial" panose="02080604020202020204" pitchFamily="34" charset="0"/>
-              <a:buChar char="•"/>
-            </a:pPr>
-            <a:r>
-              <a:rPr lang="en-US" altLang="en-US" sz="2400"/>
-              <a:t>Postulate of probable cause of the bad runs </a:t>
-            </a:r>
-            <a:endParaRPr lang="en-US" altLang="en-US" sz="2400"/>
-          </a:p>
-        </p:txBody>
-      </p:sp>
-    </p:spTree>
-  </p:cSld>
-  <p:clrMapOvr>
-    <a:masterClrMapping/>
-  </p:clrMapOvr>
-</p:sld>
-</file>
-
-<file path=ppt/slides/slide20.xml><?xml version="1.0" encoding="utf-8"?>
-<p:sld xmlns:a="http://schemas.openxmlformats.org/drawingml/2006/main" xmlns:r="http://schemas.openxmlformats.org/officeDocument/2006/relationships" xmlns:p="http://schemas.openxmlformats.org/presentationml/2006/main">
-  <p:cSld>
-    <p:spTree>
-      <p:nvGrpSpPr>
-        <p:cNvPr id="1" name=""/>
-        <p:cNvGrpSpPr/>
-        <p:nvPr/>
-      </p:nvGrpSpPr>
-      <p:grpSpPr/>
-      <p:sp>
-        <p:nvSpPr>
-          <p:cNvPr id="2" name="Slide Number Placeholder 1"/>
-          <p:cNvSpPr>
-            <a:spLocks noGrp="1"/>
-          </p:cNvSpPr>
-          <p:nvPr>
-            <p:ph type="sldNum" sz="quarter" idx="12"/>
-          </p:nvPr>
-        </p:nvSpPr>
-        <p:spPr/>
-        <p:txBody>
-          <a:bodyPr/>
-          <a:p>
-            <a:r>
-              <a:rPr lang="en-US" altLang="zh-CN" smtClean="0"/>
-              <a:t> </a:t>
-            </a:r>
-            <a:fld id="{565CE74E-AB26-4998-AD42-012C4C1AD076}" type="slidenum">
-              <a:rPr lang="zh-CN" altLang="en-US" smtClean="0"/>
-            </a:fld>
-            <a:endParaRPr lang="en-US" altLang="zh-CN" smtClean="0"/>
-          </a:p>
-        </p:txBody>
-      </p:sp>
-      <p:sp>
-        <p:nvSpPr>
           <p:cNvPr id="4" name="Text Box 3"/>
           <p:cNvSpPr txBox="1"/>
           <p:nvPr/>
@@ -5759,7 +6300,19 @@
               <a:rPr lang="en-US" altLang="en-US" sz="2400">
                 <a:sym typeface="+mn-ea"/>
               </a:rPr>
-              <a:t>( Run = 69853)</a:t>
+              <a:t>( Run = </a:t>
+            </a:r>
+            <a:r>
+              <a:rPr lang="" altLang="en-US" sz="2400">
+                <a:sym typeface="+mn-ea"/>
+              </a:rPr>
+              <a:t>70650</a:t>
+            </a:r>
+            <a:r>
+              <a:rPr lang="en-US" altLang="en-US" sz="2400">
+                <a:sym typeface="+mn-ea"/>
+              </a:rPr>
+              <a:t>)</a:t>
             </a:r>
             <a:endParaRPr lang="en-US" altLang="en-US" sz="2400">
               <a:sym typeface="+mn-ea"/>
@@ -5885,7 +6438,7 @@
 </p:sld>
 </file>
 
-<file path=ppt/slides/slide21.xml><?xml version="1.0" encoding="utf-8"?>
+<file path=ppt/slides/slide24.xml><?xml version="1.0" encoding="utf-8"?>
 <p:sld xmlns:a="http://schemas.openxmlformats.org/drawingml/2006/main" xmlns:r="http://schemas.openxmlformats.org/officeDocument/2006/relationships" xmlns:p="http://schemas.openxmlformats.org/presentationml/2006/main">
   <p:cSld>
     <p:spTree>
@@ -5985,7 +6538,7 @@
 </p:sld>
 </file>
 
-<file path=ppt/slides/slide22.xml><?xml version="1.0" encoding="utf-8"?>
+<file path=ppt/slides/slide25.xml><?xml version="1.0" encoding="utf-8"?>
 <p:sld xmlns:a="http://schemas.openxmlformats.org/drawingml/2006/main" xmlns:r="http://schemas.openxmlformats.org/officeDocument/2006/relationships" xmlns:p="http://schemas.openxmlformats.org/presentationml/2006/main">
   <p:cSld>
     <p:spTree>
@@ -6077,284 +6630,97 @@
           </a:prstGeom>
         </p:spPr>
       </p:pic>
-      <p:grpSp>
-        <p:nvGrpSpPr>
-          <p:cNvPr id="8" name="Group 7"/>
-          <p:cNvGrpSpPr/>
-          <p:nvPr/>
-        </p:nvGrpSpPr>
-        <p:grpSpPr>
-          <a:xfrm>
-            <a:off x="4197687" y="1627505"/>
-            <a:ext cx="3241643" cy="4240524"/>
-            <a:chOff x="5335" y="1766"/>
-            <a:chExt cx="5375" cy="6743"/>
-          </a:xfrm>
-        </p:grpSpPr>
-        <p:pic>
-          <p:nvPicPr>
-            <p:cNvPr id="5" name="Picture 4" descr="invariant_mass_all_70650"/>
-            <p:cNvPicPr>
-              <a:picLocks noChangeAspect="1"/>
-            </p:cNvPicPr>
-            <p:nvPr/>
-          </p:nvPicPr>
-          <p:blipFill>
-            <a:blip r:embed="rId2"/>
-            <a:srcRect t="5074" r="3865" b="2948"/>
-            <a:stretch>
-              <a:fillRect/>
-            </a:stretch>
-          </p:blipFill>
-          <p:spPr>
-            <a:xfrm>
-              <a:off x="5335" y="1766"/>
-              <a:ext cx="5375" cy="6743"/>
-            </a:xfrm>
-            <a:prstGeom prst="rect">
-              <a:avLst/>
-            </a:prstGeom>
-          </p:spPr>
-        </p:pic>
-        <p:sp>
-          <p:nvSpPr>
-            <p:cNvPr id="7" name="Rectangular Callout 6"/>
-            <p:cNvSpPr/>
-            <p:nvPr/>
-          </p:nvSpPr>
-          <p:spPr>
-            <a:xfrm>
-              <a:off x="5335" y="1766"/>
-              <a:ext cx="5375" cy="6743"/>
-            </a:xfrm>
-            <a:prstGeom prst="wedgeRectCallout">
-              <a:avLst>
-                <a:gd name="adj1" fmla="val 78178"/>
-                <a:gd name="adj2" fmla="val -41150"/>
-              </a:avLst>
-            </a:prstGeom>
-            <a:noFill/>
-            <a:ln>
-              <a:solidFill>
-                <a:srgbClr val="FF0000"/>
-              </a:solidFill>
-            </a:ln>
-            <a:extLst>
-              <a:ext uri="{909E8E84-426E-40DD-AFC4-6F175D3DCCD1}">
-                <a14:hiddenFill xmlns:a14="http://schemas.microsoft.com/office/drawing/2010/main">
-                  <a:solidFill>
-                    <a:schemeClr val="accent1"/>
-                  </a:solidFill>
-                </a14:hiddenFill>
-              </a:ext>
-            </a:extLst>
-          </p:spPr>
-          <p:style>
-            <a:lnRef idx="2">
-              <a:schemeClr val="accent1">
-                <a:shade val="50000"/>
-              </a:schemeClr>
-            </a:lnRef>
-            <a:fillRef idx="1">
-              <a:schemeClr val="accent1"/>
-            </a:fillRef>
-            <a:effectRef idx="0">
-              <a:schemeClr val="accent1"/>
-            </a:effectRef>
-            <a:fontRef idx="minor">
-              <a:schemeClr val="lt1"/>
-            </a:fontRef>
-          </p:style>
-          <p:txBody>
-            <a:bodyPr rtlCol="0" anchor="ctr"/>
-            <a:p>
-              <a:pPr algn="ctr"/>
-              <a:endParaRPr lang="en-US">
-                <a:ln>
-                  <a:solidFill>
-                    <a:srgbClr val="FF0000"/>
-                  </a:solidFill>
-                </a:ln>
-              </a:endParaRPr>
-            </a:p>
-          </p:txBody>
-        </p:sp>
-      </p:grpSp>
-      <p:sp>
-        <p:nvSpPr>
-          <p:cNvPr id="9" name="Oval 8"/>
-          <p:cNvSpPr/>
-          <p:nvPr/>
-        </p:nvSpPr>
-        <p:spPr>
-          <a:xfrm>
-            <a:off x="8336915" y="1728470"/>
-            <a:ext cx="363855" cy="363855"/>
-          </a:xfrm>
-          <a:prstGeom prst="ellipse">
-            <a:avLst/>
-          </a:prstGeom>
-          <a:noFill/>
-          <a:ln>
+      <p:cxnSp>
+        <p:nvCxnSpPr>
+          <p:cNvPr id="8" name="Straight Connector 7"/>
+          <p:cNvCxnSpPr/>
+          <p:nvPr/>
+        </p:nvCxnSpPr>
+        <p:spPr>
+          <a:xfrm>
+            <a:off x="8409305" y="1054100"/>
+            <a:ext cx="0" cy="5231130"/>
+          </a:xfrm>
+          <a:prstGeom prst="line">
+            <a:avLst/>
+          </a:prstGeom>
+          <a:ln w="19050">
             <a:solidFill>
-              <a:srgbClr val="FF0000"/>
+              <a:srgbClr val="00B050"/>
             </a:solidFill>
+            <a:prstDash val="dash"/>
           </a:ln>
-          <a:extLst>
-            <a:ext uri="{909E8E84-426E-40DD-AFC4-6F175D3DCCD1}">
-              <a14:hiddenFill xmlns:a14="http://schemas.microsoft.com/office/drawing/2010/main">
-                <a:solidFill>
-                  <a:schemeClr val="accent1"/>
-                </a:solidFill>
-              </a14:hiddenFill>
-            </a:ext>
-          </a:extLst>
         </p:spPr>
         <p:style>
-          <a:lnRef idx="2">
-            <a:schemeClr val="accent1">
-              <a:shade val="50000"/>
-            </a:schemeClr>
+          <a:lnRef idx="1">
+            <a:schemeClr val="accent1"/>
           </a:lnRef>
-          <a:fillRef idx="1">
+          <a:fillRef idx="0">
             <a:schemeClr val="accent1"/>
           </a:fillRef>
           <a:effectRef idx="0">
             <a:schemeClr val="accent1"/>
           </a:effectRef>
           <a:fontRef idx="minor">
-            <a:schemeClr val="lt1"/>
+            <a:schemeClr val="tx1"/>
           </a:fontRef>
         </p:style>
-        <p:txBody>
-          <a:bodyPr rtlCol="0" anchor="ctr"/>
-          <a:p>
-            <a:pPr algn="ctr"/>
-            <a:endParaRPr lang="en-US"/>
-          </a:p>
-        </p:txBody>
-      </p:sp>
-    </p:spTree>
-  </p:cSld>
-  <p:clrMapOvr>
-    <a:masterClrMapping/>
-  </p:clrMapOvr>
-</p:sld>
-</file>
-
-<file path=ppt/slides/slide23.xml><?xml version="1.0" encoding="utf-8"?>
-<p:sld xmlns:a="http://schemas.openxmlformats.org/drawingml/2006/main" xmlns:r="http://schemas.openxmlformats.org/officeDocument/2006/relationships" xmlns:p="http://schemas.openxmlformats.org/presentationml/2006/main">
-  <p:cSld>
-    <p:spTree>
-      <p:nvGrpSpPr>
-        <p:cNvPr id="1" name=""/>
-        <p:cNvGrpSpPr/>
-        <p:nvPr/>
-      </p:nvGrpSpPr>
-      <p:grpSpPr/>
-      <p:sp>
-        <p:nvSpPr>
-          <p:cNvPr id="2" name="Slide Number Placeholder 1"/>
-          <p:cNvSpPr>
-            <a:spLocks noGrp="1"/>
-          </p:cNvSpPr>
-          <p:nvPr>
-            <p:ph type="sldNum" sz="quarter" idx="12"/>
-          </p:nvPr>
-        </p:nvSpPr>
-        <p:spPr/>
-        <p:txBody>
-          <a:bodyPr/>
-          <a:p>
-            <a:r>
-              <a:rPr lang="en-US" altLang="zh-CN" smtClean="0"/>
-              <a:t> </a:t>
-            </a:r>
-            <a:fld id="{565CE74E-AB26-4998-AD42-012C4C1AD076}" type="slidenum">
-              <a:rPr lang="zh-CN" altLang="en-US" smtClean="0"/>
-            </a:fld>
-            <a:endParaRPr lang="en-US" altLang="zh-CN" smtClean="0"/>
-          </a:p>
-        </p:txBody>
-      </p:sp>
-      <p:sp>
-        <p:nvSpPr>
-          <p:cNvPr id="3" name="Text Box 2"/>
-          <p:cNvSpPr txBox="1"/>
-          <p:nvPr/>
-        </p:nvSpPr>
-        <p:spPr>
-          <a:xfrm>
-            <a:off x="332740" y="135255"/>
-            <a:ext cx="8549005" cy="645160"/>
-          </a:xfrm>
-          <a:prstGeom prst="rect">
-            <a:avLst/>
-          </a:prstGeom>
-          <a:noFill/>
-        </p:spPr>
-        <p:txBody>
-          <a:bodyPr wrap="square" rtlCol="0">
-            <a:spAutoFit/>
-          </a:bodyPr>
-          <a:p>
-            <a:r>
-              <a:rPr lang="" altLang="en-US" sz="3600">
-                <a:sym typeface="+mn-ea"/>
-              </a:rPr>
-              <a:t>Recoiled Proton angular distribution</a:t>
-            </a:r>
-            <a:endParaRPr lang="" altLang="en-US" sz="3600">
-              <a:sym typeface="+mn-ea"/>
-            </a:endParaRPr>
-          </a:p>
-        </p:txBody>
-      </p:sp>
-      <p:pic>
-        <p:nvPicPr>
-          <p:cNvPr id="4" name="Picture 3" descr="rec_proton_comp"/>
-          <p:cNvPicPr>
-            <a:picLocks noChangeAspect="1"/>
-          </p:cNvPicPr>
-          <p:nvPr/>
-        </p:nvPicPr>
-        <p:blipFill>
-          <a:blip r:embed="rId1"/>
-          <a:srcRect l="1489" r="8668" b="2284"/>
-          <a:stretch>
-            <a:fillRect/>
-          </a:stretch>
-        </p:blipFill>
-        <p:spPr>
-          <a:xfrm>
-            <a:off x="332740" y="780415"/>
-            <a:ext cx="10952480" cy="5931535"/>
-          </a:xfrm>
-          <a:prstGeom prst="rect">
-            <a:avLst/>
-          </a:prstGeom>
-        </p:spPr>
-      </p:pic>
+      </p:cxnSp>
       <p:cxnSp>
         <p:nvCxnSpPr>
-          <p:cNvPr id="5" name="Straight Arrow Connector 4"/>
+          <p:cNvPr id="9" name="Straight Connector 8"/>
           <p:cNvCxnSpPr/>
           <p:nvPr/>
         </p:nvCxnSpPr>
         <p:spPr>
           <a:xfrm>
-            <a:off x="3156585" y="5198745"/>
-            <a:ext cx="1821180" cy="0"/>
-          </a:xfrm>
-          <a:prstGeom prst="straightConnector1">
-            <a:avLst/>
-          </a:prstGeom>
-          <a:ln w="38100">
+            <a:off x="8536305" y="1057275"/>
+            <a:ext cx="0" cy="5231130"/>
+          </a:xfrm>
+          <a:prstGeom prst="line">
+            <a:avLst/>
+          </a:prstGeom>
+          <a:ln w="19050">
             <a:solidFill>
-              <a:srgbClr val="7030A0"/>
+              <a:srgbClr val="00B050"/>
             </a:solidFill>
-            <a:headEnd type="arrow"/>
-            <a:tailEnd type="arrow"/>
+            <a:prstDash val="dash"/>
+          </a:ln>
+        </p:spPr>
+        <p:style>
+          <a:lnRef idx="1">
+            <a:schemeClr val="accent1"/>
+          </a:lnRef>
+          <a:fillRef idx="0">
+            <a:schemeClr val="accent1"/>
+          </a:fillRef>
+          <a:effectRef idx="0">
+            <a:schemeClr val="accent1"/>
+          </a:effectRef>
+          <a:fontRef idx="minor">
+            <a:schemeClr val="tx1"/>
+          </a:fontRef>
+        </p:style>
+      </p:cxnSp>
+      <p:cxnSp>
+        <p:nvCxnSpPr>
+          <p:cNvPr id="5" name="Straight Connector 4"/>
+          <p:cNvCxnSpPr/>
+          <p:nvPr/>
+        </p:nvCxnSpPr>
+        <p:spPr>
+          <a:xfrm>
+            <a:off x="3199130" y="1054100"/>
+            <a:ext cx="0" cy="5231130"/>
+          </a:xfrm>
+          <a:prstGeom prst="line">
+            <a:avLst/>
+          </a:prstGeom>
+          <a:ln w="19050">
+            <a:solidFill>
+              <a:srgbClr val="00B050"/>
+            </a:solidFill>
+            <a:prstDash val="dash"/>
           </a:ln>
         </p:spPr>
         <p:style>
@@ -6380,280 +6746,7 @@
         </p:nvCxnSpPr>
         <p:spPr>
           <a:xfrm>
-            <a:off x="5018405" y="5198745"/>
-            <a:ext cx="1274445" cy="0"/>
-          </a:xfrm>
-          <a:prstGeom prst="line">
-            <a:avLst/>
-          </a:prstGeom>
-          <a:ln>
-            <a:solidFill>
-              <a:srgbClr val="7030A0"/>
-            </a:solidFill>
-            <a:prstDash val="dash"/>
-          </a:ln>
-        </p:spPr>
-        <p:style>
-          <a:lnRef idx="1">
-            <a:schemeClr val="accent1"/>
-          </a:lnRef>
-          <a:fillRef idx="0">
-            <a:schemeClr val="accent1"/>
-          </a:fillRef>
-          <a:effectRef idx="0">
-            <a:schemeClr val="accent1"/>
-          </a:effectRef>
-          <a:fontRef idx="minor">
-            <a:schemeClr val="tx1"/>
-          </a:fontRef>
-        </p:style>
-      </p:cxnSp>
-      <p:sp>
-        <p:nvSpPr>
-          <p:cNvPr id="7" name="Text Box 6"/>
-          <p:cNvSpPr txBox="1"/>
-          <p:nvPr/>
-        </p:nvSpPr>
-        <p:spPr>
-          <a:xfrm>
-            <a:off x="6292850" y="4830445"/>
-            <a:ext cx="3248025" cy="368300"/>
-          </a:xfrm>
-          <a:prstGeom prst="rect">
-            <a:avLst/>
-          </a:prstGeom>
-          <a:noFill/>
-        </p:spPr>
-        <p:txBody>
-          <a:bodyPr wrap="square" rtlCol="0">
-            <a:spAutoFit/>
-          </a:bodyPr>
-          <a:p>
-            <a:r>
-              <a:rPr lang="" altLang="en-US">
-                <a:solidFill>
-                  <a:srgbClr val="7030A0"/>
-                </a:solidFill>
-              </a:rPr>
-              <a:t>Width at 23% of maximum</a:t>
-            </a:r>
-            <a:endParaRPr lang="" altLang="en-US">
-              <a:solidFill>
-                <a:srgbClr val="7030A0"/>
-              </a:solidFill>
-            </a:endParaRPr>
-          </a:p>
-        </p:txBody>
-      </p:sp>
-    </p:spTree>
-  </p:cSld>
-  <p:clrMapOvr>
-    <a:masterClrMapping/>
-  </p:clrMapOvr>
-</p:sld>
-</file>
-
-<file path=ppt/slides/slide24.xml><?xml version="1.0" encoding="utf-8"?>
-<p:sld xmlns:a="http://schemas.openxmlformats.org/drawingml/2006/main" xmlns:r="http://schemas.openxmlformats.org/officeDocument/2006/relationships" xmlns:p="http://schemas.openxmlformats.org/presentationml/2006/main">
-  <p:cSld>
-    <p:spTree>
-      <p:nvGrpSpPr>
-        <p:cNvPr id="1" name=""/>
-        <p:cNvGrpSpPr/>
-        <p:nvPr/>
-      </p:nvGrpSpPr>
-      <p:grpSpPr/>
-      <p:sp>
-        <p:nvSpPr>
-          <p:cNvPr id="2" name="Slide Number Placeholder 1"/>
-          <p:cNvSpPr>
-            <a:spLocks noGrp="1"/>
-          </p:cNvSpPr>
-          <p:nvPr>
-            <p:ph type="sldNum" sz="quarter" idx="12"/>
-          </p:nvPr>
-        </p:nvSpPr>
-        <p:spPr/>
-        <p:txBody>
-          <a:bodyPr/>
-          <a:p>
-            <a:r>
-              <a:rPr lang="en-US" altLang="zh-CN" smtClean="0"/>
-              <a:t> </a:t>
-            </a:r>
-            <a:fld id="{565CE74E-AB26-4998-AD42-012C4C1AD076}" type="slidenum">
-              <a:rPr lang="zh-CN" altLang="en-US" smtClean="0"/>
-            </a:fld>
-            <a:endParaRPr lang="en-US" altLang="zh-CN" smtClean="0"/>
-          </a:p>
-        </p:txBody>
-      </p:sp>
-      <p:sp>
-        <p:nvSpPr>
-          <p:cNvPr id="3" name="Text Box 2"/>
-          <p:cNvSpPr txBox="1"/>
-          <p:nvPr/>
-        </p:nvSpPr>
-        <p:spPr>
-          <a:xfrm>
-            <a:off x="332740" y="236220"/>
-            <a:ext cx="10076815" cy="398780"/>
-          </a:xfrm>
-          <a:prstGeom prst="rect">
-            <a:avLst/>
-          </a:prstGeom>
-          <a:noFill/>
-        </p:spPr>
-        <p:txBody>
-          <a:bodyPr wrap="square" rtlCol="0">
-            <a:spAutoFit/>
-          </a:bodyPr>
-          <a:p>
-            <a:r>
-              <a:rPr lang="" altLang="en-US" sz="2000">
-                <a:sym typeface="+mn-ea"/>
-              </a:rPr>
-              <a:t>Comparison of widths from invariant mass and angles of recoiled proton </a:t>
-            </a:r>
-            <a:endParaRPr lang="" altLang="en-US" sz="2000">
-              <a:sym typeface="+mn-ea"/>
-            </a:endParaRPr>
-          </a:p>
-        </p:txBody>
-      </p:sp>
-      <p:pic>
-        <p:nvPicPr>
-          <p:cNvPr id="4" name="Picture 3" descr="two_width_comp"/>
-          <p:cNvPicPr>
-            <a:picLocks noChangeAspect="1"/>
-          </p:cNvPicPr>
-          <p:nvPr/>
-        </p:nvPicPr>
-        <p:blipFill>
-          <a:blip r:embed="rId1"/>
-          <a:stretch>
-            <a:fillRect/>
-          </a:stretch>
-        </p:blipFill>
-        <p:spPr>
-          <a:xfrm>
-            <a:off x="332740" y="935355"/>
-            <a:ext cx="11202670" cy="5577205"/>
-          </a:xfrm>
-          <a:prstGeom prst="rect">
-            <a:avLst/>
-          </a:prstGeom>
-        </p:spPr>
-      </p:pic>
-    </p:spTree>
-  </p:cSld>
-  <p:clrMapOvr>
-    <a:masterClrMapping/>
-  </p:clrMapOvr>
-</p:sld>
-</file>
-
-<file path=ppt/slides/slide25.xml><?xml version="1.0" encoding="utf-8"?>
-<p:sld xmlns:a="http://schemas.openxmlformats.org/drawingml/2006/main" xmlns:r="http://schemas.openxmlformats.org/officeDocument/2006/relationships" xmlns:p="http://schemas.openxmlformats.org/presentationml/2006/main">
-  <p:cSld>
-    <p:spTree>
-      <p:nvGrpSpPr>
-        <p:cNvPr id="1" name=""/>
-        <p:cNvGrpSpPr/>
-        <p:nvPr/>
-      </p:nvGrpSpPr>
-      <p:grpSpPr/>
-      <p:sp>
-        <p:nvSpPr>
-          <p:cNvPr id="2" name="Slide Number Placeholder 1"/>
-          <p:cNvSpPr>
-            <a:spLocks noGrp="1"/>
-          </p:cNvSpPr>
-          <p:nvPr>
-            <p:ph type="sldNum" sz="quarter" idx="12"/>
-          </p:nvPr>
-        </p:nvSpPr>
-        <p:spPr/>
-        <p:txBody>
-          <a:bodyPr/>
-          <a:p>
-            <a:r>
-              <a:rPr lang="en-US" altLang="zh-CN" smtClean="0"/>
-              <a:t> </a:t>
-            </a:r>
-            <a:fld id="{565CE74E-AB26-4998-AD42-012C4C1AD076}" type="slidenum">
-              <a:rPr lang="zh-CN" altLang="en-US" smtClean="0"/>
-            </a:fld>
-            <a:endParaRPr lang="en-US" altLang="zh-CN" smtClean="0"/>
-          </a:p>
-        </p:txBody>
-      </p:sp>
-      <p:sp>
-        <p:nvSpPr>
-          <p:cNvPr id="3" name="Text Box 2"/>
-          <p:cNvSpPr txBox="1"/>
-          <p:nvPr/>
-        </p:nvSpPr>
-        <p:spPr>
-          <a:xfrm>
-            <a:off x="332740" y="236220"/>
-            <a:ext cx="10076815" cy="398780"/>
-          </a:xfrm>
-          <a:prstGeom prst="rect">
-            <a:avLst/>
-          </a:prstGeom>
-          <a:noFill/>
-        </p:spPr>
-        <p:txBody>
-          <a:bodyPr wrap="square" rtlCol="0">
-            <a:spAutoFit/>
-          </a:bodyPr>
-          <a:p>
-            <a:r>
-              <a:rPr lang="en-US" altLang="en-US" sz="2000">
-                <a:sym typeface="+mn-ea"/>
-              </a:rPr>
-              <a:t>Comparison of widths from invariant mass and angles of recoiled proton </a:t>
-            </a:r>
-            <a:endParaRPr lang="en-US" altLang="en-US" sz="2000">
-              <a:sym typeface="+mn-ea"/>
-            </a:endParaRPr>
-          </a:p>
-        </p:txBody>
-      </p:sp>
-      <p:pic>
-        <p:nvPicPr>
-          <p:cNvPr id="4" name="Picture 3" descr="two_width_comp"/>
-          <p:cNvPicPr>
-            <a:picLocks noChangeAspect="1"/>
-          </p:cNvPicPr>
-          <p:nvPr/>
-        </p:nvPicPr>
-        <p:blipFill>
-          <a:blip r:embed="rId1"/>
-          <a:stretch>
-            <a:fillRect/>
-          </a:stretch>
-        </p:blipFill>
-        <p:spPr>
-          <a:xfrm>
-            <a:off x="332740" y="935355"/>
-            <a:ext cx="11202670" cy="5577205"/>
-          </a:xfrm>
-          <a:prstGeom prst="rect">
-            <a:avLst/>
-          </a:prstGeom>
-        </p:spPr>
-      </p:pic>
-      <p:cxnSp>
-        <p:nvCxnSpPr>
-          <p:cNvPr id="6" name="Straight Connector 5"/>
-          <p:cNvCxnSpPr/>
-          <p:nvPr/>
-        </p:nvCxnSpPr>
-        <p:spPr>
-          <a:xfrm>
-            <a:off x="2903220" y="992505"/>
+            <a:off x="3326130" y="1057275"/>
             <a:ext cx="0" cy="5231130"/>
           </a:xfrm>
           <a:prstGeom prst="line">
@@ -6689,6 +6782,859 @@
         </p:nvCxnSpPr>
         <p:spPr>
           <a:xfrm>
+            <a:off x="1942465" y="1054100"/>
+            <a:ext cx="0" cy="5231130"/>
+          </a:xfrm>
+          <a:prstGeom prst="line">
+            <a:avLst/>
+          </a:prstGeom>
+          <a:ln w="19050">
+            <a:solidFill>
+              <a:srgbClr val="00B050"/>
+            </a:solidFill>
+            <a:prstDash val="dash"/>
+          </a:ln>
+        </p:spPr>
+        <p:style>
+          <a:lnRef idx="1">
+            <a:schemeClr val="accent1"/>
+          </a:lnRef>
+          <a:fillRef idx="0">
+            <a:schemeClr val="accent1"/>
+          </a:fillRef>
+          <a:effectRef idx="0">
+            <a:schemeClr val="accent1"/>
+          </a:effectRef>
+          <a:fontRef idx="minor">
+            <a:schemeClr val="tx1"/>
+          </a:fontRef>
+        </p:style>
+      </p:cxnSp>
+      <p:cxnSp>
+        <p:nvCxnSpPr>
+          <p:cNvPr id="10" name="Straight Connector 9"/>
+          <p:cNvCxnSpPr/>
+          <p:nvPr/>
+        </p:nvCxnSpPr>
+        <p:spPr>
+          <a:xfrm>
+            <a:off x="2069465" y="1057275"/>
+            <a:ext cx="0" cy="5231130"/>
+          </a:xfrm>
+          <a:prstGeom prst="line">
+            <a:avLst/>
+          </a:prstGeom>
+          <a:ln w="19050">
+            <a:solidFill>
+              <a:srgbClr val="00B050"/>
+            </a:solidFill>
+            <a:prstDash val="dash"/>
+          </a:ln>
+        </p:spPr>
+        <p:style>
+          <a:lnRef idx="1">
+            <a:schemeClr val="accent1"/>
+          </a:lnRef>
+          <a:fillRef idx="0">
+            <a:schemeClr val="accent1"/>
+          </a:fillRef>
+          <a:effectRef idx="0">
+            <a:schemeClr val="accent1"/>
+          </a:effectRef>
+          <a:fontRef idx="minor">
+            <a:schemeClr val="tx1"/>
+          </a:fontRef>
+        </p:style>
+      </p:cxnSp>
+    </p:spTree>
+  </p:cSld>
+  <p:clrMapOvr>
+    <a:masterClrMapping/>
+  </p:clrMapOvr>
+</p:sld>
+</file>
+
+<file path=ppt/slides/slide26.xml><?xml version="1.0" encoding="utf-8"?>
+<p:sld xmlns:a="http://schemas.openxmlformats.org/drawingml/2006/main" xmlns:r="http://schemas.openxmlformats.org/officeDocument/2006/relationships" xmlns:p="http://schemas.openxmlformats.org/presentationml/2006/main">
+  <p:cSld>
+    <p:spTree>
+      <p:nvGrpSpPr>
+        <p:cNvPr id="1" name=""/>
+        <p:cNvGrpSpPr/>
+        <p:nvPr/>
+      </p:nvGrpSpPr>
+      <p:grpSpPr/>
+      <p:sp>
+        <p:nvSpPr>
+          <p:cNvPr id="2" name="Slide Number Placeholder 1"/>
+          <p:cNvSpPr>
+            <a:spLocks noGrp="1"/>
+          </p:cNvSpPr>
+          <p:nvPr>
+            <p:ph type="sldNum" sz="quarter" idx="12"/>
+          </p:nvPr>
+        </p:nvSpPr>
+        <p:spPr/>
+        <p:txBody>
+          <a:bodyPr/>
+          <a:p>
+            <a:r>
+              <a:rPr lang="en-US" altLang="zh-CN" smtClean="0"/>
+              <a:t> </a:t>
+            </a:r>
+            <a:fld id="{565CE74E-AB26-4998-AD42-012C4C1AD076}" type="slidenum">
+              <a:rPr lang="zh-CN" altLang="en-US" smtClean="0"/>
+            </a:fld>
+            <a:endParaRPr lang="en-US" altLang="zh-CN" smtClean="0"/>
+          </a:p>
+        </p:txBody>
+      </p:sp>
+      <p:sp>
+        <p:nvSpPr>
+          <p:cNvPr id="3" name="Text Box 2"/>
+          <p:cNvSpPr txBox="1"/>
+          <p:nvPr/>
+        </p:nvSpPr>
+        <p:spPr>
+          <a:xfrm>
+            <a:off x="332740" y="135255"/>
+            <a:ext cx="10652760" cy="645160"/>
+          </a:xfrm>
+          <a:prstGeom prst="rect">
+            <a:avLst/>
+          </a:prstGeom>
+          <a:noFill/>
+        </p:spPr>
+        <p:txBody>
+          <a:bodyPr wrap="square" rtlCol="0">
+            <a:spAutoFit/>
+          </a:bodyPr>
+          <a:p>
+            <a:r>
+              <a:rPr lang="en-US" altLang="en-US" sz="3600">
+                <a:sym typeface="+mn-ea"/>
+              </a:rPr>
+              <a:t>FWHM of total invariant mass</a:t>
+            </a:r>
+            <a:endParaRPr lang="en-US" altLang="en-US" sz="3600">
+              <a:sym typeface="+mn-ea"/>
+            </a:endParaRPr>
+          </a:p>
+        </p:txBody>
+      </p:sp>
+      <p:pic>
+        <p:nvPicPr>
+          <p:cNvPr id="4" name="Picture 3" descr="FWHM_inv_mass"/>
+          <p:cNvPicPr>
+            <a:picLocks noChangeAspect="1"/>
+          </p:cNvPicPr>
+          <p:nvPr/>
+        </p:nvPicPr>
+        <p:blipFill>
+          <a:blip r:embed="rId1"/>
+          <a:stretch>
+            <a:fillRect/>
+          </a:stretch>
+        </p:blipFill>
+        <p:spPr>
+          <a:xfrm>
+            <a:off x="93345" y="1057275"/>
+            <a:ext cx="11607165" cy="5562600"/>
+          </a:xfrm>
+          <a:prstGeom prst="rect">
+            <a:avLst/>
+          </a:prstGeom>
+        </p:spPr>
+      </p:pic>
+      <p:cxnSp>
+        <p:nvCxnSpPr>
+          <p:cNvPr id="8" name="Straight Connector 7"/>
+          <p:cNvCxnSpPr/>
+          <p:nvPr/>
+        </p:nvCxnSpPr>
+        <p:spPr>
+          <a:xfrm>
+            <a:off x="5769610" y="1385570"/>
+            <a:ext cx="0" cy="5231130"/>
+          </a:xfrm>
+          <a:prstGeom prst="line">
+            <a:avLst/>
+          </a:prstGeom>
+          <a:ln w="19050">
+            <a:solidFill>
+              <a:srgbClr val="FF0000"/>
+            </a:solidFill>
+            <a:prstDash val="dash"/>
+          </a:ln>
+        </p:spPr>
+        <p:style>
+          <a:lnRef idx="1">
+            <a:schemeClr val="accent1"/>
+          </a:lnRef>
+          <a:fillRef idx="0">
+            <a:schemeClr val="accent1"/>
+          </a:fillRef>
+          <a:effectRef idx="0">
+            <a:schemeClr val="accent1"/>
+          </a:effectRef>
+          <a:fontRef idx="minor">
+            <a:schemeClr val="tx1"/>
+          </a:fontRef>
+        </p:style>
+      </p:cxnSp>
+      <p:cxnSp>
+        <p:nvCxnSpPr>
+          <p:cNvPr id="9" name="Straight Connector 8"/>
+          <p:cNvCxnSpPr/>
+          <p:nvPr/>
+        </p:nvCxnSpPr>
+        <p:spPr>
+          <a:xfrm>
+            <a:off x="5966460" y="1385570"/>
+            <a:ext cx="0" cy="5231130"/>
+          </a:xfrm>
+          <a:prstGeom prst="line">
+            <a:avLst/>
+          </a:prstGeom>
+          <a:ln w="19050">
+            <a:solidFill>
+              <a:srgbClr val="FF0000"/>
+            </a:solidFill>
+            <a:prstDash val="dash"/>
+          </a:ln>
+        </p:spPr>
+        <p:style>
+          <a:lnRef idx="1">
+            <a:schemeClr val="accent1"/>
+          </a:lnRef>
+          <a:fillRef idx="0">
+            <a:schemeClr val="accent1"/>
+          </a:fillRef>
+          <a:effectRef idx="0">
+            <a:schemeClr val="accent1"/>
+          </a:effectRef>
+          <a:fontRef idx="minor">
+            <a:schemeClr val="tx1"/>
+          </a:fontRef>
+        </p:style>
+      </p:cxnSp>
+      <p:cxnSp>
+        <p:nvCxnSpPr>
+          <p:cNvPr id="5" name="Straight Connector 4"/>
+          <p:cNvCxnSpPr/>
+          <p:nvPr/>
+        </p:nvCxnSpPr>
+        <p:spPr>
+          <a:xfrm>
+            <a:off x="2362200" y="1388745"/>
+            <a:ext cx="0" cy="5231130"/>
+          </a:xfrm>
+          <a:prstGeom prst="line">
+            <a:avLst/>
+          </a:prstGeom>
+          <a:ln w="19050">
+            <a:solidFill>
+              <a:srgbClr val="FF0000"/>
+            </a:solidFill>
+            <a:prstDash val="dash"/>
+          </a:ln>
+        </p:spPr>
+        <p:style>
+          <a:lnRef idx="1">
+            <a:schemeClr val="accent1"/>
+          </a:lnRef>
+          <a:fillRef idx="0">
+            <a:schemeClr val="accent1"/>
+          </a:fillRef>
+          <a:effectRef idx="0">
+            <a:schemeClr val="accent1"/>
+          </a:effectRef>
+          <a:fontRef idx="minor">
+            <a:schemeClr val="tx1"/>
+          </a:fontRef>
+        </p:style>
+      </p:cxnSp>
+      <p:cxnSp>
+        <p:nvCxnSpPr>
+          <p:cNvPr id="6" name="Straight Connector 5"/>
+          <p:cNvCxnSpPr/>
+          <p:nvPr/>
+        </p:nvCxnSpPr>
+        <p:spPr>
+          <a:xfrm>
+            <a:off x="2559050" y="1388745"/>
+            <a:ext cx="0" cy="5231130"/>
+          </a:xfrm>
+          <a:prstGeom prst="line">
+            <a:avLst/>
+          </a:prstGeom>
+          <a:ln w="19050">
+            <a:solidFill>
+              <a:srgbClr val="FF0000"/>
+            </a:solidFill>
+            <a:prstDash val="dash"/>
+          </a:ln>
+        </p:spPr>
+        <p:style>
+          <a:lnRef idx="1">
+            <a:schemeClr val="accent1"/>
+          </a:lnRef>
+          <a:fillRef idx="0">
+            <a:schemeClr val="accent1"/>
+          </a:fillRef>
+          <a:effectRef idx="0">
+            <a:schemeClr val="accent1"/>
+          </a:effectRef>
+          <a:fontRef idx="minor">
+            <a:schemeClr val="tx1"/>
+          </a:fontRef>
+        </p:style>
+      </p:cxnSp>
+    </p:spTree>
+  </p:cSld>
+  <p:clrMapOvr>
+    <a:masterClrMapping/>
+  </p:clrMapOvr>
+</p:sld>
+</file>
+
+<file path=ppt/slides/slide27.xml><?xml version="1.0" encoding="utf-8"?>
+<p:sld xmlns:a="http://schemas.openxmlformats.org/drawingml/2006/main" xmlns:r="http://schemas.openxmlformats.org/officeDocument/2006/relationships" xmlns:p="http://schemas.openxmlformats.org/presentationml/2006/main">
+  <p:cSld>
+    <p:spTree>
+      <p:nvGrpSpPr>
+        <p:cNvPr id="1" name=""/>
+        <p:cNvGrpSpPr/>
+        <p:nvPr/>
+      </p:nvGrpSpPr>
+      <p:grpSpPr/>
+      <p:sp>
+        <p:nvSpPr>
+          <p:cNvPr id="2" name="Slide Number Placeholder 1"/>
+          <p:cNvSpPr>
+            <a:spLocks noGrp="1"/>
+          </p:cNvSpPr>
+          <p:nvPr>
+            <p:ph type="sldNum" sz="quarter" idx="12"/>
+          </p:nvPr>
+        </p:nvSpPr>
+        <p:spPr/>
+        <p:txBody>
+          <a:bodyPr/>
+          <a:p>
+            <a:r>
+              <a:rPr lang="en-US" altLang="zh-CN" smtClean="0"/>
+              <a:t> </a:t>
+            </a:r>
+            <a:fld id="{565CE74E-AB26-4998-AD42-012C4C1AD076}" type="slidenum">
+              <a:rPr lang="zh-CN" altLang="en-US" smtClean="0"/>
+            </a:fld>
+            <a:endParaRPr lang="en-US" altLang="zh-CN" smtClean="0"/>
+          </a:p>
+        </p:txBody>
+      </p:sp>
+      <p:sp>
+        <p:nvSpPr>
+          <p:cNvPr id="3" name="Text Box 2"/>
+          <p:cNvSpPr txBox="1"/>
+          <p:nvPr/>
+        </p:nvSpPr>
+        <p:spPr>
+          <a:xfrm>
+            <a:off x="332740" y="135255"/>
+            <a:ext cx="8549005" cy="645160"/>
+          </a:xfrm>
+          <a:prstGeom prst="rect">
+            <a:avLst/>
+          </a:prstGeom>
+          <a:noFill/>
+        </p:spPr>
+        <p:txBody>
+          <a:bodyPr wrap="square" rtlCol="0">
+            <a:spAutoFit/>
+          </a:bodyPr>
+          <a:p>
+            <a:r>
+              <a:rPr lang="" altLang="en-US" sz="3600">
+                <a:sym typeface="+mn-ea"/>
+              </a:rPr>
+              <a:t>Recoiled Proton angular distribution</a:t>
+            </a:r>
+            <a:endParaRPr lang="" altLang="en-US" sz="3600">
+              <a:sym typeface="+mn-ea"/>
+            </a:endParaRPr>
+          </a:p>
+        </p:txBody>
+      </p:sp>
+      <p:pic>
+        <p:nvPicPr>
+          <p:cNvPr id="4" name="Picture 3" descr="rec_proton_comp"/>
+          <p:cNvPicPr>
+            <a:picLocks noChangeAspect="1"/>
+          </p:cNvPicPr>
+          <p:nvPr/>
+        </p:nvPicPr>
+        <p:blipFill>
+          <a:blip r:embed="rId1"/>
+          <a:srcRect l="1489" r="8668" b="2284"/>
+          <a:stretch>
+            <a:fillRect/>
+          </a:stretch>
+        </p:blipFill>
+        <p:spPr>
+          <a:xfrm>
+            <a:off x="332740" y="780415"/>
+            <a:ext cx="10952480" cy="5931535"/>
+          </a:xfrm>
+          <a:prstGeom prst="rect">
+            <a:avLst/>
+          </a:prstGeom>
+        </p:spPr>
+      </p:pic>
+      <p:cxnSp>
+        <p:nvCxnSpPr>
+          <p:cNvPr id="5" name="Straight Arrow Connector 4"/>
+          <p:cNvCxnSpPr/>
+          <p:nvPr/>
+        </p:nvCxnSpPr>
+        <p:spPr>
+          <a:xfrm>
+            <a:off x="3156585" y="5198745"/>
+            <a:ext cx="1821180" cy="0"/>
+          </a:xfrm>
+          <a:prstGeom prst="straightConnector1">
+            <a:avLst/>
+          </a:prstGeom>
+          <a:ln w="38100">
+            <a:solidFill>
+              <a:srgbClr val="7030A0"/>
+            </a:solidFill>
+            <a:headEnd type="arrow"/>
+            <a:tailEnd type="arrow"/>
+          </a:ln>
+        </p:spPr>
+        <p:style>
+          <a:lnRef idx="1">
+            <a:schemeClr val="accent1"/>
+          </a:lnRef>
+          <a:fillRef idx="0">
+            <a:schemeClr val="accent1"/>
+          </a:fillRef>
+          <a:effectRef idx="0">
+            <a:schemeClr val="accent1"/>
+          </a:effectRef>
+          <a:fontRef idx="minor">
+            <a:schemeClr val="tx1"/>
+          </a:fontRef>
+        </p:style>
+      </p:cxnSp>
+      <p:cxnSp>
+        <p:nvCxnSpPr>
+          <p:cNvPr id="6" name="Straight Connector 5"/>
+          <p:cNvCxnSpPr/>
+          <p:nvPr/>
+        </p:nvCxnSpPr>
+        <p:spPr>
+          <a:xfrm>
+            <a:off x="5018405" y="5198745"/>
+            <a:ext cx="1274445" cy="0"/>
+          </a:xfrm>
+          <a:prstGeom prst="line">
+            <a:avLst/>
+          </a:prstGeom>
+          <a:ln>
+            <a:solidFill>
+              <a:srgbClr val="7030A0"/>
+            </a:solidFill>
+            <a:prstDash val="dash"/>
+          </a:ln>
+        </p:spPr>
+        <p:style>
+          <a:lnRef idx="1">
+            <a:schemeClr val="accent1"/>
+          </a:lnRef>
+          <a:fillRef idx="0">
+            <a:schemeClr val="accent1"/>
+          </a:fillRef>
+          <a:effectRef idx="0">
+            <a:schemeClr val="accent1"/>
+          </a:effectRef>
+          <a:fontRef idx="minor">
+            <a:schemeClr val="tx1"/>
+          </a:fontRef>
+        </p:style>
+      </p:cxnSp>
+      <p:sp>
+        <p:nvSpPr>
+          <p:cNvPr id="7" name="Text Box 6"/>
+          <p:cNvSpPr txBox="1"/>
+          <p:nvPr/>
+        </p:nvSpPr>
+        <p:spPr>
+          <a:xfrm>
+            <a:off x="6292850" y="4830445"/>
+            <a:ext cx="3248025" cy="368300"/>
+          </a:xfrm>
+          <a:prstGeom prst="rect">
+            <a:avLst/>
+          </a:prstGeom>
+          <a:noFill/>
+        </p:spPr>
+        <p:txBody>
+          <a:bodyPr wrap="square" rtlCol="0">
+            <a:spAutoFit/>
+          </a:bodyPr>
+          <a:p>
+            <a:r>
+              <a:rPr lang="" altLang="en-US">
+                <a:solidFill>
+                  <a:srgbClr val="7030A0"/>
+                </a:solidFill>
+              </a:rPr>
+              <a:t>Width at 23% of maximum</a:t>
+            </a:r>
+            <a:endParaRPr lang="" altLang="en-US">
+              <a:solidFill>
+                <a:srgbClr val="7030A0"/>
+              </a:solidFill>
+            </a:endParaRPr>
+          </a:p>
+        </p:txBody>
+      </p:sp>
+      <p:sp>
+        <p:nvSpPr>
+          <p:cNvPr id="15" name="Rectangle 14"/>
+          <p:cNvSpPr/>
+          <p:nvPr/>
+        </p:nvSpPr>
+        <p:spPr>
+          <a:xfrm>
+            <a:off x="4349750" y="780415"/>
+            <a:ext cx="4078605" cy="404495"/>
+          </a:xfrm>
+          <a:prstGeom prst="rect">
+            <a:avLst/>
+          </a:prstGeom>
+          <a:solidFill>
+            <a:schemeClr val="bg1"/>
+          </a:solidFill>
+          <a:ln>
+            <a:noFill/>
+          </a:ln>
+        </p:spPr>
+        <p:style>
+          <a:lnRef idx="2">
+            <a:schemeClr val="accent1">
+              <a:shade val="50000"/>
+            </a:schemeClr>
+          </a:lnRef>
+          <a:fillRef idx="1">
+            <a:schemeClr val="accent1"/>
+          </a:fillRef>
+          <a:effectRef idx="0">
+            <a:schemeClr val="accent1"/>
+          </a:effectRef>
+          <a:fontRef idx="minor">
+            <a:schemeClr val="lt1"/>
+          </a:fontRef>
+        </p:style>
+        <p:txBody>
+          <a:bodyPr rtlCol="0" anchor="ctr"/>
+          <a:p>
+            <a:pPr algn="ctr"/>
+            <a:endParaRPr lang="en-US"/>
+          </a:p>
+        </p:txBody>
+      </p:sp>
+    </p:spTree>
+  </p:cSld>
+  <p:clrMapOvr>
+    <a:masterClrMapping/>
+  </p:clrMapOvr>
+</p:sld>
+</file>
+
+<file path=ppt/slides/slide28.xml><?xml version="1.0" encoding="utf-8"?>
+<p:sld xmlns:a="http://schemas.openxmlformats.org/drawingml/2006/main" xmlns:r="http://schemas.openxmlformats.org/officeDocument/2006/relationships" xmlns:p="http://schemas.openxmlformats.org/presentationml/2006/main">
+  <p:cSld>
+    <p:spTree>
+      <p:nvGrpSpPr>
+        <p:cNvPr id="1" name=""/>
+        <p:cNvGrpSpPr/>
+        <p:nvPr/>
+      </p:nvGrpSpPr>
+      <p:grpSpPr/>
+      <p:sp>
+        <p:nvSpPr>
+          <p:cNvPr id="2" name="Slide Number Placeholder 1"/>
+          <p:cNvSpPr>
+            <a:spLocks noGrp="1"/>
+          </p:cNvSpPr>
+          <p:nvPr>
+            <p:ph type="sldNum" sz="quarter" idx="12"/>
+          </p:nvPr>
+        </p:nvSpPr>
+        <p:spPr/>
+        <p:txBody>
+          <a:bodyPr/>
+          <a:p>
+            <a:r>
+              <a:rPr lang="en-US" altLang="zh-CN" smtClean="0"/>
+              <a:t> </a:t>
+            </a:r>
+            <a:fld id="{565CE74E-AB26-4998-AD42-012C4C1AD076}" type="slidenum">
+              <a:rPr lang="zh-CN" altLang="en-US" smtClean="0"/>
+            </a:fld>
+            <a:endParaRPr lang="en-US" altLang="zh-CN" smtClean="0"/>
+          </a:p>
+        </p:txBody>
+      </p:sp>
+      <p:sp>
+        <p:nvSpPr>
+          <p:cNvPr id="3" name="Text Box 2"/>
+          <p:cNvSpPr txBox="1"/>
+          <p:nvPr/>
+        </p:nvSpPr>
+        <p:spPr>
+          <a:xfrm>
+            <a:off x="332740" y="236220"/>
+            <a:ext cx="10076815" cy="398780"/>
+          </a:xfrm>
+          <a:prstGeom prst="rect">
+            <a:avLst/>
+          </a:prstGeom>
+          <a:noFill/>
+        </p:spPr>
+        <p:txBody>
+          <a:bodyPr wrap="square" rtlCol="0">
+            <a:spAutoFit/>
+          </a:bodyPr>
+          <a:p>
+            <a:r>
+              <a:rPr lang="" altLang="en-US" sz="2000">
+                <a:sym typeface="+mn-ea"/>
+              </a:rPr>
+              <a:t>Comparison of widths from invariant mass and angles of recoiled proton </a:t>
+            </a:r>
+            <a:endParaRPr lang="" altLang="en-US" sz="2000">
+              <a:sym typeface="+mn-ea"/>
+            </a:endParaRPr>
+          </a:p>
+        </p:txBody>
+      </p:sp>
+      <p:pic>
+        <p:nvPicPr>
+          <p:cNvPr id="4" name="Picture 3" descr="two_width_comp"/>
+          <p:cNvPicPr>
+            <a:picLocks noChangeAspect="1"/>
+          </p:cNvPicPr>
+          <p:nvPr/>
+        </p:nvPicPr>
+        <p:blipFill>
+          <a:blip r:embed="rId1"/>
+          <a:stretch>
+            <a:fillRect/>
+          </a:stretch>
+        </p:blipFill>
+        <p:spPr>
+          <a:xfrm>
+            <a:off x="332740" y="935355"/>
+            <a:ext cx="11202670" cy="5577205"/>
+          </a:xfrm>
+          <a:prstGeom prst="rect">
+            <a:avLst/>
+          </a:prstGeom>
+        </p:spPr>
+      </p:pic>
+      <p:sp>
+        <p:nvSpPr>
+          <p:cNvPr id="15" name="Rectangle 14"/>
+          <p:cNvSpPr/>
+          <p:nvPr/>
+        </p:nvSpPr>
+        <p:spPr>
+          <a:xfrm>
+            <a:off x="3761740" y="935355"/>
+            <a:ext cx="3982720" cy="325120"/>
+          </a:xfrm>
+          <a:prstGeom prst="rect">
+            <a:avLst/>
+          </a:prstGeom>
+          <a:solidFill>
+            <a:schemeClr val="bg1"/>
+          </a:solidFill>
+          <a:ln>
+            <a:noFill/>
+          </a:ln>
+        </p:spPr>
+        <p:style>
+          <a:lnRef idx="2">
+            <a:schemeClr val="accent1">
+              <a:shade val="50000"/>
+            </a:schemeClr>
+          </a:lnRef>
+          <a:fillRef idx="1">
+            <a:schemeClr val="accent1"/>
+          </a:fillRef>
+          <a:effectRef idx="0">
+            <a:schemeClr val="accent1"/>
+          </a:effectRef>
+          <a:fontRef idx="minor">
+            <a:schemeClr val="lt1"/>
+          </a:fontRef>
+        </p:style>
+        <p:txBody>
+          <a:bodyPr rtlCol="0" anchor="ctr"/>
+          <a:p>
+            <a:pPr algn="ctr"/>
+            <a:endParaRPr lang="en-US"/>
+          </a:p>
+        </p:txBody>
+      </p:sp>
+    </p:spTree>
+  </p:cSld>
+  <p:clrMapOvr>
+    <a:masterClrMapping/>
+  </p:clrMapOvr>
+</p:sld>
+</file>
+
+<file path=ppt/slides/slide29.xml><?xml version="1.0" encoding="utf-8"?>
+<p:sld xmlns:a="http://schemas.openxmlformats.org/drawingml/2006/main" xmlns:r="http://schemas.openxmlformats.org/officeDocument/2006/relationships" xmlns:p="http://schemas.openxmlformats.org/presentationml/2006/main">
+  <p:cSld>
+    <p:spTree>
+      <p:nvGrpSpPr>
+        <p:cNvPr id="1" name=""/>
+        <p:cNvGrpSpPr/>
+        <p:nvPr/>
+      </p:nvGrpSpPr>
+      <p:grpSpPr/>
+      <p:sp>
+        <p:nvSpPr>
+          <p:cNvPr id="2" name="Slide Number Placeholder 1"/>
+          <p:cNvSpPr>
+            <a:spLocks noGrp="1"/>
+          </p:cNvSpPr>
+          <p:nvPr>
+            <p:ph type="sldNum" sz="quarter" idx="12"/>
+          </p:nvPr>
+        </p:nvSpPr>
+        <p:spPr/>
+        <p:txBody>
+          <a:bodyPr/>
+          <a:p>
+            <a:r>
+              <a:rPr lang="en-US" altLang="zh-CN" smtClean="0"/>
+              <a:t> </a:t>
+            </a:r>
+            <a:fld id="{565CE74E-AB26-4998-AD42-012C4C1AD076}" type="slidenum">
+              <a:rPr lang="zh-CN" altLang="en-US" smtClean="0"/>
+            </a:fld>
+            <a:endParaRPr lang="en-US" altLang="zh-CN" smtClean="0"/>
+          </a:p>
+        </p:txBody>
+      </p:sp>
+      <p:sp>
+        <p:nvSpPr>
+          <p:cNvPr id="3" name="Text Box 2"/>
+          <p:cNvSpPr txBox="1"/>
+          <p:nvPr/>
+        </p:nvSpPr>
+        <p:spPr>
+          <a:xfrm>
+            <a:off x="332740" y="236220"/>
+            <a:ext cx="10076815" cy="398780"/>
+          </a:xfrm>
+          <a:prstGeom prst="rect">
+            <a:avLst/>
+          </a:prstGeom>
+          <a:noFill/>
+        </p:spPr>
+        <p:txBody>
+          <a:bodyPr wrap="square" rtlCol="0">
+            <a:spAutoFit/>
+          </a:bodyPr>
+          <a:p>
+            <a:r>
+              <a:rPr lang="en-US" altLang="en-US" sz="2000">
+                <a:sym typeface="+mn-ea"/>
+              </a:rPr>
+              <a:t>Comparison of widths from invariant mass and angles of recoiled proton </a:t>
+            </a:r>
+            <a:endParaRPr lang="en-US" altLang="en-US" sz="2000">
+              <a:sym typeface="+mn-ea"/>
+            </a:endParaRPr>
+          </a:p>
+        </p:txBody>
+      </p:sp>
+      <p:pic>
+        <p:nvPicPr>
+          <p:cNvPr id="4" name="Picture 3" descr="two_width_comp"/>
+          <p:cNvPicPr>
+            <a:picLocks noChangeAspect="1"/>
+          </p:cNvPicPr>
+          <p:nvPr/>
+        </p:nvPicPr>
+        <p:blipFill>
+          <a:blip r:embed="rId1"/>
+          <a:stretch>
+            <a:fillRect/>
+          </a:stretch>
+        </p:blipFill>
+        <p:spPr>
+          <a:xfrm>
+            <a:off x="332740" y="935355"/>
+            <a:ext cx="11202670" cy="5577205"/>
+          </a:xfrm>
+          <a:prstGeom prst="rect">
+            <a:avLst/>
+          </a:prstGeom>
+        </p:spPr>
+      </p:pic>
+      <p:cxnSp>
+        <p:nvCxnSpPr>
+          <p:cNvPr id="6" name="Straight Connector 5"/>
+          <p:cNvCxnSpPr/>
+          <p:nvPr/>
+        </p:nvCxnSpPr>
+        <p:spPr>
+          <a:xfrm>
+            <a:off x="2903220" y="992505"/>
+            <a:ext cx="0" cy="5231130"/>
+          </a:xfrm>
+          <a:prstGeom prst="line">
+            <a:avLst/>
+          </a:prstGeom>
+          <a:ln w="19050">
+            <a:solidFill>
+              <a:srgbClr val="00B050"/>
+            </a:solidFill>
+            <a:prstDash val="dash"/>
+          </a:ln>
+        </p:spPr>
+        <p:style>
+          <a:lnRef idx="1">
+            <a:schemeClr val="accent1"/>
+          </a:lnRef>
+          <a:fillRef idx="0">
+            <a:schemeClr val="accent1"/>
+          </a:fillRef>
+          <a:effectRef idx="0">
+            <a:schemeClr val="accent1"/>
+          </a:effectRef>
+          <a:fontRef idx="minor">
+            <a:schemeClr val="tx1"/>
+          </a:fontRef>
+        </p:style>
+      </p:cxnSp>
+      <p:cxnSp>
+        <p:nvCxnSpPr>
+          <p:cNvPr id="7" name="Straight Connector 6"/>
+          <p:cNvCxnSpPr/>
+          <p:nvPr/>
+        </p:nvCxnSpPr>
+        <p:spPr>
+          <a:xfrm>
             <a:off x="1562735" y="995680"/>
             <a:ext cx="0" cy="5231130"/>
           </a:xfrm>
@@ -6943,6 +7889,51 @@
           </a:p>
         </p:txBody>
       </p:sp>
+      <p:sp>
+        <p:nvSpPr>
+          <p:cNvPr id="15" name="Rectangle 14"/>
+          <p:cNvSpPr/>
+          <p:nvPr/>
+        </p:nvSpPr>
+        <p:spPr>
+          <a:xfrm>
+            <a:off x="3761740" y="935355"/>
+            <a:ext cx="3982720" cy="325120"/>
+          </a:xfrm>
+          <a:prstGeom prst="rect">
+            <a:avLst/>
+          </a:prstGeom>
+          <a:solidFill>
+            <a:schemeClr val="bg1"/>
+          </a:solidFill>
+          <a:ln>
+            <a:noFill/>
+          </a:ln>
+        </p:spPr>
+        <p:style>
+          <a:lnRef idx="2">
+            <a:schemeClr val="accent1">
+              <a:shade val="50000"/>
+            </a:schemeClr>
+          </a:lnRef>
+          <a:fillRef idx="1">
+            <a:schemeClr val="accent1"/>
+          </a:fillRef>
+          <a:effectRef idx="0">
+            <a:schemeClr val="accent1"/>
+          </a:effectRef>
+          <a:fontRef idx="minor">
+            <a:schemeClr val="lt1"/>
+          </a:fontRef>
+        </p:style>
+        <p:txBody>
+          <a:bodyPr rtlCol="0" anchor="ctr"/>
+          <a:p>
+            <a:pPr algn="ctr"/>
+            <a:endParaRPr lang="en-US"/>
+          </a:p>
+        </p:txBody>
+      </p:sp>
     </p:spTree>
   </p:cSld>
   <p:clrMapOvr>
@@ -6951,7 +7942,7 @@
 </p:sld>
 </file>
 
-<file path=ppt/slides/slide26.xml><?xml version="1.0" encoding="utf-8"?>
+<file path=ppt/slides/slide3.xml><?xml version="1.0" encoding="utf-8"?>
 <p:sld xmlns:a="http://schemas.openxmlformats.org/drawingml/2006/main" xmlns:r="http://schemas.openxmlformats.org/officeDocument/2006/relationships" xmlns:p="http://schemas.openxmlformats.org/presentationml/2006/main">
   <p:cSld>
     <p:spTree>
@@ -6988,6 +7979,177 @@
       </p:sp>
       <p:sp>
         <p:nvSpPr>
+          <p:cNvPr id="3" name="Text Box 2"/>
+          <p:cNvSpPr txBox="1"/>
+          <p:nvPr/>
+        </p:nvSpPr>
+        <p:spPr>
+          <a:xfrm>
+            <a:off x="332740" y="135255"/>
+            <a:ext cx="9653905" cy="645160"/>
+          </a:xfrm>
+          <a:prstGeom prst="rect">
+            <a:avLst/>
+          </a:prstGeom>
+          <a:noFill/>
+        </p:spPr>
+        <p:txBody>
+          <a:bodyPr wrap="square" rtlCol="0">
+            <a:spAutoFit/>
+          </a:bodyPr>
+          <a:p>
+            <a:r>
+              <a:rPr lang="en-US" altLang="en-US" sz="3600"/>
+              <a:t>Detector Layout</a:t>
+            </a:r>
+            <a:endParaRPr lang="en-US" altLang="en-US" sz="3600"/>
+          </a:p>
+        </p:txBody>
+      </p:sp>
+      <p:pic>
+        <p:nvPicPr>
+          <p:cNvPr id="4" name="Picture 3"/>
+          <p:cNvPicPr>
+            <a:picLocks noChangeAspect="1"/>
+          </p:cNvPicPr>
+          <p:nvPr/>
+        </p:nvPicPr>
+        <p:blipFill>
+          <a:blip r:embed="rId1"/>
+          <a:stretch>
+            <a:fillRect/>
+          </a:stretch>
+        </p:blipFill>
+        <p:spPr>
+          <a:xfrm>
+            <a:off x="1076960" y="873760"/>
+            <a:ext cx="9853295" cy="5379720"/>
+          </a:xfrm>
+          <a:prstGeom prst="rect">
+            <a:avLst/>
+          </a:prstGeom>
+        </p:spPr>
+      </p:pic>
+      <p:cxnSp>
+        <p:nvCxnSpPr>
+          <p:cNvPr id="6" name="Curved Connector 5"/>
+          <p:cNvCxnSpPr/>
+          <p:nvPr/>
+        </p:nvCxnSpPr>
+        <p:spPr>
+          <a:xfrm rot="16200000" flipV="1">
+            <a:off x="2070735" y="4893945"/>
+            <a:ext cx="1957705" cy="369570"/>
+          </a:xfrm>
+          <a:prstGeom prst="curvedConnector3">
+            <a:avLst>
+              <a:gd name="adj1" fmla="val 145"/>
+            </a:avLst>
+          </a:prstGeom>
+          <a:ln w="19050">
+            <a:solidFill>
+              <a:srgbClr val="FF0000"/>
+            </a:solidFill>
+            <a:tailEnd type="arrow"/>
+          </a:ln>
+        </p:spPr>
+        <p:style>
+          <a:lnRef idx="1">
+            <a:schemeClr val="accent1"/>
+          </a:lnRef>
+          <a:fillRef idx="0">
+            <a:schemeClr val="accent1"/>
+          </a:fillRef>
+          <a:effectRef idx="0">
+            <a:schemeClr val="accent1"/>
+          </a:effectRef>
+          <a:fontRef idx="minor">
+            <a:schemeClr val="tx1"/>
+          </a:fontRef>
+        </p:style>
+      </p:cxnSp>
+      <p:sp>
+        <p:nvSpPr>
+          <p:cNvPr id="7" name="Text Box 6"/>
+          <p:cNvSpPr txBox="1"/>
+          <p:nvPr/>
+        </p:nvSpPr>
+        <p:spPr>
+          <a:xfrm>
+            <a:off x="3234690" y="5885180"/>
+            <a:ext cx="905510" cy="368300"/>
+          </a:xfrm>
+          <a:prstGeom prst="rect">
+            <a:avLst/>
+          </a:prstGeom>
+          <a:noFill/>
+        </p:spPr>
+        <p:txBody>
+          <a:bodyPr wrap="square" rtlCol="0">
+            <a:spAutoFit/>
+          </a:bodyPr>
+          <a:p>
+            <a:r>
+              <a:rPr lang="" altLang="en-US">
+                <a:solidFill>
+                  <a:srgbClr val="FF0000"/>
+                </a:solidFill>
+              </a:rPr>
+              <a:t>Target</a:t>
+            </a:r>
+            <a:endParaRPr lang="" altLang="en-US">
+              <a:solidFill>
+                <a:srgbClr val="FF0000"/>
+              </a:solidFill>
+            </a:endParaRPr>
+          </a:p>
+        </p:txBody>
+      </p:sp>
+    </p:spTree>
+  </p:cSld>
+  <p:clrMapOvr>
+    <a:masterClrMapping/>
+  </p:clrMapOvr>
+</p:sld>
+</file>
+
+<file path=ppt/slides/slide30.xml><?xml version="1.0" encoding="utf-8"?>
+<p:sld xmlns:a="http://schemas.openxmlformats.org/drawingml/2006/main" xmlns:r="http://schemas.openxmlformats.org/officeDocument/2006/relationships" xmlns:p="http://schemas.openxmlformats.org/presentationml/2006/main">
+  <p:cSld>
+    <p:spTree>
+      <p:nvGrpSpPr>
+        <p:cNvPr id="1" name=""/>
+        <p:cNvGrpSpPr/>
+        <p:nvPr/>
+      </p:nvGrpSpPr>
+      <p:grpSpPr/>
+      <p:sp>
+        <p:nvSpPr>
+          <p:cNvPr id="2" name="Slide Number Placeholder 1"/>
+          <p:cNvSpPr>
+            <a:spLocks noGrp="1"/>
+          </p:cNvSpPr>
+          <p:nvPr>
+            <p:ph type="sldNum" sz="quarter" idx="12"/>
+          </p:nvPr>
+        </p:nvSpPr>
+        <p:spPr/>
+        <p:txBody>
+          <a:bodyPr/>
+          <a:p>
+            <a:r>
+              <a:rPr lang="en-US" altLang="zh-CN" smtClean="0"/>
+              <a:t> </a:t>
+            </a:r>
+            <a:fld id="{565CE74E-AB26-4998-AD42-012C4C1AD076}" type="slidenum">
+              <a:rPr lang="zh-CN" altLang="en-US" smtClean="0"/>
+            </a:fld>
+            <a:endParaRPr lang="en-US" altLang="zh-CN" smtClean="0"/>
+          </a:p>
+        </p:txBody>
+      </p:sp>
+      <p:sp>
+        <p:nvSpPr>
           <p:cNvPr id="4" name="Text Box 3"/>
           <p:cNvSpPr txBox="1"/>
           <p:nvPr/>
@@ -7044,6 +8206,51 @@
           </a:prstGeom>
         </p:spPr>
       </p:pic>
+      <p:sp>
+        <p:nvSpPr>
+          <p:cNvPr id="19" name="Rectangle 18"/>
+          <p:cNvSpPr/>
+          <p:nvPr/>
+        </p:nvSpPr>
+        <p:spPr>
+          <a:xfrm>
+            <a:off x="2609215" y="869950"/>
+            <a:ext cx="6638290" cy="325120"/>
+          </a:xfrm>
+          <a:prstGeom prst="rect">
+            <a:avLst/>
+          </a:prstGeom>
+          <a:solidFill>
+            <a:schemeClr val="bg1"/>
+          </a:solidFill>
+          <a:ln>
+            <a:noFill/>
+          </a:ln>
+        </p:spPr>
+        <p:style>
+          <a:lnRef idx="2">
+            <a:schemeClr val="accent1">
+              <a:shade val="50000"/>
+            </a:schemeClr>
+          </a:lnRef>
+          <a:fillRef idx="1">
+            <a:schemeClr val="accent1"/>
+          </a:fillRef>
+          <a:effectRef idx="0">
+            <a:schemeClr val="accent1"/>
+          </a:effectRef>
+          <a:fontRef idx="minor">
+            <a:schemeClr val="lt1"/>
+          </a:fontRef>
+        </p:style>
+        <p:txBody>
+          <a:bodyPr rtlCol="0" anchor="ctr"/>
+          <a:p>
+            <a:pPr algn="ctr"/>
+            <a:endParaRPr lang="en-US"/>
+          </a:p>
+        </p:txBody>
+      </p:sp>
     </p:spTree>
   </p:cSld>
   <p:clrMapOvr>
@@ -7052,7 +8259,7 @@
 </p:sld>
 </file>
 
-<file path=ppt/slides/slide27.xml><?xml version="1.0" encoding="utf-8"?>
+<file path=ppt/slides/slide31.xml><?xml version="1.0" encoding="utf-8"?>
 <p:sld xmlns:a="http://schemas.openxmlformats.org/drawingml/2006/main" xmlns:r="http://schemas.openxmlformats.org/officeDocument/2006/relationships" xmlns:p="http://schemas.openxmlformats.org/presentationml/2006/main">
   <p:cSld>
     <p:spTree>
@@ -7517,6 +8724,51 @@
           </a:p>
         </p:txBody>
       </p:sp>
+      <p:sp>
+        <p:nvSpPr>
+          <p:cNvPr id="15" name="Rectangle 14"/>
+          <p:cNvSpPr/>
+          <p:nvPr/>
+        </p:nvSpPr>
+        <p:spPr>
+          <a:xfrm>
+            <a:off x="2609215" y="869950"/>
+            <a:ext cx="6638290" cy="325120"/>
+          </a:xfrm>
+          <a:prstGeom prst="rect">
+            <a:avLst/>
+          </a:prstGeom>
+          <a:solidFill>
+            <a:schemeClr val="bg1"/>
+          </a:solidFill>
+          <a:ln>
+            <a:noFill/>
+          </a:ln>
+        </p:spPr>
+        <p:style>
+          <a:lnRef idx="2">
+            <a:schemeClr val="accent1">
+              <a:shade val="50000"/>
+            </a:schemeClr>
+          </a:lnRef>
+          <a:fillRef idx="1">
+            <a:schemeClr val="accent1"/>
+          </a:fillRef>
+          <a:effectRef idx="0">
+            <a:schemeClr val="accent1"/>
+          </a:effectRef>
+          <a:fontRef idx="minor">
+            <a:schemeClr val="lt1"/>
+          </a:fontRef>
+        </p:style>
+        <p:txBody>
+          <a:bodyPr rtlCol="0" anchor="ctr"/>
+          <a:p>
+            <a:pPr algn="ctr"/>
+            <a:endParaRPr lang="en-US"/>
+          </a:p>
+        </p:txBody>
+      </p:sp>
     </p:spTree>
   </p:cSld>
   <p:clrMapOvr>
@@ -7525,7 +8777,7 @@
 </p:sld>
 </file>
 
-<file path=ppt/slides/slide28.xml><?xml version="1.0" encoding="utf-8"?>
+<file path=ppt/slides/slide32.xml><?xml version="1.0" encoding="utf-8"?>
 <p:sld xmlns:a="http://schemas.openxmlformats.org/drawingml/2006/main" xmlns:r="http://schemas.openxmlformats.org/officeDocument/2006/relationships" xmlns:p="http://schemas.openxmlformats.org/presentationml/2006/main">
   <p:cSld>
     <p:spTree>
@@ -7562,14 +8814,14 @@
       </p:sp>
       <p:sp>
         <p:nvSpPr>
-          <p:cNvPr id="3" name="Text Box 2"/>
+          <p:cNvPr id="4" name="Text Box 3"/>
           <p:cNvSpPr txBox="1"/>
           <p:nvPr/>
         </p:nvSpPr>
         <p:spPr>
           <a:xfrm>
-            <a:off x="332740" y="135255"/>
-            <a:ext cx="4641215" cy="645160"/>
+            <a:off x="332740" y="236220"/>
+            <a:ext cx="10076815" cy="398780"/>
           </a:xfrm>
           <a:prstGeom prst="rect">
             <a:avLst/>
@@ -7582,13 +8834,516 @@
           </a:bodyPr>
           <a:p>
             <a:r>
-              <a:rPr lang="en-US" altLang="en-US" sz="3600"/>
-              <a:t>Summary</a:t>
-            </a:r>
-            <a:endParaRPr lang="en-US" altLang="en-US" sz="3600"/>
-          </a:p>
-        </p:txBody>
-      </p:sp>
+              <a:rPr lang="en-US" altLang="en-US" sz="2000">
+                <a:sym typeface="+mn-ea"/>
+              </a:rPr>
+              <a:t>Comparison of ECAL1 percentage and FWHM of invariant mass </a:t>
+            </a:r>
+            <a:endParaRPr lang="en-US" altLang="en-US" sz="2000">
+              <a:sym typeface="+mn-ea"/>
+            </a:endParaRPr>
+          </a:p>
+        </p:txBody>
+      </p:sp>
+      <p:pic>
+        <p:nvPicPr>
+          <p:cNvPr id="6" name="Picture 5" descr="comp_ECAL1_per_FWHM"/>
+          <p:cNvPicPr>
+            <a:picLocks noChangeAspect="1"/>
+          </p:cNvPicPr>
+          <p:nvPr/>
+        </p:nvPicPr>
+        <p:blipFill>
+          <a:blip r:embed="rId1"/>
+          <a:srcRect l="2311" r="3220"/>
+          <a:stretch>
+            <a:fillRect/>
+          </a:stretch>
+        </p:blipFill>
+        <p:spPr>
+          <a:xfrm>
+            <a:off x="332740" y="828040"/>
+            <a:ext cx="11144885" cy="5873750"/>
+          </a:xfrm>
+          <a:prstGeom prst="rect">
+            <a:avLst/>
+          </a:prstGeom>
+        </p:spPr>
+      </p:pic>
+      <p:cxnSp>
+        <p:nvCxnSpPr>
+          <p:cNvPr id="7" name="Straight Connector 6"/>
+          <p:cNvCxnSpPr/>
+          <p:nvPr/>
+        </p:nvCxnSpPr>
+        <p:spPr>
+          <a:xfrm>
+            <a:off x="5568950" y="1223010"/>
+            <a:ext cx="0" cy="5231130"/>
+          </a:xfrm>
+          <a:prstGeom prst="line">
+            <a:avLst/>
+          </a:prstGeom>
+          <a:ln w="19050">
+            <a:solidFill>
+              <a:srgbClr val="00B050"/>
+            </a:solidFill>
+            <a:prstDash val="dash"/>
+          </a:ln>
+        </p:spPr>
+        <p:style>
+          <a:lnRef idx="1">
+            <a:schemeClr val="accent1"/>
+          </a:lnRef>
+          <a:fillRef idx="0">
+            <a:schemeClr val="accent1"/>
+          </a:fillRef>
+          <a:effectRef idx="0">
+            <a:schemeClr val="accent1"/>
+          </a:effectRef>
+          <a:fontRef idx="minor">
+            <a:schemeClr val="tx1"/>
+          </a:fontRef>
+        </p:style>
+      </p:cxnSp>
+      <p:cxnSp>
+        <p:nvCxnSpPr>
+          <p:cNvPr id="8" name="Straight Connector 7"/>
+          <p:cNvCxnSpPr/>
+          <p:nvPr/>
+        </p:nvCxnSpPr>
+        <p:spPr>
+          <a:xfrm>
+            <a:off x="5695950" y="1207135"/>
+            <a:ext cx="0" cy="5231130"/>
+          </a:xfrm>
+          <a:prstGeom prst="line">
+            <a:avLst/>
+          </a:prstGeom>
+          <a:ln w="19050">
+            <a:solidFill>
+              <a:srgbClr val="00B050"/>
+            </a:solidFill>
+            <a:prstDash val="dash"/>
+          </a:ln>
+        </p:spPr>
+        <p:style>
+          <a:lnRef idx="1">
+            <a:schemeClr val="accent1"/>
+          </a:lnRef>
+          <a:fillRef idx="0">
+            <a:schemeClr val="accent1"/>
+          </a:fillRef>
+          <a:effectRef idx="0">
+            <a:schemeClr val="accent1"/>
+          </a:effectRef>
+          <a:fontRef idx="minor">
+            <a:schemeClr val="tx1"/>
+          </a:fontRef>
+        </p:style>
+      </p:cxnSp>
+      <p:cxnSp>
+        <p:nvCxnSpPr>
+          <p:cNvPr id="9" name="Straight Connector 8"/>
+          <p:cNvCxnSpPr/>
+          <p:nvPr/>
+        </p:nvCxnSpPr>
+        <p:spPr>
+          <a:xfrm>
+            <a:off x="1790700" y="1165225"/>
+            <a:ext cx="0" cy="5231130"/>
+          </a:xfrm>
+          <a:prstGeom prst="line">
+            <a:avLst/>
+          </a:prstGeom>
+          <a:ln w="19050">
+            <a:solidFill>
+              <a:srgbClr val="00B050"/>
+            </a:solidFill>
+            <a:prstDash val="dash"/>
+          </a:ln>
+        </p:spPr>
+        <p:style>
+          <a:lnRef idx="1">
+            <a:schemeClr val="accent1"/>
+          </a:lnRef>
+          <a:fillRef idx="0">
+            <a:schemeClr val="accent1"/>
+          </a:fillRef>
+          <a:effectRef idx="0">
+            <a:schemeClr val="accent1"/>
+          </a:effectRef>
+          <a:fontRef idx="minor">
+            <a:schemeClr val="tx1"/>
+          </a:fontRef>
+        </p:style>
+      </p:cxnSp>
+      <p:cxnSp>
+        <p:nvCxnSpPr>
+          <p:cNvPr id="10" name="Straight Connector 9"/>
+          <p:cNvCxnSpPr/>
+          <p:nvPr/>
+        </p:nvCxnSpPr>
+        <p:spPr>
+          <a:xfrm>
+            <a:off x="1917700" y="1149350"/>
+            <a:ext cx="0" cy="5231130"/>
+          </a:xfrm>
+          <a:prstGeom prst="line">
+            <a:avLst/>
+          </a:prstGeom>
+          <a:ln w="19050">
+            <a:solidFill>
+              <a:srgbClr val="00B050"/>
+            </a:solidFill>
+            <a:prstDash val="dash"/>
+          </a:ln>
+        </p:spPr>
+        <p:style>
+          <a:lnRef idx="1">
+            <a:schemeClr val="accent1"/>
+          </a:lnRef>
+          <a:fillRef idx="0">
+            <a:schemeClr val="accent1"/>
+          </a:fillRef>
+          <a:effectRef idx="0">
+            <a:schemeClr val="accent1"/>
+          </a:effectRef>
+          <a:fontRef idx="minor">
+            <a:schemeClr val="tx1"/>
+          </a:fontRef>
+        </p:style>
+      </p:cxnSp>
+      <p:cxnSp>
+        <p:nvCxnSpPr>
+          <p:cNvPr id="11" name="Straight Connector 10"/>
+          <p:cNvCxnSpPr/>
+          <p:nvPr/>
+        </p:nvCxnSpPr>
+        <p:spPr>
+          <a:xfrm>
+            <a:off x="7118350" y="1149350"/>
+            <a:ext cx="0" cy="5231130"/>
+          </a:xfrm>
+          <a:prstGeom prst="line">
+            <a:avLst/>
+          </a:prstGeom>
+          <a:ln w="19050">
+            <a:solidFill>
+              <a:srgbClr val="00B050"/>
+            </a:solidFill>
+            <a:prstDash val="dash"/>
+          </a:ln>
+        </p:spPr>
+        <p:style>
+          <a:lnRef idx="1">
+            <a:schemeClr val="accent1"/>
+          </a:lnRef>
+          <a:fillRef idx="0">
+            <a:schemeClr val="accent1"/>
+          </a:fillRef>
+          <a:effectRef idx="0">
+            <a:schemeClr val="accent1"/>
+          </a:effectRef>
+          <a:fontRef idx="minor">
+            <a:schemeClr val="tx1"/>
+          </a:fontRef>
+        </p:style>
+      </p:cxnSp>
+      <p:sp>
+        <p:nvSpPr>
+          <p:cNvPr id="12" name="Text Box 11"/>
+          <p:cNvSpPr txBox="1"/>
+          <p:nvPr/>
+        </p:nvSpPr>
+        <p:spPr>
+          <a:xfrm>
+            <a:off x="1102995" y="6380480"/>
+            <a:ext cx="1628775" cy="306705"/>
+          </a:xfrm>
+          <a:prstGeom prst="rect">
+            <a:avLst/>
+          </a:prstGeom>
+          <a:noFill/>
+        </p:spPr>
+        <p:txBody>
+          <a:bodyPr wrap="square" rtlCol="0">
+            <a:spAutoFit/>
+          </a:bodyPr>
+          <a:p>
+            <a:r>
+              <a:rPr lang="en-US" altLang="en-US" sz="1400">
+                <a:ln>
+                  <a:solidFill>
+                    <a:srgbClr val="00B050"/>
+                  </a:solidFill>
+                </a:ln>
+                <a:solidFill>
+                  <a:srgbClr val="00B050"/>
+                </a:solidFill>
+              </a:rPr>
+              <a:t>69696 ~ 69687</a:t>
+            </a:r>
+            <a:endParaRPr lang="en-US" altLang="en-US" sz="1400">
+              <a:ln>
+                <a:solidFill>
+                  <a:srgbClr val="00B050"/>
+                </a:solidFill>
+              </a:ln>
+              <a:solidFill>
+                <a:srgbClr val="00B050"/>
+              </a:solidFill>
+            </a:endParaRPr>
+          </a:p>
+        </p:txBody>
+      </p:sp>
+      <p:sp>
+        <p:nvSpPr>
+          <p:cNvPr id="13" name="Text Box 12"/>
+          <p:cNvSpPr txBox="1"/>
+          <p:nvPr/>
+        </p:nvSpPr>
+        <p:spPr>
+          <a:xfrm>
+            <a:off x="4684395" y="6400165"/>
+            <a:ext cx="1628775" cy="306705"/>
+          </a:xfrm>
+          <a:prstGeom prst="rect">
+            <a:avLst/>
+          </a:prstGeom>
+          <a:noFill/>
+        </p:spPr>
+        <p:txBody>
+          <a:bodyPr wrap="square" rtlCol="0">
+            <a:spAutoFit/>
+          </a:bodyPr>
+          <a:p>
+            <a:r>
+              <a:rPr lang="en-US" altLang="en-US" sz="1400">
+                <a:ln>
+                  <a:solidFill>
+                    <a:srgbClr val="00B050"/>
+                  </a:solidFill>
+                </a:ln>
+                <a:solidFill>
+                  <a:srgbClr val="00B050"/>
+                </a:solidFill>
+              </a:rPr>
+              <a:t>70223 ~ 70240</a:t>
+            </a:r>
+            <a:endParaRPr lang="en-US" altLang="en-US" sz="1400">
+              <a:ln>
+                <a:solidFill>
+                  <a:srgbClr val="00B050"/>
+                </a:solidFill>
+              </a:ln>
+              <a:solidFill>
+                <a:srgbClr val="00B050"/>
+              </a:solidFill>
+            </a:endParaRPr>
+          </a:p>
+        </p:txBody>
+      </p:sp>
+      <p:sp>
+        <p:nvSpPr>
+          <p:cNvPr id="14" name="Text Box 13"/>
+          <p:cNvSpPr txBox="1"/>
+          <p:nvPr/>
+        </p:nvSpPr>
+        <p:spPr>
+          <a:xfrm>
+            <a:off x="6718935" y="6380480"/>
+            <a:ext cx="799465" cy="306705"/>
+          </a:xfrm>
+          <a:prstGeom prst="rect">
+            <a:avLst/>
+          </a:prstGeom>
+          <a:noFill/>
+        </p:spPr>
+        <p:txBody>
+          <a:bodyPr wrap="square" rtlCol="0">
+            <a:spAutoFit/>
+          </a:bodyPr>
+          <a:p>
+            <a:r>
+              <a:rPr lang="en-US" altLang="en-US" sz="1400">
+                <a:ln>
+                  <a:solidFill>
+                    <a:srgbClr val="00B050"/>
+                  </a:solidFill>
+                </a:ln>
+                <a:solidFill>
+                  <a:srgbClr val="00B050"/>
+                </a:solidFill>
+              </a:rPr>
+              <a:t>70448</a:t>
+            </a:r>
+            <a:endParaRPr lang="en-US" altLang="en-US" sz="1400">
+              <a:ln>
+                <a:solidFill>
+                  <a:srgbClr val="00B050"/>
+                </a:solidFill>
+              </a:ln>
+              <a:solidFill>
+                <a:srgbClr val="00B050"/>
+              </a:solidFill>
+            </a:endParaRPr>
+          </a:p>
+        </p:txBody>
+      </p:sp>
+      <p:pic>
+        <p:nvPicPr>
+          <p:cNvPr id="3" name="Picture 2" descr="ECAL2_decrease"/>
+          <p:cNvPicPr>
+            <a:picLocks noChangeAspect="1"/>
+          </p:cNvPicPr>
+          <p:nvPr/>
+        </p:nvPicPr>
+        <p:blipFill>
+          <a:blip r:embed="rId2"/>
+          <a:stretch>
+            <a:fillRect/>
+          </a:stretch>
+        </p:blipFill>
+        <p:spPr>
+          <a:xfrm>
+            <a:off x="6598920" y="635000"/>
+            <a:ext cx="3714115" cy="4178935"/>
+          </a:xfrm>
+          <a:prstGeom prst="rect">
+            <a:avLst/>
+          </a:prstGeom>
+        </p:spPr>
+      </p:pic>
+      <p:sp>
+        <p:nvSpPr>
+          <p:cNvPr id="5" name="Rectangular Callout 4"/>
+          <p:cNvSpPr/>
+          <p:nvPr/>
+        </p:nvSpPr>
+        <p:spPr>
+          <a:xfrm>
+            <a:off x="6600825" y="641350"/>
+            <a:ext cx="3719195" cy="4176395"/>
+          </a:xfrm>
+          <a:prstGeom prst="wedgeRectCallout">
+            <a:avLst>
+              <a:gd name="adj1" fmla="val -72366"/>
+              <a:gd name="adj2" fmla="val -7822"/>
+            </a:avLst>
+          </a:prstGeom>
+          <a:noFill/>
+          <a:ln w="38100">
+            <a:solidFill>
+              <a:srgbClr val="00B050"/>
+            </a:solidFill>
+          </a:ln>
+          <a:extLst>
+            <a:ext uri="{909E8E84-426E-40DD-AFC4-6F175D3DCCD1}">
+              <a14:hiddenFill xmlns:a14="http://schemas.microsoft.com/office/drawing/2010/main">
+                <a:solidFill>
+                  <a:schemeClr val="accent1"/>
+                </a:solidFill>
+              </a14:hiddenFill>
+            </a:ext>
+          </a:extLst>
+        </p:spPr>
+        <p:style>
+          <a:lnRef idx="2">
+            <a:schemeClr val="accent1">
+              <a:shade val="50000"/>
+            </a:schemeClr>
+          </a:lnRef>
+          <a:fillRef idx="1">
+            <a:schemeClr val="accent1"/>
+          </a:fillRef>
+          <a:effectRef idx="0">
+            <a:schemeClr val="accent1"/>
+          </a:effectRef>
+          <a:fontRef idx="minor">
+            <a:schemeClr val="lt1"/>
+          </a:fontRef>
+        </p:style>
+        <p:txBody>
+          <a:bodyPr rtlCol="0" anchor="ctr"/>
+          <a:p>
+            <a:pPr algn="ctr"/>
+            <a:endParaRPr lang="en-US"/>
+          </a:p>
+        </p:txBody>
+      </p:sp>
+      <p:cxnSp>
+        <p:nvCxnSpPr>
+          <p:cNvPr id="15" name="Straight Connector 14"/>
+          <p:cNvCxnSpPr/>
+          <p:nvPr/>
+        </p:nvCxnSpPr>
+        <p:spPr>
+          <a:xfrm>
+            <a:off x="7849870" y="1036955"/>
+            <a:ext cx="0" cy="3543300"/>
+          </a:xfrm>
+          <a:prstGeom prst="line">
+            <a:avLst/>
+          </a:prstGeom>
+          <a:ln w="19050">
+            <a:solidFill>
+              <a:srgbClr val="00B050"/>
+            </a:solidFill>
+            <a:prstDash val="dash"/>
+          </a:ln>
+        </p:spPr>
+        <p:style>
+          <a:lnRef idx="1">
+            <a:schemeClr val="accent1"/>
+          </a:lnRef>
+          <a:fillRef idx="0">
+            <a:schemeClr val="accent1"/>
+          </a:fillRef>
+          <a:effectRef idx="0">
+            <a:schemeClr val="accent1"/>
+          </a:effectRef>
+          <a:fontRef idx="minor">
+            <a:schemeClr val="tx1"/>
+          </a:fontRef>
+        </p:style>
+      </p:cxnSp>
+      <p:cxnSp>
+        <p:nvCxnSpPr>
+          <p:cNvPr id="16" name="Straight Connector 15"/>
+          <p:cNvCxnSpPr/>
+          <p:nvPr/>
+        </p:nvCxnSpPr>
+        <p:spPr>
+          <a:xfrm>
+            <a:off x="8064500" y="931545"/>
+            <a:ext cx="0" cy="3648710"/>
+          </a:xfrm>
+          <a:prstGeom prst="line">
+            <a:avLst/>
+          </a:prstGeom>
+          <a:ln w="19050">
+            <a:solidFill>
+              <a:srgbClr val="00B050"/>
+            </a:solidFill>
+            <a:prstDash val="dash"/>
+          </a:ln>
+        </p:spPr>
+        <p:style>
+          <a:lnRef idx="1">
+            <a:schemeClr val="accent1"/>
+          </a:lnRef>
+          <a:fillRef idx="0">
+            <a:schemeClr val="accent1"/>
+          </a:fillRef>
+          <a:effectRef idx="0">
+            <a:schemeClr val="accent1"/>
+          </a:effectRef>
+          <a:fontRef idx="minor">
+            <a:schemeClr val="tx1"/>
+          </a:fontRef>
+        </p:style>
+      </p:cxnSp>
     </p:spTree>
   </p:cSld>
   <p:clrMapOvr>
@@ -7597,7 +9352,7 @@
 </p:sld>
 </file>
 
-<file path=ppt/slides/slide3.xml><?xml version="1.0" encoding="utf-8"?>
+<file path=ppt/slides/slide33.xml><?xml version="1.0" encoding="utf-8"?>
 <p:sld xmlns:a="http://schemas.openxmlformats.org/drawingml/2006/main" xmlns:r="http://schemas.openxmlformats.org/officeDocument/2006/relationships" xmlns:p="http://schemas.openxmlformats.org/presentationml/2006/main">
   <p:cSld>
     <p:spTree>
@@ -7641,7 +9396,7 @@
         <p:spPr>
           <a:xfrm>
             <a:off x="332740" y="135255"/>
-            <a:ext cx="9653905" cy="645160"/>
+            <a:ext cx="4641215" cy="645160"/>
           </a:xfrm>
           <a:prstGeom prst="rect">
             <a:avLst/>
@@ -7655,318 +9410,62 @@
           <a:p>
             <a:r>
               <a:rPr lang="en-US" altLang="en-US" sz="3600"/>
-              <a:t>Detector Layout</a:t>
+              <a:t>Summary</a:t>
             </a:r>
             <a:endParaRPr lang="en-US" altLang="en-US" sz="3600"/>
-          </a:p>
-        </p:txBody>
-      </p:sp>
-      <p:pic>
-        <p:nvPicPr>
-          <p:cNvPr id="4" name="Picture 3"/>
-          <p:cNvPicPr>
-            <a:picLocks noChangeAspect="1"/>
-          </p:cNvPicPr>
-          <p:nvPr/>
-        </p:nvPicPr>
-        <p:blipFill>
-          <a:blip r:embed="rId1"/>
-          <a:stretch>
-            <a:fillRect/>
-          </a:stretch>
-        </p:blipFill>
-        <p:spPr>
-          <a:xfrm>
-            <a:off x="1076960" y="873760"/>
-            <a:ext cx="9853295" cy="5379720"/>
-          </a:xfrm>
-          <a:prstGeom prst="rect">
-            <a:avLst/>
-          </a:prstGeom>
-        </p:spPr>
-      </p:pic>
-    </p:spTree>
-  </p:cSld>
-  <p:clrMapOvr>
-    <a:masterClrMapping/>
-  </p:clrMapOvr>
-</p:sld>
-</file>
-
-<file path=ppt/slides/slide4.xml><?xml version="1.0" encoding="utf-8"?>
-<p:sld xmlns:a="http://schemas.openxmlformats.org/drawingml/2006/main" xmlns:r="http://schemas.openxmlformats.org/officeDocument/2006/relationships" xmlns:p="http://schemas.openxmlformats.org/presentationml/2006/main">
-  <p:cSld>
-    <p:spTree>
-      <p:nvGrpSpPr>
-        <p:cNvPr id="1" name=""/>
-        <p:cNvGrpSpPr/>
-        <p:nvPr/>
-      </p:nvGrpSpPr>
-      <p:grpSpPr/>
-      <p:sp>
-        <p:nvSpPr>
-          <p:cNvPr id="2" name="Slide Number Placeholder 1"/>
-          <p:cNvSpPr>
-            <a:spLocks noGrp="1"/>
-          </p:cNvSpPr>
-          <p:nvPr>
-            <p:ph type="sldNum" sz="quarter" idx="12"/>
-          </p:nvPr>
-        </p:nvSpPr>
-        <p:spPr/>
-        <p:txBody>
-          <a:bodyPr/>
-          <a:p>
-            <a:r>
-              <a:rPr lang="en-US" altLang="zh-CN" smtClean="0"/>
-              <a:t> </a:t>
-            </a:r>
-            <a:fld id="{565CE74E-AB26-4998-AD42-012C4C1AD076}" type="slidenum">
-              <a:rPr lang="zh-CN" altLang="en-US" smtClean="0"/>
-            </a:fld>
-            <a:endParaRPr lang="en-US" altLang="zh-CN" smtClean="0"/>
-          </a:p>
-        </p:txBody>
-      </p:sp>
-      <p:sp>
-        <p:nvSpPr>
-          <p:cNvPr id="3" name="Text Box 2"/>
-          <p:cNvSpPr txBox="1"/>
-          <p:nvPr/>
-        </p:nvSpPr>
-        <p:spPr>
-          <a:xfrm>
-            <a:off x="332740" y="135255"/>
-            <a:ext cx="8442325" cy="645160"/>
-          </a:xfrm>
-          <a:prstGeom prst="rect">
-            <a:avLst/>
-          </a:prstGeom>
-          <a:noFill/>
-        </p:spPr>
-        <p:txBody>
-          <a:bodyPr wrap="square" rtlCol="0">
-            <a:spAutoFit/>
-          </a:bodyPr>
-          <a:p>
-            <a:r>
-              <a:rPr lang="en-US" altLang="en-US" sz="3600"/>
-              <a:t>Datasets and pre-selection:</a:t>
-            </a:r>
-            <a:endParaRPr lang="en-US" altLang="en-US" sz="3600"/>
-          </a:p>
-        </p:txBody>
-      </p:sp>
-      <p:sp>
-        <p:nvSpPr>
-          <p:cNvPr id="4" name="Text Box 3"/>
-          <p:cNvSpPr txBox="1"/>
-          <p:nvPr/>
-        </p:nvSpPr>
-        <p:spPr>
-          <a:xfrm>
-            <a:off x="516890" y="3701415"/>
-            <a:ext cx="10788650" cy="2722880"/>
-          </a:xfrm>
-          <a:prstGeom prst="rect">
-            <a:avLst/>
-          </a:prstGeom>
-          <a:noFill/>
-        </p:spPr>
-        <p:txBody>
-          <a:bodyPr wrap="square" rtlCol="0">
-            <a:spAutoFit/>
-          </a:bodyPr>
-          <a:p>
-            <a:pPr marL="457200" indent="-457200" fontAlgn="auto">
-              <a:spcBef>
-                <a:spcPts val="3000"/>
-              </a:spcBef>
-              <a:buFont typeface="Arial" panose="02080604020202020204" pitchFamily="34" charset="0"/>
-              <a:buAutoNum type="arabicPeriod"/>
-            </a:pPr>
-            <a:r>
-              <a:rPr lang="en-US" sz="2400"/>
-              <a:t>A best primary vertex was found</a:t>
-            </a:r>
-            <a:endParaRPr lang="en-US" sz="2400"/>
-          </a:p>
-          <a:p>
-            <a:pPr marL="457200" indent="-457200" fontAlgn="auto">
-              <a:spcBef>
-                <a:spcPts val="3000"/>
-              </a:spcBef>
-              <a:buFont typeface="Arial" panose="02080604020202020204" pitchFamily="34" charset="0"/>
-              <a:buAutoNum type="arabicPeriod"/>
-            </a:pPr>
-            <a:r>
-              <a:rPr lang="en-US" sz="2400"/>
-              <a:t>Primary vertex Z-position Z_pv: -200 cm &lt; Z_pv &lt; 160 cm</a:t>
-            </a:r>
-            <a:endParaRPr lang="en-US" sz="2400"/>
-          </a:p>
-          <a:p>
-            <a:pPr marL="457200" indent="-457200" fontAlgn="auto">
-              <a:spcBef>
-                <a:spcPts val="3000"/>
-              </a:spcBef>
-              <a:buFont typeface="Arial" panose="02080604020202020204" pitchFamily="34" charset="0"/>
-              <a:buAutoNum type="arabicPeriod"/>
-            </a:pPr>
-            <a:r>
-              <a:rPr lang="en-US" sz="2400"/>
-              <a:t>Exactly three charged tracks, leaving the primary vertex</a:t>
-            </a:r>
-            <a:endParaRPr lang="en-US" sz="2400"/>
-          </a:p>
-          <a:p>
-            <a:pPr marL="457200" indent="-457200" fontAlgn="auto">
-              <a:spcBef>
-                <a:spcPts val="3000"/>
-              </a:spcBef>
-              <a:buFont typeface="Arial" panose="02080604020202020204" pitchFamily="34" charset="0"/>
-              <a:buAutoNum type="arabicPeriod"/>
-            </a:pPr>
-            <a:r>
-              <a:rPr lang="en-US" sz="2400"/>
-              <a:t>Charge sum of all three tracks = -1</a:t>
-            </a:r>
-            <a:endParaRPr lang="en-US" sz="2400"/>
-          </a:p>
-        </p:txBody>
-      </p:sp>
-      <p:sp>
-        <p:nvSpPr>
-          <p:cNvPr id="5" name="Pentagon 4"/>
-          <p:cNvSpPr/>
-          <p:nvPr/>
-        </p:nvSpPr>
-        <p:spPr>
-          <a:xfrm>
-            <a:off x="332740" y="966470"/>
-            <a:ext cx="3288030" cy="344170"/>
-          </a:xfrm>
-          <a:prstGeom prst="homePlate">
-            <a:avLst/>
-          </a:prstGeom>
-        </p:spPr>
-        <p:style>
-          <a:lnRef idx="2">
-            <a:schemeClr val="dk1">
-              <a:shade val="50000"/>
-            </a:schemeClr>
-          </a:lnRef>
-          <a:fillRef idx="1">
-            <a:schemeClr val="dk1"/>
-          </a:fillRef>
-          <a:effectRef idx="0">
-            <a:schemeClr val="dk1"/>
-          </a:effectRef>
-          <a:fontRef idx="minor">
-            <a:schemeClr val="lt1"/>
-          </a:fontRef>
-        </p:style>
-        <p:txBody>
-          <a:bodyPr rtlCol="0" anchor="ctr"/>
-          <a:p>
-            <a:pPr algn="ctr"/>
-            <a:r>
-              <a:rPr lang="en-US" altLang="en-US"/>
-              <a:t>Datasets info:</a:t>
-            </a:r>
-            <a:endParaRPr lang="en-US" altLang="en-US"/>
-          </a:p>
-        </p:txBody>
-      </p:sp>
-      <p:sp>
-        <p:nvSpPr>
-          <p:cNvPr id="6" name="Pentagon 5"/>
-          <p:cNvSpPr/>
-          <p:nvPr/>
-        </p:nvSpPr>
-        <p:spPr>
-          <a:xfrm>
-            <a:off x="332740" y="3080385"/>
-            <a:ext cx="3288030" cy="344170"/>
-          </a:xfrm>
-          <a:prstGeom prst="homePlate">
-            <a:avLst/>
-          </a:prstGeom>
-        </p:spPr>
-        <p:style>
-          <a:lnRef idx="2">
-            <a:schemeClr val="dk1">
-              <a:shade val="50000"/>
-            </a:schemeClr>
-          </a:lnRef>
-          <a:fillRef idx="1">
-            <a:schemeClr val="dk1"/>
-          </a:fillRef>
-          <a:effectRef idx="0">
-            <a:schemeClr val="dk1"/>
-          </a:effectRef>
-          <a:fontRef idx="minor">
-            <a:schemeClr val="lt1"/>
-          </a:fontRef>
-        </p:style>
-        <p:txBody>
-          <a:bodyPr rtlCol="0" anchor="ctr"/>
-          <a:p>
-            <a:pPr algn="ctr"/>
-            <a:r>
-              <a:rPr lang="en-US" altLang="en-US"/>
-              <a:t>Conditions of filtering</a:t>
-            </a:r>
-            <a:endParaRPr lang="en-US" altLang="en-US"/>
           </a:p>
         </p:txBody>
       </p:sp>
       <p:graphicFrame>
         <p:nvGraphicFramePr>
-          <p:cNvPr id="9" name="Table 8"/>
+          <p:cNvPr id="6" name="Table 5"/>
           <p:cNvGraphicFramePr/>
           <p:nvPr/>
         </p:nvGraphicFramePr>
         <p:xfrm>
-          <a:off x="516890" y="1506855"/>
-          <a:ext cx="7009130" cy="1468120"/>
+          <a:off x="555625" y="1227455"/>
+          <a:ext cx="10820400" cy="5069205"/>
         </p:xfrm>
         <a:graphic>
           <a:graphicData uri="http://schemas.openxmlformats.org/drawingml/2006/table">
             <a:tbl>
-              <a:tblPr firstRow="1" bandRow="1">
-                <a:tableStyleId>{5C22544A-7EE6-4342-B048-85BDC9FD1C3A}</a:tableStyleId>
+              <a:tblPr lastRow="1">
+                <a:tableStyleId>{E8034E78-7F5D-4C2E-B375-FC64B27BC917}</a:tableStyleId>
               </a:tblPr>
               <a:tblGrid>
-                <a:gridCol w="2214245"/>
-                <a:gridCol w="4794885"/>
+                <a:gridCol w="3606800"/>
+                <a:gridCol w="2657475"/>
+                <a:gridCol w="4556125"/>
               </a:tblGrid>
-              <a:tr h="457200">
+              <a:tr h="492125">
                 <a:tc>
                   <a:txBody>
                     <a:bodyPr/>
                     <a:p>
-                      <a:pPr algn="r">
+                      <a:pPr>
                         <a:buNone/>
                       </a:pPr>
                       <a:r>
-                        <a:rPr lang="en-US" altLang="en-US" sz="2400" b="0">
+                        <a:rPr lang="" altLang="en-US">
                           <a:solidFill>
                             <a:schemeClr val="tx1"/>
                           </a:solidFill>
                         </a:rPr>
-                        <a:t>Year</a:t>
+                        <a:t>Run number</a:t>
                       </a:r>
-                      <a:endParaRPr lang="en-US" altLang="en-US" sz="2400" b="0">
+                      <a:endParaRPr lang="" altLang="en-US">
                         <a:solidFill>
                           <a:schemeClr val="tx1"/>
                         </a:solidFill>
                       </a:endParaRPr>
                     </a:p>
                   </a:txBody>
-                  <a:tcPr anchor="ctr" anchorCtr="0">
-                    <a:lnL>
-                      <a:noFill/>
+                  <a:tcPr>
+                    <a:lnL w="12700">
+                      <a:solidFill>
+                        <a:schemeClr val="tx1"/>
+                      </a:solidFill>
+                      <a:prstDash val="solid"/>
                     </a:lnL>
                     <a:lnR w="12700">
                       <a:solidFill>
@@ -7974,21 +9473,170 @@
                       </a:solidFill>
                       <a:prstDash val="solid"/>
                     </a:lnR>
-                    <a:lnT>
-                      <a:noFill/>
+                    <a:lnT w="12700">
+                      <a:solidFill>
+                        <a:schemeClr val="tx1"/>
+                      </a:solidFill>
+                      <a:prstDash val="solid"/>
                     </a:lnT>
-                    <a:lnB w="12700">
+                    <a:lnB w="57150">
                       <a:solidFill>
                         <a:schemeClr val="tx1"/>
                       </a:solidFill>
                       <a:prstDash val="solid"/>
                     </a:lnB>
-                    <a:lnTlToBr>
-                      <a:noFill/>
-                    </a:lnTlToBr>
-                    <a:lnBlToTr>
-                      <a:noFill/>
-                    </a:lnBlToTr>
+                    <a:noFill/>
+                  </a:tcPr>
+                </a:tc>
+                <a:tc>
+                  <a:txBody>
+                    <a:bodyPr/>
+                    <a:p>
+                      <a:pPr>
+                        <a:buNone/>
+                      </a:pPr>
+                      <a:r>
+                        <a:rPr lang="" altLang="en-US">
+                          <a:solidFill>
+                            <a:schemeClr val="tx1"/>
+                          </a:solidFill>
+                        </a:rPr>
+                        <a:t>Probable Cause</a:t>
+                      </a:r>
+                      <a:endParaRPr lang="" altLang="en-US">
+                        <a:solidFill>
+                          <a:schemeClr val="tx1"/>
+                        </a:solidFill>
+                      </a:endParaRPr>
+                    </a:p>
+                  </a:txBody>
+                  <a:tcPr>
+                    <a:lnL w="12700">
+                      <a:solidFill>
+                        <a:schemeClr val="tx1"/>
+                      </a:solidFill>
+                      <a:prstDash val="solid"/>
+                    </a:lnL>
+                    <a:lnR w="12700">
+                      <a:solidFill>
+                        <a:schemeClr val="tx1"/>
+                      </a:solidFill>
+                      <a:prstDash val="solid"/>
+                    </a:lnR>
+                    <a:lnT w="12700">
+                      <a:solidFill>
+                        <a:schemeClr val="tx1"/>
+                      </a:solidFill>
+                      <a:prstDash val="solid"/>
+                    </a:lnT>
+                    <a:lnB w="57150">
+                      <a:solidFill>
+                        <a:schemeClr val="tx1"/>
+                      </a:solidFill>
+                      <a:prstDash val="solid"/>
+                    </a:lnB>
+                    <a:noFill/>
+                  </a:tcPr>
+                </a:tc>
+                <a:tc>
+                  <a:txBody>
+                    <a:bodyPr/>
+                    <a:p>
+                      <a:pPr>
+                        <a:buNone/>
+                      </a:pPr>
+                      <a:r>
+                        <a:rPr lang="" altLang="en-US">
+                          <a:solidFill>
+                            <a:schemeClr val="tx1"/>
+                          </a:solidFill>
+                        </a:rPr>
+                        <a:t>Log book/Comments</a:t>
+                      </a:r>
+                      <a:endParaRPr lang="" altLang="en-US">
+                        <a:solidFill>
+                          <a:schemeClr val="tx1"/>
+                        </a:solidFill>
+                      </a:endParaRPr>
+                    </a:p>
+                  </a:txBody>
+                  <a:tcPr>
+                    <a:lnL w="12700">
+                      <a:solidFill>
+                        <a:schemeClr val="tx1"/>
+                      </a:solidFill>
+                      <a:prstDash val="solid"/>
+                    </a:lnL>
+                    <a:lnR w="12700">
+                      <a:solidFill>
+                        <a:schemeClr val="tx1"/>
+                      </a:solidFill>
+                      <a:prstDash val="solid"/>
+                    </a:lnR>
+                    <a:lnT w="12700">
+                      <a:solidFill>
+                        <a:schemeClr val="tx1"/>
+                      </a:solidFill>
+                      <a:prstDash val="solid"/>
+                    </a:lnT>
+                    <a:lnB w="57150">
+                      <a:solidFill>
+                        <a:schemeClr val="tx1"/>
+                      </a:solidFill>
+                      <a:prstDash val="solid"/>
+                    </a:lnB>
+                    <a:noFill/>
+                  </a:tcPr>
+                </a:tc>
+              </a:tr>
+              <a:tr h="492125">
+                <a:tc>
+                  <a:txBody>
+                    <a:bodyPr/>
+                    <a:p>
+                      <a:pPr>
+                        <a:buNone/>
+                      </a:pPr>
+                      <a:r>
+                        <a:rPr lang="" altLang="en-US">
+                          <a:solidFill>
+                            <a:schemeClr val="tx1"/>
+                          </a:solidFill>
+                        </a:rPr>
+                        <a:t>70195</a:t>
+                      </a:r>
+                      <a:endParaRPr lang="" altLang="en-US">
+                        <a:solidFill>
+                          <a:schemeClr val="tx1"/>
+                        </a:solidFill>
+                      </a:endParaRPr>
+                    </a:p>
+                  </a:txBody>
+                  <a:tcPr>
+                    <a:lnL w="12700">
+                      <a:solidFill>
+                        <a:schemeClr val="tx1"/>
+                      </a:solidFill>
+                      <a:prstDash val="solid"/>
+                    </a:lnL>
+                    <a:lnR w="12700">
+                      <a:solidFill>
+                        <a:schemeClr val="tx1"/>
+                      </a:solidFill>
+                      <a:prstDash val="solid"/>
+                    </a:lnR>
+                    <a:lnT w="57150">
+                      <a:solidFill>
+                        <a:schemeClr val="tx1"/>
+                      </a:solidFill>
+                      <a:prstDash val="solid"/>
+                    </a:lnT>
+                    <a:lnB w="57150">
+                      <a:solidFill>
+                        <a:schemeClr val="tx1"/>
+                      </a:solidFill>
+                      <a:prstDash val="solid"/>
+                    </a:lnB>
                     <a:noFill/>
                   </a:tcPr>
                 </a:tc>
@@ -8000,14 +9648,14 @@
                         <a:buNone/>
                       </a:pPr>
                       <a:r>
-                        <a:rPr lang="en-US" altLang="en-US" sz="2400" b="0">
+                        <a:rPr lang="" altLang="en-US">
                           <a:solidFill>
                             <a:schemeClr val="tx1"/>
                           </a:solidFill>
                         </a:rPr>
-                        <a:t>2008</a:t>
+                        <a:t>Disorder of Spill time</a:t>
                       </a:r>
-                      <a:endParaRPr lang="en-US" altLang="en-US" sz="2400" b="0">
+                      <a:endParaRPr lang="" altLang="en-US">
                         <a:solidFill>
                           <a:schemeClr val="tx1"/>
                         </a:solidFill>
@@ -8021,76 +9669,24 @@
                       </a:solidFill>
                       <a:prstDash val="solid"/>
                     </a:lnL>
-                    <a:lnR>
-                      <a:noFill/>
+                    <a:lnR w="12700">
+                      <a:solidFill>
+                        <a:schemeClr val="tx1"/>
+                      </a:solidFill>
+                      <a:prstDash val="solid"/>
                     </a:lnR>
-                    <a:lnT>
-                      <a:noFill/>
+                    <a:lnT w="57150">
+                      <a:solidFill>
+                        <a:schemeClr val="tx1"/>
+                      </a:solidFill>
+                      <a:prstDash val="solid"/>
                     </a:lnT>
-                    <a:lnB w="12700">
+                    <a:lnB w="57150">
                       <a:solidFill>
                         <a:schemeClr val="tx1"/>
                       </a:solidFill>
                       <a:prstDash val="solid"/>
                     </a:lnB>
-                    <a:lnTlToBr>
-                      <a:noFill/>
-                    </a:lnTlToBr>
-                    <a:lnBlToTr>
-                      <a:noFill/>
-                    </a:lnBlToTr>
-                    <a:noFill/>
-                  </a:tcPr>
-                </a:tc>
-              </a:tr>
-              <a:tr h="457200">
-                <a:tc>
-                  <a:txBody>
-                    <a:bodyPr/>
-                    <a:p>
-                      <a:pPr algn="r">
-                        <a:buNone/>
-                      </a:pPr>
-                      <a:r>
-                        <a:rPr lang="en-US" altLang="en-US" sz="2400" b="0">
-                          <a:solidFill>
-                            <a:schemeClr val="tx1"/>
-                          </a:solidFill>
-                        </a:rPr>
-                        <a:t>Week</a:t>
-                      </a:r>
-                      <a:endParaRPr lang="en-US" altLang="en-US" sz="2400" b="0">
-                        <a:solidFill>
-                          <a:schemeClr val="tx1"/>
-                        </a:solidFill>
-                      </a:endParaRPr>
-                    </a:p>
-                  </a:txBody>
-                  <a:tcPr anchor="ctr" anchorCtr="0">
-                    <a:lnL>
-                      <a:noFill/>
-                    </a:lnL>
-                    <a:lnR w="12700">
-                      <a:solidFill>
-                        <a:schemeClr val="tx1"/>
-                      </a:solidFill>
-                      <a:prstDash val="solid"/>
-                    </a:lnR>
-                    <a:lnT>
-                      <a:noFill/>
-                    </a:lnT>
-                    <a:lnB w="12700">
-                      <a:solidFill>
-                        <a:schemeClr val="tx1"/>
-                      </a:solidFill>
-                      <a:prstDash val="solid"/>
-                    </a:lnB>
-                    <a:lnTlToBr>
-                      <a:noFill/>
-                    </a:lnTlToBr>
-                    <a:lnBlToTr>
-                      <a:noFill/>
-                    </a:lnBlToTr>
                     <a:noFill/>
                   </a:tcPr>
                 </a:tc>
@@ -8098,18 +9694,120 @@
                   <a:txBody>
                     <a:bodyPr/>
                     <a:p>
+                      <a:pPr>
+                        <a:buNone/>
+                      </a:pPr>
+                      <a:r>
+                        <a:rPr lang="" altLang="en-US">
+                          <a:solidFill>
+                            <a:schemeClr val="tx1"/>
+                          </a:solidFill>
+                        </a:rPr>
+                        <a:t>good</a:t>
+                      </a:r>
+                      <a:endParaRPr lang="" altLang="en-US">
+                        <a:solidFill>
+                          <a:schemeClr val="tx1"/>
+                        </a:solidFill>
+                      </a:endParaRPr>
+                    </a:p>
+                  </a:txBody>
+                  <a:tcPr>
+                    <a:lnL w="12700">
+                      <a:solidFill>
+                        <a:schemeClr val="tx1"/>
+                      </a:solidFill>
+                      <a:prstDash val="solid"/>
+                    </a:lnL>
+                    <a:lnR w="12700">
+                      <a:solidFill>
+                        <a:schemeClr val="tx1"/>
+                      </a:solidFill>
+                      <a:prstDash val="solid"/>
+                    </a:lnR>
+                    <a:lnT w="57150">
+                      <a:solidFill>
+                        <a:schemeClr val="tx1"/>
+                      </a:solidFill>
+                      <a:prstDash val="solid"/>
+                    </a:lnT>
+                    <a:lnB w="57150">
+                      <a:solidFill>
+                        <a:schemeClr val="tx1"/>
+                      </a:solidFill>
+                      <a:prstDash val="solid"/>
+                    </a:lnB>
+                    <a:noFill/>
+                  </a:tcPr>
+                </a:tc>
+              </a:tr>
+              <a:tr h="492125">
+                <a:tc>
+                  <a:txBody>
+                    <a:bodyPr/>
+                    <a:p>
+                      <a:pPr>
+                        <a:buNone/>
+                      </a:pPr>
+                      <a:r>
+                        <a:rPr lang="" altLang="en-US">
+                          <a:solidFill>
+                            <a:schemeClr val="tx1"/>
+                          </a:solidFill>
+                        </a:rPr>
+                        <a:t>69612</a:t>
+                      </a:r>
+                      <a:endParaRPr lang="" altLang="en-US">
+                        <a:solidFill>
+                          <a:schemeClr val="tx1"/>
+                        </a:solidFill>
+                      </a:endParaRPr>
+                    </a:p>
+                  </a:txBody>
+                  <a:tcPr>
+                    <a:lnL w="12700">
+                      <a:solidFill>
+                        <a:schemeClr val="tx1"/>
+                      </a:solidFill>
+                      <a:prstDash val="solid"/>
+                    </a:lnL>
+                    <a:lnR w="12700">
+                      <a:solidFill>
+                        <a:schemeClr val="tx1"/>
+                      </a:solidFill>
+                      <a:prstDash val="solid"/>
+                    </a:lnR>
+                    <a:lnT w="57150">
+                      <a:solidFill>
+                        <a:schemeClr val="tx1"/>
+                      </a:solidFill>
+                      <a:prstDash val="solid"/>
+                    </a:lnT>
+                    <a:lnB w="12700">
+                      <a:solidFill>
+                        <a:schemeClr val="tx1"/>
+                      </a:solidFill>
+                      <a:prstDash val="solid"/>
+                    </a:lnB>
+                    <a:noFill/>
+                  </a:tcPr>
+                </a:tc>
+                <a:tc rowSpan="4">
+                  <a:txBody>
+                    <a:bodyPr/>
+                    <a:p>
                       <a:pPr algn="ctr">
                         <a:buNone/>
                       </a:pPr>
                       <a:r>
-                        <a:rPr lang="en-US" altLang="en-US" sz="2400" b="0">
+                        <a:rPr lang="" altLang="en-US">
                           <a:solidFill>
                             <a:schemeClr val="tx1"/>
                           </a:solidFill>
                         </a:rPr>
-                        <a:t>Week 33, 35, 37</a:t>
+                        <a:t>recoiled proton</a:t>
                       </a:r>
-                      <a:endParaRPr lang="en-US" altLang="en-US" sz="2400" b="0">
+                      <a:endParaRPr lang="" altLang="en-US">
                         <a:solidFill>
                           <a:schemeClr val="tx1"/>
                         </a:solidFill>
@@ -8123,68 +9821,24 @@
                       </a:solidFill>
                       <a:prstDash val="solid"/>
                     </a:lnL>
-                    <a:lnR>
-                      <a:noFill/>
+                    <a:lnR w="12700">
+                      <a:solidFill>
+                        <a:schemeClr val="tx1"/>
+                      </a:solidFill>
+                      <a:prstDash val="solid"/>
                     </a:lnR>
-                    <a:lnT>
-                      <a:noFill/>
+                    <a:lnT w="57150">
+                      <a:solidFill>
+                        <a:schemeClr val="tx1"/>
+                      </a:solidFill>
+                      <a:prstDash val="solid"/>
                     </a:lnT>
-                    <a:lnB w="12700">
+                    <a:lnB w="57150">
                       <a:solidFill>
                         <a:schemeClr val="tx1"/>
                       </a:solidFill>
                       <a:prstDash val="solid"/>
                     </a:lnB>
-                    <a:lnTlToBr>
-                      <a:noFill/>
-                    </a:lnTlToBr>
-                    <a:lnBlToTr>
-                      <a:noFill/>
-                    </a:lnBlToTr>
-                    <a:noFill/>
-                  </a:tcPr>
-                </a:tc>
-              </a:tr>
-              <a:tr h="553720">
-                <a:tc>
-                  <a:txBody>
-                    <a:bodyPr/>
-                    <a:p>
-                      <a:pPr algn="r">
-                        <a:buNone/>
-                      </a:pPr>
-                      <a:r>
-                        <a:rPr lang="en-US" altLang="en-US" sz="2400"/>
-                        <a:t>Run number</a:t>
-                      </a:r>
-                      <a:endParaRPr lang="en-US" altLang="en-US" sz="2400"/>
-                    </a:p>
-                  </a:txBody>
-                  <a:tcPr anchor="ctr" anchorCtr="0">
-                    <a:lnL>
-                      <a:noFill/>
-                    </a:lnL>
-                    <a:lnR w="12700">
-                      <a:solidFill>
-                        <a:schemeClr val="tx1"/>
-                      </a:solidFill>
-                      <a:prstDash val="solid"/>
-                    </a:lnR>
-                    <a:lnT w="12700">
-                      <a:solidFill>
-                        <a:schemeClr val="tx1"/>
-                      </a:solidFill>
-                      <a:prstDash val="solid"/>
-                    </a:lnT>
-                    <a:lnB>
-                      <a:noFill/>
-                    </a:lnB>
-                    <a:lnTlToBr>
-                      <a:noFill/>
-                    </a:lnTlToBr>
-                    <a:lnBlToTr>
-                      <a:noFill/>
-                    </a:lnBlToTr>
                     <a:noFill/>
                   </a:tcPr>
                 </a:tc>
@@ -8192,18 +9846,513 @@
                   <a:txBody>
                     <a:bodyPr/>
                     <a:p>
+                      <a:pPr>
+                        <a:buNone/>
+                      </a:pPr>
+                      <a:r>
+                        <a:rPr lang="" altLang="en-US">
+                          <a:solidFill>
+                            <a:schemeClr val="tx1"/>
+                          </a:solidFill>
+                        </a:rPr>
+                        <a:t>N/A</a:t>
+                      </a:r>
+                      <a:endParaRPr lang="" altLang="en-US">
+                        <a:solidFill>
+                          <a:schemeClr val="tx1"/>
+                        </a:solidFill>
+                      </a:endParaRPr>
+                    </a:p>
+                  </a:txBody>
+                  <a:tcPr>
+                    <a:lnL w="12700">
+                      <a:solidFill>
+                        <a:schemeClr val="tx1"/>
+                      </a:solidFill>
+                      <a:prstDash val="solid"/>
+                    </a:lnL>
+                    <a:lnR w="12700">
+                      <a:solidFill>
+                        <a:schemeClr val="tx1"/>
+                      </a:solidFill>
+                      <a:prstDash val="solid"/>
+                    </a:lnR>
+                    <a:lnT w="57150">
+                      <a:solidFill>
+                        <a:schemeClr val="tx1"/>
+                      </a:solidFill>
+                      <a:prstDash val="solid"/>
+                    </a:lnT>
+                    <a:lnB w="12700">
+                      <a:solidFill>
+                        <a:schemeClr val="tx1"/>
+                      </a:solidFill>
+                      <a:prstDash val="solid"/>
+                    </a:lnB>
+                    <a:noFill/>
+                  </a:tcPr>
+                </a:tc>
+              </a:tr>
+              <a:tr h="492125">
+                <a:tc>
+                  <a:txBody>
+                    <a:bodyPr/>
+                    <a:p>
+                      <a:pPr>
+                        <a:buNone/>
+                      </a:pPr>
+                      <a:r>
+                        <a:rPr lang="" altLang="en-US">
+                          <a:solidFill>
+                            <a:schemeClr val="tx1"/>
+                          </a:solidFill>
+                        </a:rPr>
+                        <a:t>69816</a:t>
+                      </a:r>
+                      <a:endParaRPr lang="" altLang="en-US">
+                        <a:solidFill>
+                          <a:schemeClr val="tx1"/>
+                        </a:solidFill>
+                      </a:endParaRPr>
+                    </a:p>
+                  </a:txBody>
+                  <a:tcPr>
+                    <a:lnL w="12700">
+                      <a:solidFill>
+                        <a:schemeClr val="tx1"/>
+                      </a:solidFill>
+                      <a:prstDash val="solid"/>
+                    </a:lnL>
+                    <a:lnR w="12700">
+                      <a:solidFill>
+                        <a:schemeClr val="tx1"/>
+                      </a:solidFill>
+                      <a:prstDash val="solid"/>
+                    </a:lnR>
+                    <a:lnT w="12700">
+                      <a:solidFill>
+                        <a:schemeClr val="tx1"/>
+                      </a:solidFill>
+                      <a:prstDash val="solid"/>
+                    </a:lnT>
+                    <a:lnB w="12700">
+                      <a:solidFill>
+                        <a:schemeClr val="tx1"/>
+                      </a:solidFill>
+                      <a:prstDash val="solid"/>
+                    </a:lnB>
+                    <a:noFill/>
+                  </a:tcPr>
+                </a:tc>
+                <a:tc vMerge="1">
+                  <a:tcPr>
+                    <a:lnL w="12700">
+                      <a:solidFill>
+                        <a:schemeClr val="tx1"/>
+                      </a:solidFill>
+                      <a:prstDash val="solid"/>
+                    </a:lnL>
+                    <a:lnR w="12700">
+                      <a:solidFill>
+                        <a:schemeClr val="tx1"/>
+                      </a:solidFill>
+                      <a:prstDash val="solid"/>
+                    </a:lnR>
+                    <a:lnT w="12700">
+                      <a:solidFill>
+                        <a:schemeClr val="tx1"/>
+                      </a:solidFill>
+                      <a:prstDash val="solid"/>
+                    </a:lnT>
+                    <a:lnB w="12700">
+                      <a:solidFill>
+                        <a:schemeClr val="tx1"/>
+                      </a:solidFill>
+                      <a:prstDash val="solid"/>
+                    </a:lnB>
+                    <a:noFill/>
+                  </a:tcPr>
+                </a:tc>
+                <a:tc>
+                  <a:txBody>
+                    <a:bodyPr/>
+                    <a:p>
+                      <a:pPr>
+                        <a:buNone/>
+                      </a:pPr>
+                      <a:r>
+                        <a:rPr lang="en-US">
+                          <a:solidFill>
+                            <a:schemeClr val="tx1"/>
+                          </a:solidFill>
+                        </a:rPr>
+                        <a:t>no sandwich veto </a:t>
+                      </a:r>
+                      <a:endParaRPr lang="en-US">
+                        <a:solidFill>
+                          <a:schemeClr val="tx1"/>
+                        </a:solidFill>
+                      </a:endParaRPr>
+                    </a:p>
+                  </a:txBody>
+                  <a:tcPr>
+                    <a:lnL w="12700">
+                      <a:solidFill>
+                        <a:schemeClr val="tx1"/>
+                      </a:solidFill>
+                      <a:prstDash val="solid"/>
+                    </a:lnL>
+                    <a:lnR w="12700">
+                      <a:solidFill>
+                        <a:schemeClr val="tx1"/>
+                      </a:solidFill>
+                      <a:prstDash val="solid"/>
+                    </a:lnR>
+                    <a:lnT w="12700">
+                      <a:solidFill>
+                        <a:schemeClr val="tx1"/>
+                      </a:solidFill>
+                      <a:prstDash val="solid"/>
+                    </a:lnT>
+                    <a:lnB w="12700">
+                      <a:solidFill>
+                        <a:schemeClr val="tx1"/>
+                      </a:solidFill>
+                      <a:prstDash val="solid"/>
+                    </a:lnB>
+                    <a:noFill/>
+                  </a:tcPr>
+                </a:tc>
+              </a:tr>
+              <a:tr h="492125">
+                <a:tc>
+                  <a:txBody>
+                    <a:bodyPr/>
+                    <a:p>
+                      <a:pPr>
+                        <a:buNone/>
+                      </a:pPr>
+                      <a:r>
+                        <a:rPr lang="" altLang="en-US">
+                          <a:solidFill>
+                            <a:schemeClr val="tx1"/>
+                          </a:solidFill>
+                        </a:rPr>
+                        <a:t>70650</a:t>
+                      </a:r>
+                      <a:endParaRPr lang="" altLang="en-US">
+                        <a:solidFill>
+                          <a:schemeClr val="tx1"/>
+                        </a:solidFill>
+                      </a:endParaRPr>
+                    </a:p>
+                  </a:txBody>
+                  <a:tcPr>
+                    <a:lnL w="12700">
+                      <a:solidFill>
+                        <a:schemeClr val="tx1"/>
+                      </a:solidFill>
+                      <a:prstDash val="solid"/>
+                    </a:lnL>
+                    <a:lnR w="12700">
+                      <a:solidFill>
+                        <a:schemeClr val="tx1"/>
+                      </a:solidFill>
+                      <a:prstDash val="solid"/>
+                    </a:lnR>
+                    <a:lnT w="12700">
+                      <a:solidFill>
+                        <a:schemeClr val="tx1"/>
+                      </a:solidFill>
+                      <a:prstDash val="solid"/>
+                    </a:lnT>
+                    <a:lnB w="12700">
+                      <a:solidFill>
+                        <a:schemeClr val="tx1"/>
+                      </a:solidFill>
+                      <a:prstDash val="solid"/>
+                    </a:lnB>
+                    <a:noFill/>
+                  </a:tcPr>
+                </a:tc>
+                <a:tc vMerge="1">
+                  <a:tcPr>
+                    <a:lnL w="12700">
+                      <a:solidFill>
+                        <a:schemeClr val="tx1"/>
+                      </a:solidFill>
+                      <a:prstDash val="solid"/>
+                    </a:lnL>
+                    <a:lnR w="12700">
+                      <a:solidFill>
+                        <a:schemeClr val="tx1"/>
+                      </a:solidFill>
+                      <a:prstDash val="solid"/>
+                    </a:lnR>
+                    <a:lnT w="12700">
+                      <a:solidFill>
+                        <a:schemeClr val="tx1"/>
+                      </a:solidFill>
+                      <a:prstDash val="solid"/>
+                    </a:lnT>
+                    <a:lnB w="12700">
+                      <a:solidFill>
+                        <a:schemeClr val="tx1"/>
+                      </a:solidFill>
+                      <a:prstDash val="solid"/>
+                    </a:lnB>
+                    <a:noFill/>
+                  </a:tcPr>
+                </a:tc>
+                <a:tc>
+                  <a:txBody>
+                    <a:bodyPr/>
+                    <a:p>
+                      <a:pPr>
+                        <a:buNone/>
+                      </a:pPr>
+                      <a:r>
+                        <a:rPr lang="en-US">
+                          <a:solidFill>
+                            <a:schemeClr val="tx1"/>
+                          </a:solidFill>
+                        </a:rPr>
+                        <a:t>triggers without sandwich veto, stopped due to MW1 errors </a:t>
+                      </a:r>
+                      <a:endParaRPr lang="en-US">
+                        <a:solidFill>
+                          <a:schemeClr val="tx1"/>
+                        </a:solidFill>
+                      </a:endParaRPr>
+                    </a:p>
+                  </a:txBody>
+                  <a:tcPr>
+                    <a:lnL w="12700">
+                      <a:solidFill>
+                        <a:schemeClr val="tx1"/>
+                      </a:solidFill>
+                      <a:prstDash val="solid"/>
+                    </a:lnL>
+                    <a:lnR w="12700">
+                      <a:solidFill>
+                        <a:schemeClr val="tx1"/>
+                      </a:solidFill>
+                      <a:prstDash val="solid"/>
+                    </a:lnR>
+                    <a:lnT w="12700">
+                      <a:solidFill>
+                        <a:schemeClr val="tx1"/>
+                      </a:solidFill>
+                      <a:prstDash val="solid"/>
+                    </a:lnT>
+                    <a:lnB w="12700">
+                      <a:solidFill>
+                        <a:schemeClr val="tx1"/>
+                      </a:solidFill>
+                      <a:prstDash val="solid"/>
+                    </a:lnB>
+                    <a:noFill/>
+                  </a:tcPr>
+                </a:tc>
+              </a:tr>
+              <a:tr h="492125">
+                <a:tc>
+                  <a:txBody>
+                    <a:bodyPr/>
+                    <a:p>
+                      <a:pPr>
+                        <a:buNone/>
+                      </a:pPr>
+                      <a:r>
+                        <a:rPr lang="" altLang="en-US">
+                          <a:solidFill>
+                            <a:schemeClr val="tx1"/>
+                          </a:solidFill>
+                        </a:rPr>
+                        <a:t>70654</a:t>
+                      </a:r>
+                      <a:endParaRPr lang="" altLang="en-US">
+                        <a:solidFill>
+                          <a:schemeClr val="tx1"/>
+                        </a:solidFill>
+                      </a:endParaRPr>
+                    </a:p>
+                  </a:txBody>
+                  <a:tcPr>
+                    <a:lnL w="12700">
+                      <a:solidFill>
+                        <a:schemeClr val="tx1"/>
+                      </a:solidFill>
+                      <a:prstDash val="solid"/>
+                    </a:lnL>
+                    <a:lnR w="12700">
+                      <a:solidFill>
+                        <a:schemeClr val="tx1"/>
+                      </a:solidFill>
+                      <a:prstDash val="solid"/>
+                    </a:lnR>
+                    <a:lnT w="12700">
+                      <a:solidFill>
+                        <a:schemeClr val="tx1"/>
+                      </a:solidFill>
+                      <a:prstDash val="solid"/>
+                    </a:lnT>
+                    <a:lnB w="57150">
+                      <a:solidFill>
+                        <a:schemeClr val="tx1"/>
+                      </a:solidFill>
+                      <a:prstDash val="solid"/>
+                    </a:lnB>
+                    <a:noFill/>
+                  </a:tcPr>
+                </a:tc>
+                <a:tc vMerge="1">
+                  <a:tcPr>
+                    <a:lnL w="12700">
+                      <a:solidFill>
+                        <a:schemeClr val="tx1"/>
+                      </a:solidFill>
+                      <a:prstDash val="solid"/>
+                    </a:lnL>
+                    <a:lnR w="12700">
+                      <a:solidFill>
+                        <a:schemeClr val="tx1"/>
+                      </a:solidFill>
+                      <a:prstDash val="solid"/>
+                    </a:lnR>
+                    <a:lnT w="12700">
+                      <a:solidFill>
+                        <a:schemeClr val="tx1"/>
+                      </a:solidFill>
+                      <a:prstDash val="solid"/>
+                    </a:lnT>
+                    <a:lnB w="57150">
+                      <a:solidFill>
+                        <a:schemeClr val="tx1"/>
+                      </a:solidFill>
+                      <a:prstDash val="solid"/>
+                    </a:lnB>
+                    <a:noFill/>
+                  </a:tcPr>
+                </a:tc>
+                <a:tc>
+                  <a:txBody>
+                    <a:bodyPr/>
+                    <a:p>
+                      <a:pPr>
+                        <a:buNone/>
+                      </a:pPr>
+                      <a:r>
+                        <a:rPr lang="en-US">
+                          <a:solidFill>
+                            <a:schemeClr val="tx1"/>
+                          </a:solidFill>
+                        </a:rPr>
+                        <a:t>triggers without sandwich veto</a:t>
+                      </a:r>
+                      <a:endParaRPr lang="en-US">
+                        <a:solidFill>
+                          <a:schemeClr val="tx1"/>
+                        </a:solidFill>
+                      </a:endParaRPr>
+                    </a:p>
+                  </a:txBody>
+                  <a:tcPr>
+                    <a:lnL w="12700">
+                      <a:solidFill>
+                        <a:schemeClr val="tx1"/>
+                      </a:solidFill>
+                      <a:prstDash val="solid"/>
+                    </a:lnL>
+                    <a:lnR w="12700">
+                      <a:solidFill>
+                        <a:schemeClr val="tx1"/>
+                      </a:solidFill>
+                      <a:prstDash val="solid"/>
+                    </a:lnR>
+                    <a:lnT w="12700">
+                      <a:solidFill>
+                        <a:schemeClr val="tx1"/>
+                      </a:solidFill>
+                      <a:prstDash val="solid"/>
+                    </a:lnT>
+                    <a:lnB w="57150">
+                      <a:solidFill>
+                        <a:schemeClr val="tx1"/>
+                      </a:solidFill>
+                      <a:prstDash val="solid"/>
+                    </a:lnB>
+                    <a:noFill/>
+                  </a:tcPr>
+                </a:tc>
+              </a:tr>
+              <a:tr h="492125">
+                <a:tc>
+                  <a:txBody>
+                    <a:bodyPr/>
+                    <a:p>
+                      <a:pPr>
+                        <a:buNone/>
+                      </a:pPr>
+                      <a:r>
+                        <a:rPr lang="" altLang="en-US">
+                          <a:solidFill>
+                            <a:schemeClr val="tx1"/>
+                          </a:solidFill>
+                        </a:rPr>
+                        <a:t>69696</a:t>
+                      </a:r>
+                      <a:endParaRPr lang="" altLang="en-US">
+                        <a:solidFill>
+                          <a:schemeClr val="tx1"/>
+                        </a:solidFill>
+                      </a:endParaRPr>
+                    </a:p>
+                  </a:txBody>
+                  <a:tcPr>
+                    <a:lnL w="12700">
+                      <a:solidFill>
+                        <a:schemeClr val="tx1"/>
+                      </a:solidFill>
+                      <a:prstDash val="solid"/>
+                    </a:lnL>
+                    <a:lnR w="12700">
+                      <a:solidFill>
+                        <a:schemeClr val="tx1"/>
+                      </a:solidFill>
+                      <a:prstDash val="solid"/>
+                    </a:lnR>
+                    <a:lnT w="57150">
+                      <a:solidFill>
+                        <a:schemeClr val="tx1"/>
+                      </a:solidFill>
+                      <a:prstDash val="solid"/>
+                    </a:lnT>
+                    <a:lnB w="12700">
+                      <a:solidFill>
+                        <a:schemeClr val="tx1"/>
+                      </a:solidFill>
+                      <a:prstDash val="solid"/>
+                    </a:lnB>
+                    <a:noFill/>
+                  </a:tcPr>
+                </a:tc>
+                <a:tc rowSpan="4">
+                  <a:txBody>
+                    <a:bodyPr/>
+                    <a:p>
                       <a:pPr algn="ctr">
                         <a:buNone/>
                       </a:pPr>
                       <a:r>
-                        <a:rPr lang="en-US" altLang="en-US" sz="2400">
+                        <a:rPr lang="" altLang="en-US" b="0">
                           <a:solidFill>
                             <a:schemeClr val="tx1"/>
                           </a:solidFill>
                         </a:rPr>
-                        <a:t>69595 ~ 70963</a:t>
+                        <a:t>decrease of number of photons from ECAL2</a:t>
                       </a:r>
-                      <a:endParaRPr lang="en-US" altLang="en-US" sz="2400">
+                      <a:endParaRPr lang="" altLang="en-US" b="0">
                         <a:solidFill>
                           <a:schemeClr val="tx1"/>
                         </a:solidFill>
@@ -8217,8 +10366,113 @@
                       </a:solidFill>
                       <a:prstDash val="solid"/>
                     </a:lnL>
-                    <a:lnR>
-                      <a:noFill/>
+                    <a:lnR w="12700">
+                      <a:solidFill>
+                        <a:schemeClr val="tx1"/>
+                      </a:solidFill>
+                      <a:prstDash val="solid"/>
+                    </a:lnR>
+                    <a:lnT w="57150">
+                      <a:solidFill>
+                        <a:schemeClr val="tx1"/>
+                      </a:solidFill>
+                      <a:prstDash val="solid"/>
+                    </a:lnT>
+                    <a:lnB w="57150">
+                      <a:solidFill>
+                        <a:schemeClr val="tx1"/>
+                      </a:solidFill>
+                      <a:prstDash val="solid"/>
+                    </a:lnB>
+                    <a:noFill/>
+                  </a:tcPr>
+                </a:tc>
+                <a:tc>
+                  <a:txBody>
+                    <a:bodyPr/>
+                    <a:p>
+                      <a:pPr>
+                        <a:buNone/>
+                      </a:pPr>
+                      <a:r>
+                        <a:rPr lang="" altLang="en-US">
+                          <a:solidFill>
+                            <a:schemeClr val="tx1"/>
+                          </a:solidFill>
+                        </a:rPr>
+                        <a:t>detector test</a:t>
+                      </a:r>
+                      <a:endParaRPr lang="" altLang="en-US">
+                        <a:solidFill>
+                          <a:schemeClr val="tx1"/>
+                        </a:solidFill>
+                      </a:endParaRPr>
+                    </a:p>
+                  </a:txBody>
+                  <a:tcPr>
+                    <a:lnL w="12700">
+                      <a:solidFill>
+                        <a:schemeClr val="tx1"/>
+                      </a:solidFill>
+                      <a:prstDash val="solid"/>
+                    </a:lnL>
+                    <a:lnR w="12700">
+                      <a:solidFill>
+                        <a:schemeClr val="tx1"/>
+                      </a:solidFill>
+                      <a:prstDash val="solid"/>
+                    </a:lnR>
+                    <a:lnT w="57150">
+                      <a:solidFill>
+                        <a:schemeClr val="tx1"/>
+                      </a:solidFill>
+                      <a:prstDash val="solid"/>
+                    </a:lnT>
+                    <a:lnB w="12700">
+                      <a:solidFill>
+                        <a:schemeClr val="tx1"/>
+                      </a:solidFill>
+                      <a:prstDash val="solid"/>
+                    </a:lnB>
+                    <a:noFill/>
+                  </a:tcPr>
+                </a:tc>
+              </a:tr>
+              <a:tr h="492125">
+                <a:tc>
+                  <a:txBody>
+                    <a:bodyPr/>
+                    <a:p>
+                      <a:pPr>
+                        <a:buNone/>
+                      </a:pPr>
+                      <a:r>
+                        <a:rPr lang="" altLang="en-US">
+                          <a:solidFill>
+                            <a:schemeClr val="tx1"/>
+                          </a:solidFill>
+                        </a:rPr>
+                        <a:t>69687</a:t>
+                      </a:r>
+                      <a:endParaRPr lang="" altLang="en-US">
+                        <a:solidFill>
+                          <a:schemeClr val="tx1"/>
+                        </a:solidFill>
+                      </a:endParaRPr>
+                    </a:p>
+                  </a:txBody>
+                  <a:tcPr>
+                    <a:lnL w="12700">
+                      <a:solidFill>
+                        <a:schemeClr val="tx1"/>
+                      </a:solidFill>
+                      <a:prstDash val="solid"/>
+                    </a:lnL>
+                    <a:lnR w="12700">
+                      <a:solidFill>
+                        <a:schemeClr val="tx1"/>
+                      </a:solidFill>
+                      <a:prstDash val="solid"/>
                     </a:lnR>
                     <a:lnT w="12700">
                       <a:solidFill>
@@ -8226,15 +10480,353 @@
                       </a:solidFill>
                       <a:prstDash val="solid"/>
                     </a:lnT>
-                    <a:lnB>
-                      <a:noFill/>
+                    <a:lnB w="12700">
+                      <a:solidFill>
+                        <a:schemeClr val="tx1"/>
+                      </a:solidFill>
+                      <a:prstDash val="solid"/>
                     </a:lnB>
-                    <a:lnTlToBr>
-                      <a:noFill/>
-                    </a:lnTlToBr>
-                    <a:lnBlToTr>
-                      <a:noFill/>
-                    </a:lnBlToTr>
+                    <a:noFill/>
+                  </a:tcPr>
+                </a:tc>
+                <a:tc vMerge="1">
+                  <a:tcPr>
+                    <a:lnL w="12700">
+                      <a:solidFill>
+                        <a:schemeClr val="tx1"/>
+                      </a:solidFill>
+                      <a:prstDash val="solid"/>
+                    </a:lnL>
+                    <a:lnR w="12700">
+                      <a:solidFill>
+                        <a:schemeClr val="tx1"/>
+                      </a:solidFill>
+                      <a:prstDash val="solid"/>
+                    </a:lnR>
+                    <a:lnT w="12700">
+                      <a:solidFill>
+                        <a:schemeClr val="tx1"/>
+                      </a:solidFill>
+                      <a:prstDash val="solid"/>
+                    </a:lnT>
+                    <a:lnB w="12700">
+                      <a:solidFill>
+                        <a:schemeClr val="tx1"/>
+                      </a:solidFill>
+                      <a:prstDash val="solid"/>
+                    </a:lnB>
+                    <a:noFill/>
+                  </a:tcPr>
+                </a:tc>
+                <a:tc>
+                  <a:txBody>
+                    <a:bodyPr/>
+                    <a:p>
+                      <a:pPr>
+                        <a:buNone/>
+                      </a:pPr>
+                      <a:r>
+                        <a:rPr lang="" altLang="en-US">
+                          <a:solidFill>
+                            <a:schemeClr val="tx1"/>
+                          </a:solidFill>
+                        </a:rPr>
+                        <a:t>N/A</a:t>
+                      </a:r>
+                      <a:endParaRPr lang="" altLang="en-US">
+                        <a:solidFill>
+                          <a:schemeClr val="tx1"/>
+                        </a:solidFill>
+                      </a:endParaRPr>
+                    </a:p>
+                  </a:txBody>
+                  <a:tcPr>
+                    <a:lnL w="12700">
+                      <a:solidFill>
+                        <a:schemeClr val="tx1"/>
+                      </a:solidFill>
+                      <a:prstDash val="solid"/>
+                    </a:lnL>
+                    <a:lnR w="12700">
+                      <a:solidFill>
+                        <a:schemeClr val="tx1"/>
+                      </a:solidFill>
+                      <a:prstDash val="solid"/>
+                    </a:lnR>
+                    <a:lnT w="12700">
+                      <a:solidFill>
+                        <a:schemeClr val="tx1"/>
+                      </a:solidFill>
+                      <a:prstDash val="solid"/>
+                    </a:lnT>
+                    <a:lnB w="12700">
+                      <a:solidFill>
+                        <a:schemeClr val="tx1"/>
+                      </a:solidFill>
+                      <a:prstDash val="solid"/>
+                    </a:lnB>
+                    <a:noFill/>
+                  </a:tcPr>
+                </a:tc>
+              </a:tr>
+              <a:tr h="492125">
+                <a:tc>
+                  <a:txBody>
+                    <a:bodyPr/>
+                    <a:p>
+                      <a:pPr>
+                        <a:buNone/>
+                      </a:pPr>
+                      <a:r>
+                        <a:rPr lang="" altLang="en-US">
+                          <a:solidFill>
+                            <a:schemeClr val="tx1"/>
+                          </a:solidFill>
+                        </a:rPr>
+                        <a:t>70223 ~ 70240</a:t>
+                      </a:r>
+                      <a:endParaRPr lang="" altLang="en-US">
+                        <a:solidFill>
+                          <a:schemeClr val="tx1"/>
+                        </a:solidFill>
+                      </a:endParaRPr>
+                    </a:p>
+                  </a:txBody>
+                  <a:tcPr>
+                    <a:lnL w="12700">
+                      <a:solidFill>
+                        <a:schemeClr val="tx1"/>
+                      </a:solidFill>
+                      <a:prstDash val="solid"/>
+                    </a:lnL>
+                    <a:lnR w="12700">
+                      <a:solidFill>
+                        <a:schemeClr val="tx1"/>
+                      </a:solidFill>
+                      <a:prstDash val="solid"/>
+                    </a:lnR>
+                    <a:lnT w="12700">
+                      <a:solidFill>
+                        <a:schemeClr val="tx1"/>
+                      </a:solidFill>
+                      <a:prstDash val="solid"/>
+                    </a:lnT>
+                    <a:lnB w="12700" cmpd="sng">
+                      <a:solidFill>
+                        <a:schemeClr val="tx1"/>
+                      </a:solidFill>
+                      <a:prstDash val="solid"/>
+                    </a:lnB>
+                    <a:noFill/>
+                  </a:tcPr>
+                </a:tc>
+                <a:tc vMerge="1">
+                  <a:tcPr>
+                    <a:lnL w="12700">
+                      <a:solidFill>
+                        <a:schemeClr val="tx1"/>
+                      </a:solidFill>
+                      <a:prstDash val="solid"/>
+                    </a:lnL>
+                    <a:lnR w="12700">
+                      <a:solidFill>
+                        <a:schemeClr val="tx1"/>
+                      </a:solidFill>
+                      <a:prstDash val="solid"/>
+                    </a:lnR>
+                    <a:lnT w="12700">
+                      <a:solidFill>
+                        <a:schemeClr val="tx1"/>
+                      </a:solidFill>
+                      <a:prstDash val="solid"/>
+                    </a:lnT>
+                    <a:lnB w="12700" cmpd="sng">
+                      <a:solidFill>
+                        <a:schemeClr val="tx1"/>
+                      </a:solidFill>
+                      <a:prstDash val="solid"/>
+                    </a:lnB>
+                    <a:noFill/>
+                  </a:tcPr>
+                </a:tc>
+                <a:tc>
+                  <a:txBody>
+                    <a:bodyPr/>
+                    <a:p>
+                      <a:pPr>
+                        <a:buNone/>
+                      </a:pPr>
+                      <a:r>
+                        <a:rPr lang="" altLang="en-US">
+                          <a:solidFill>
+                            <a:schemeClr val="tx1"/>
+                          </a:solidFill>
+                        </a:rPr>
+                        <a:t>High voltage on ECAL2</a:t>
+                      </a:r>
+                      <a:endParaRPr lang="" altLang="en-US">
+                        <a:solidFill>
+                          <a:schemeClr val="tx1"/>
+                        </a:solidFill>
+                      </a:endParaRPr>
+                    </a:p>
+                  </a:txBody>
+                  <a:tcPr>
+                    <a:lnL w="12700">
+                      <a:solidFill>
+                        <a:schemeClr val="tx1"/>
+                      </a:solidFill>
+                      <a:prstDash val="solid"/>
+                    </a:lnL>
+                    <a:lnR w="12700">
+                      <a:solidFill>
+                        <a:schemeClr val="tx1"/>
+                      </a:solidFill>
+                      <a:prstDash val="solid"/>
+                    </a:lnR>
+                    <a:lnT w="12700">
+                      <a:solidFill>
+                        <a:schemeClr val="tx1"/>
+                      </a:solidFill>
+                      <a:prstDash val="solid"/>
+                    </a:lnT>
+                    <a:lnB w="12700" cmpd="sng">
+                      <a:solidFill>
+                        <a:schemeClr val="tx1"/>
+                      </a:solidFill>
+                      <a:prstDash val="solid"/>
+                    </a:lnB>
+                    <a:noFill/>
+                  </a:tcPr>
+                </a:tc>
+              </a:tr>
+              <a:tr h="492125">
+                <a:tc>
+                  <a:txBody>
+                    <a:bodyPr/>
+                    <a:p>
+                      <a:pPr>
+                        <a:buNone/>
+                      </a:pPr>
+                      <a:r>
+                        <a:rPr lang="" altLang="en-US" b="0">
+                          <a:solidFill>
+                            <a:schemeClr val="tx1"/>
+                          </a:solidFill>
+                        </a:rPr>
+                        <a:t>70448</a:t>
+                      </a:r>
+                      <a:endParaRPr lang="" altLang="en-US" b="0">
+                        <a:solidFill>
+                          <a:schemeClr val="tx1"/>
+                        </a:solidFill>
+                      </a:endParaRPr>
+                    </a:p>
+                  </a:txBody>
+                  <a:tcPr>
+                    <a:lnL w="12700">
+                      <a:solidFill>
+                        <a:schemeClr val="tx1"/>
+                      </a:solidFill>
+                      <a:prstDash val="solid"/>
+                    </a:lnL>
+                    <a:lnR w="12700">
+                      <a:solidFill>
+                        <a:schemeClr val="tx1"/>
+                      </a:solidFill>
+                      <a:prstDash val="solid"/>
+                    </a:lnR>
+                    <a:lnT w="12700">
+                      <a:solidFill>
+                        <a:schemeClr val="tx1"/>
+                      </a:solidFill>
+                      <a:prstDash val="solid"/>
+                    </a:lnT>
+                    <a:lnB w="57150">
+                      <a:solidFill>
+                        <a:schemeClr val="tx1"/>
+                      </a:solidFill>
+                      <a:prstDash val="solid"/>
+                    </a:lnB>
+                    <a:noFill/>
+                  </a:tcPr>
+                </a:tc>
+                <a:tc vMerge="1">
+                  <a:tcPr>
+                    <a:lnL w="12700">
+                      <a:solidFill>
+                        <a:schemeClr val="tx1"/>
+                      </a:solidFill>
+                      <a:prstDash val="solid"/>
+                    </a:lnL>
+                    <a:lnR w="12700">
+                      <a:solidFill>
+                        <a:schemeClr val="tx1"/>
+                      </a:solidFill>
+                      <a:prstDash val="solid"/>
+                    </a:lnR>
+                    <a:lnT w="12700">
+                      <a:solidFill>
+                        <a:schemeClr val="tx1"/>
+                      </a:solidFill>
+                      <a:prstDash val="solid"/>
+                    </a:lnT>
+                    <a:lnB w="57150">
+                      <a:solidFill>
+                        <a:schemeClr val="tx1"/>
+                      </a:solidFill>
+                      <a:prstDash val="solid"/>
+                    </a:lnB>
+                    <a:noFill/>
+                  </a:tcPr>
+                </a:tc>
+                <a:tc>
+                  <a:txBody>
+                    <a:bodyPr/>
+                    <a:p>
+                      <a:pPr>
+                        <a:buNone/>
+                      </a:pPr>
+                      <a:r>
+                        <a:rPr lang="en-US" b="0">
+                          <a:solidFill>
+                            <a:schemeClr val="tx1"/>
+                          </a:solidFill>
+                        </a:rPr>
+                        <a:t>CPS Booster problem </a:t>
+                      </a:r>
+                      <a:endParaRPr lang="en-US" b="0">
+                        <a:solidFill>
+                          <a:schemeClr val="tx1"/>
+                        </a:solidFill>
+                      </a:endParaRPr>
+                    </a:p>
+                  </a:txBody>
+                  <a:tcPr>
+                    <a:lnL w="12700">
+                      <a:solidFill>
+                        <a:schemeClr val="tx1"/>
+                      </a:solidFill>
+                      <a:prstDash val="solid"/>
+                    </a:lnL>
+                    <a:lnR w="12700">
+                      <a:solidFill>
+                        <a:schemeClr val="tx1"/>
+                      </a:solidFill>
+                      <a:prstDash val="solid"/>
+                    </a:lnR>
+                    <a:lnT w="12700">
+                      <a:solidFill>
+                        <a:schemeClr val="tx1"/>
+                      </a:solidFill>
+                      <a:prstDash val="solid"/>
+                    </a:lnT>
+                    <a:lnB w="57150">
+                      <a:solidFill>
+                        <a:schemeClr val="tx1"/>
+                      </a:solidFill>
+                      <a:prstDash val="solid"/>
+                    </a:lnB>
                     <a:noFill/>
                   </a:tcPr>
                 </a:tc>
@@ -8251,103 +10843,7 @@
 </p:sld>
 </file>
 
-<file path=ppt/slides/slide5.xml><?xml version="1.0" encoding="utf-8"?>
-<p:sld xmlns:a="http://schemas.openxmlformats.org/drawingml/2006/main" xmlns:r="http://schemas.openxmlformats.org/officeDocument/2006/relationships" xmlns:p="http://schemas.openxmlformats.org/presentationml/2006/main">
-  <p:cSld>
-    <p:spTree>
-      <p:nvGrpSpPr>
-        <p:cNvPr id="1" name=""/>
-        <p:cNvGrpSpPr/>
-        <p:nvPr/>
-      </p:nvGrpSpPr>
-      <p:grpSpPr/>
-      <p:sp>
-        <p:nvSpPr>
-          <p:cNvPr id="2" name="Slide Number Placeholder 1"/>
-          <p:cNvSpPr>
-            <a:spLocks noGrp="1"/>
-          </p:cNvSpPr>
-          <p:nvPr>
-            <p:ph type="sldNum" sz="quarter" idx="12"/>
-          </p:nvPr>
-        </p:nvSpPr>
-        <p:spPr/>
-        <p:txBody>
-          <a:bodyPr/>
-          <a:p>
-            <a:r>
-              <a:rPr lang="en-US" altLang="zh-CN" smtClean="0"/>
-              <a:t> </a:t>
-            </a:r>
-            <a:fld id="{565CE74E-AB26-4998-AD42-012C4C1AD076}" type="slidenum">
-              <a:rPr lang="zh-CN" altLang="en-US" smtClean="0"/>
-            </a:fld>
-            <a:endParaRPr lang="en-US" altLang="zh-CN" smtClean="0"/>
-          </a:p>
-        </p:txBody>
-      </p:sp>
-      <p:sp>
-        <p:nvSpPr>
-          <p:cNvPr id="3" name="Text Box 2"/>
-          <p:cNvSpPr txBox="1"/>
-          <p:nvPr/>
-        </p:nvSpPr>
-        <p:spPr>
-          <a:xfrm>
-            <a:off x="332740" y="135255"/>
-            <a:ext cx="10375265" cy="645160"/>
-          </a:xfrm>
-          <a:prstGeom prst="rect">
-            <a:avLst/>
-          </a:prstGeom>
-          <a:noFill/>
-        </p:spPr>
-        <p:txBody>
-          <a:bodyPr wrap="square" rtlCol="0">
-            <a:spAutoFit/>
-          </a:bodyPr>
-          <a:p>
-            <a:r>
-              <a:rPr lang="en-US" altLang="en-US" sz="3600"/>
-              <a:t>the scheme of possible scattering process</a:t>
-            </a:r>
-            <a:endParaRPr lang="en-US" altLang="en-US" sz="3600"/>
-          </a:p>
-        </p:txBody>
-      </p:sp>
-      <p:pic>
-        <p:nvPicPr>
-          <p:cNvPr id="4" name="Picture 3" descr="feymann_diag"/>
-          <p:cNvPicPr>
-            <a:picLocks noChangeAspect="1"/>
-          </p:cNvPicPr>
-          <p:nvPr/>
-        </p:nvPicPr>
-        <p:blipFill>
-          <a:blip r:embed="rId1"/>
-          <a:stretch>
-            <a:fillRect/>
-          </a:stretch>
-        </p:blipFill>
-        <p:spPr>
-          <a:xfrm>
-            <a:off x="805815" y="1306195"/>
-            <a:ext cx="8410575" cy="5524500"/>
-          </a:xfrm>
-          <a:prstGeom prst="rect">
-            <a:avLst/>
-          </a:prstGeom>
-        </p:spPr>
-      </p:pic>
-    </p:spTree>
-  </p:cSld>
-  <p:clrMapOvr>
-    <a:masterClrMapping/>
-  </p:clrMapOvr>
-</p:sld>
-</file>
-
-<file path=ppt/slides/slide6.xml><?xml version="1.0" encoding="utf-8"?>
+<file path=ppt/slides/slide4.xml><?xml version="1.0" encoding="utf-8"?>
 <p:sld xmlns:a="http://schemas.openxmlformats.org/drawingml/2006/main" xmlns:r="http://schemas.openxmlformats.org/officeDocument/2006/relationships" xmlns:p="http://schemas.openxmlformats.org/presentationml/2006/main">
   <p:cSld>
     <p:spTree>
@@ -10329,6 +12825,668 @@
 </p:sld>
 </file>
 
+<file path=ppt/slides/slide5.xml><?xml version="1.0" encoding="utf-8"?>
+<p:sld xmlns:a="http://schemas.openxmlformats.org/drawingml/2006/main" xmlns:r="http://schemas.openxmlformats.org/officeDocument/2006/relationships" xmlns:p="http://schemas.openxmlformats.org/presentationml/2006/main">
+  <p:cSld>
+    <p:spTree>
+      <p:nvGrpSpPr>
+        <p:cNvPr id="1" name=""/>
+        <p:cNvGrpSpPr/>
+        <p:nvPr/>
+      </p:nvGrpSpPr>
+      <p:grpSpPr/>
+      <p:sp>
+        <p:nvSpPr>
+          <p:cNvPr id="2" name="Slide Number Placeholder 1"/>
+          <p:cNvSpPr>
+            <a:spLocks noGrp="1"/>
+          </p:cNvSpPr>
+          <p:nvPr>
+            <p:ph type="sldNum" sz="quarter" idx="12"/>
+          </p:nvPr>
+        </p:nvSpPr>
+        <p:spPr/>
+        <p:txBody>
+          <a:bodyPr/>
+          <a:p>
+            <a:r>
+              <a:rPr lang="en-US" altLang="zh-CN" smtClean="0"/>
+              <a:t> </a:t>
+            </a:r>
+            <a:fld id="{565CE74E-AB26-4998-AD42-012C4C1AD076}" type="slidenum">
+              <a:rPr lang="zh-CN" altLang="en-US" smtClean="0"/>
+            </a:fld>
+            <a:endParaRPr lang="en-US" altLang="zh-CN" smtClean="0"/>
+          </a:p>
+        </p:txBody>
+      </p:sp>
+      <p:sp>
+        <p:nvSpPr>
+          <p:cNvPr id="3" name="Text Box 2"/>
+          <p:cNvSpPr txBox="1"/>
+          <p:nvPr/>
+        </p:nvSpPr>
+        <p:spPr>
+          <a:xfrm>
+            <a:off x="332740" y="135255"/>
+            <a:ext cx="8442325" cy="645160"/>
+          </a:xfrm>
+          <a:prstGeom prst="rect">
+            <a:avLst/>
+          </a:prstGeom>
+          <a:noFill/>
+        </p:spPr>
+        <p:txBody>
+          <a:bodyPr wrap="square" rtlCol="0">
+            <a:spAutoFit/>
+          </a:bodyPr>
+          <a:p>
+            <a:r>
+              <a:rPr lang="en-US" altLang="en-US" sz="3600"/>
+              <a:t>Datasets and pre-selection:</a:t>
+            </a:r>
+            <a:endParaRPr lang="en-US" altLang="en-US" sz="3600"/>
+          </a:p>
+        </p:txBody>
+      </p:sp>
+      <p:sp>
+        <p:nvSpPr>
+          <p:cNvPr id="4" name="Text Box 3"/>
+          <p:cNvSpPr txBox="1"/>
+          <p:nvPr/>
+        </p:nvSpPr>
+        <p:spPr>
+          <a:xfrm>
+            <a:off x="516890" y="3701415"/>
+            <a:ext cx="10788650" cy="2722880"/>
+          </a:xfrm>
+          <a:prstGeom prst="rect">
+            <a:avLst/>
+          </a:prstGeom>
+          <a:noFill/>
+        </p:spPr>
+        <p:txBody>
+          <a:bodyPr wrap="square" rtlCol="0">
+            <a:spAutoFit/>
+          </a:bodyPr>
+          <a:p>
+            <a:pPr marL="457200" indent="-457200" fontAlgn="auto">
+              <a:spcBef>
+                <a:spcPts val="3000"/>
+              </a:spcBef>
+              <a:buFont typeface="Arial" panose="02080604020202020204" pitchFamily="34" charset="0"/>
+              <a:buAutoNum type="arabicPeriod"/>
+            </a:pPr>
+            <a:r>
+              <a:rPr lang="en-US" sz="2400"/>
+              <a:t>A best primary vertex was found</a:t>
+            </a:r>
+            <a:endParaRPr lang="en-US" sz="2400"/>
+          </a:p>
+          <a:p>
+            <a:pPr marL="457200" indent="-457200" fontAlgn="auto">
+              <a:spcBef>
+                <a:spcPts val="3000"/>
+              </a:spcBef>
+              <a:buFont typeface="Arial" panose="02080604020202020204" pitchFamily="34" charset="0"/>
+              <a:buAutoNum type="arabicPeriod"/>
+            </a:pPr>
+            <a:r>
+              <a:rPr lang="en-US" sz="2400"/>
+              <a:t>Primary vertex Z-position Z_pv: -200 cm &lt; Z_pv &lt; 160 cm</a:t>
+            </a:r>
+            <a:endParaRPr lang="en-US" sz="2400"/>
+          </a:p>
+          <a:p>
+            <a:pPr marL="457200" indent="-457200" fontAlgn="auto">
+              <a:spcBef>
+                <a:spcPts val="3000"/>
+              </a:spcBef>
+              <a:buFont typeface="Arial" panose="02080604020202020204" pitchFamily="34" charset="0"/>
+              <a:buAutoNum type="arabicPeriod"/>
+            </a:pPr>
+            <a:r>
+              <a:rPr lang="en-US" sz="2400"/>
+              <a:t>Exactly </a:t>
+            </a:r>
+            <a:r>
+              <a:rPr lang="" altLang="en-US" sz="2400"/>
+              <a:t>one or</a:t>
+            </a:r>
+            <a:r>
+              <a:rPr lang="en-US" sz="2400"/>
+              <a:t> three charged tracks, leaving the primary vertex</a:t>
+            </a:r>
+            <a:endParaRPr lang="en-US" sz="2400"/>
+          </a:p>
+          <a:p>
+            <a:pPr marL="457200" indent="-457200" fontAlgn="auto">
+              <a:spcBef>
+                <a:spcPts val="3000"/>
+              </a:spcBef>
+              <a:buFont typeface="Arial" panose="02080604020202020204" pitchFamily="34" charset="0"/>
+              <a:buAutoNum type="arabicPeriod"/>
+            </a:pPr>
+            <a:r>
+              <a:rPr lang="en-US" sz="2400"/>
+              <a:t>Charge sum of all three tracks = -1</a:t>
+            </a:r>
+            <a:endParaRPr lang="en-US" sz="2400"/>
+          </a:p>
+        </p:txBody>
+      </p:sp>
+      <p:sp>
+        <p:nvSpPr>
+          <p:cNvPr id="5" name="Pentagon 4"/>
+          <p:cNvSpPr/>
+          <p:nvPr/>
+        </p:nvSpPr>
+        <p:spPr>
+          <a:xfrm>
+            <a:off x="332740" y="966470"/>
+            <a:ext cx="3288030" cy="344170"/>
+          </a:xfrm>
+          <a:prstGeom prst="homePlate">
+            <a:avLst/>
+          </a:prstGeom>
+        </p:spPr>
+        <p:style>
+          <a:lnRef idx="2">
+            <a:schemeClr val="dk1">
+              <a:shade val="50000"/>
+            </a:schemeClr>
+          </a:lnRef>
+          <a:fillRef idx="1">
+            <a:schemeClr val="dk1"/>
+          </a:fillRef>
+          <a:effectRef idx="0">
+            <a:schemeClr val="dk1"/>
+          </a:effectRef>
+          <a:fontRef idx="minor">
+            <a:schemeClr val="lt1"/>
+          </a:fontRef>
+        </p:style>
+        <p:txBody>
+          <a:bodyPr rtlCol="0" anchor="ctr"/>
+          <a:p>
+            <a:pPr algn="ctr"/>
+            <a:r>
+              <a:rPr lang="en-US" altLang="en-US"/>
+              <a:t>Datasets info:</a:t>
+            </a:r>
+            <a:endParaRPr lang="en-US" altLang="en-US"/>
+          </a:p>
+        </p:txBody>
+      </p:sp>
+      <p:sp>
+        <p:nvSpPr>
+          <p:cNvPr id="6" name="Pentagon 5"/>
+          <p:cNvSpPr/>
+          <p:nvPr/>
+        </p:nvSpPr>
+        <p:spPr>
+          <a:xfrm>
+            <a:off x="332740" y="3080385"/>
+            <a:ext cx="3288030" cy="344170"/>
+          </a:xfrm>
+          <a:prstGeom prst="homePlate">
+            <a:avLst/>
+          </a:prstGeom>
+        </p:spPr>
+        <p:style>
+          <a:lnRef idx="2">
+            <a:schemeClr val="dk1">
+              <a:shade val="50000"/>
+            </a:schemeClr>
+          </a:lnRef>
+          <a:fillRef idx="1">
+            <a:schemeClr val="dk1"/>
+          </a:fillRef>
+          <a:effectRef idx="0">
+            <a:schemeClr val="dk1"/>
+          </a:effectRef>
+          <a:fontRef idx="minor">
+            <a:schemeClr val="lt1"/>
+          </a:fontRef>
+        </p:style>
+        <p:txBody>
+          <a:bodyPr rtlCol="0" anchor="ctr"/>
+          <a:p>
+            <a:pPr algn="ctr"/>
+            <a:r>
+              <a:rPr lang="en-US" altLang="en-US"/>
+              <a:t>Conditions of filtering</a:t>
+            </a:r>
+            <a:endParaRPr lang="en-US" altLang="en-US"/>
+          </a:p>
+        </p:txBody>
+      </p:sp>
+      <p:graphicFrame>
+        <p:nvGraphicFramePr>
+          <p:cNvPr id="9" name="Table 8"/>
+          <p:cNvGraphicFramePr/>
+          <p:nvPr/>
+        </p:nvGraphicFramePr>
+        <p:xfrm>
+          <a:off x="516890" y="1506855"/>
+          <a:ext cx="7009130" cy="1468120"/>
+        </p:xfrm>
+        <a:graphic>
+          <a:graphicData uri="http://schemas.openxmlformats.org/drawingml/2006/table">
+            <a:tbl>
+              <a:tblPr firstRow="1" bandRow="1">
+                <a:tableStyleId>{5C22544A-7EE6-4342-B048-85BDC9FD1C3A}</a:tableStyleId>
+              </a:tblPr>
+              <a:tblGrid>
+                <a:gridCol w="2214245"/>
+                <a:gridCol w="4794885"/>
+              </a:tblGrid>
+              <a:tr h="457200">
+                <a:tc>
+                  <a:txBody>
+                    <a:bodyPr/>
+                    <a:p>
+                      <a:pPr algn="r">
+                        <a:buNone/>
+                      </a:pPr>
+                      <a:r>
+                        <a:rPr lang="en-US" altLang="en-US" sz="2400" b="0">
+                          <a:solidFill>
+                            <a:schemeClr val="tx1"/>
+                          </a:solidFill>
+                        </a:rPr>
+                        <a:t>Year</a:t>
+                      </a:r>
+                      <a:endParaRPr lang="en-US" altLang="en-US" sz="2400" b="0">
+                        <a:solidFill>
+                          <a:schemeClr val="tx1"/>
+                        </a:solidFill>
+                      </a:endParaRPr>
+                    </a:p>
+                  </a:txBody>
+                  <a:tcPr anchor="ctr" anchorCtr="0">
+                    <a:lnL>
+                      <a:noFill/>
+                    </a:lnL>
+                    <a:lnR w="12700">
+                      <a:solidFill>
+                        <a:schemeClr val="tx1"/>
+                      </a:solidFill>
+                      <a:prstDash val="solid"/>
+                    </a:lnR>
+                    <a:lnT>
+                      <a:noFill/>
+                    </a:lnT>
+                    <a:lnB w="12700">
+                      <a:solidFill>
+                        <a:schemeClr val="tx1"/>
+                      </a:solidFill>
+                      <a:prstDash val="solid"/>
+                    </a:lnB>
+                    <a:lnTlToBr>
+                      <a:noFill/>
+                    </a:lnTlToBr>
+                    <a:lnBlToTr>
+                      <a:noFill/>
+                    </a:lnBlToTr>
+                    <a:noFill/>
+                  </a:tcPr>
+                </a:tc>
+                <a:tc>
+                  <a:txBody>
+                    <a:bodyPr/>
+                    <a:p>
+                      <a:pPr algn="ctr">
+                        <a:buNone/>
+                      </a:pPr>
+                      <a:r>
+                        <a:rPr lang="en-US" altLang="en-US" sz="2400" b="0">
+                          <a:solidFill>
+                            <a:schemeClr val="tx1"/>
+                          </a:solidFill>
+                        </a:rPr>
+                        <a:t>2008</a:t>
+                      </a:r>
+                      <a:endParaRPr lang="en-US" altLang="en-US" sz="2400" b="0">
+                        <a:solidFill>
+                          <a:schemeClr val="tx1"/>
+                        </a:solidFill>
+                      </a:endParaRPr>
+                    </a:p>
+                  </a:txBody>
+                  <a:tcPr anchor="ctr" anchorCtr="0">
+                    <a:lnL w="12700">
+                      <a:solidFill>
+                        <a:schemeClr val="tx1"/>
+                      </a:solidFill>
+                      <a:prstDash val="solid"/>
+                    </a:lnL>
+                    <a:lnR>
+                      <a:noFill/>
+                    </a:lnR>
+                    <a:lnT>
+                      <a:noFill/>
+                    </a:lnT>
+                    <a:lnB w="12700">
+                      <a:solidFill>
+                        <a:schemeClr val="tx1"/>
+                      </a:solidFill>
+                      <a:prstDash val="solid"/>
+                    </a:lnB>
+                    <a:lnTlToBr>
+                      <a:noFill/>
+                    </a:lnTlToBr>
+                    <a:lnBlToTr>
+                      <a:noFill/>
+                    </a:lnBlToTr>
+                    <a:noFill/>
+                  </a:tcPr>
+                </a:tc>
+              </a:tr>
+              <a:tr h="457200">
+                <a:tc>
+                  <a:txBody>
+                    <a:bodyPr/>
+                    <a:p>
+                      <a:pPr algn="r">
+                        <a:buNone/>
+                      </a:pPr>
+                      <a:r>
+                        <a:rPr lang="en-US" altLang="en-US" sz="2400" b="0">
+                          <a:solidFill>
+                            <a:schemeClr val="tx1"/>
+                          </a:solidFill>
+                        </a:rPr>
+                        <a:t>Week</a:t>
+                      </a:r>
+                      <a:endParaRPr lang="en-US" altLang="en-US" sz="2400" b="0">
+                        <a:solidFill>
+                          <a:schemeClr val="tx1"/>
+                        </a:solidFill>
+                      </a:endParaRPr>
+                    </a:p>
+                  </a:txBody>
+                  <a:tcPr anchor="ctr" anchorCtr="0">
+                    <a:lnL>
+                      <a:noFill/>
+                    </a:lnL>
+                    <a:lnR w="12700">
+                      <a:solidFill>
+                        <a:schemeClr val="tx1"/>
+                      </a:solidFill>
+                      <a:prstDash val="solid"/>
+                    </a:lnR>
+                    <a:lnT>
+                      <a:noFill/>
+                    </a:lnT>
+                    <a:lnB w="12700">
+                      <a:solidFill>
+                        <a:schemeClr val="tx1"/>
+                      </a:solidFill>
+                      <a:prstDash val="solid"/>
+                    </a:lnB>
+                    <a:lnTlToBr>
+                      <a:noFill/>
+                    </a:lnTlToBr>
+                    <a:lnBlToTr>
+                      <a:noFill/>
+                    </a:lnBlToTr>
+                    <a:noFill/>
+                  </a:tcPr>
+                </a:tc>
+                <a:tc>
+                  <a:txBody>
+                    <a:bodyPr/>
+                    <a:p>
+                      <a:pPr algn="ctr">
+                        <a:buNone/>
+                      </a:pPr>
+                      <a:r>
+                        <a:rPr lang="en-US" altLang="en-US" sz="2400" b="0">
+                          <a:solidFill>
+                            <a:schemeClr val="tx1"/>
+                          </a:solidFill>
+                        </a:rPr>
+                        <a:t>Week 33, 35, 37</a:t>
+                      </a:r>
+                      <a:endParaRPr lang="en-US" altLang="en-US" sz="2400" b="0">
+                        <a:solidFill>
+                          <a:schemeClr val="tx1"/>
+                        </a:solidFill>
+                      </a:endParaRPr>
+                    </a:p>
+                  </a:txBody>
+                  <a:tcPr anchor="ctr" anchorCtr="0">
+                    <a:lnL w="12700">
+                      <a:solidFill>
+                        <a:schemeClr val="tx1"/>
+                      </a:solidFill>
+                      <a:prstDash val="solid"/>
+                    </a:lnL>
+                    <a:lnR>
+                      <a:noFill/>
+                    </a:lnR>
+                    <a:lnT>
+                      <a:noFill/>
+                    </a:lnT>
+                    <a:lnB w="12700">
+                      <a:solidFill>
+                        <a:schemeClr val="tx1"/>
+                      </a:solidFill>
+                      <a:prstDash val="solid"/>
+                    </a:lnB>
+                    <a:lnTlToBr>
+                      <a:noFill/>
+                    </a:lnTlToBr>
+                    <a:lnBlToTr>
+                      <a:noFill/>
+                    </a:lnBlToTr>
+                    <a:noFill/>
+                  </a:tcPr>
+                </a:tc>
+              </a:tr>
+              <a:tr h="553720">
+                <a:tc>
+                  <a:txBody>
+                    <a:bodyPr/>
+                    <a:p>
+                      <a:pPr algn="r">
+                        <a:buNone/>
+                      </a:pPr>
+                      <a:r>
+                        <a:rPr lang="en-US" altLang="en-US" sz="2400"/>
+                        <a:t>Run number</a:t>
+                      </a:r>
+                      <a:endParaRPr lang="en-US" altLang="en-US" sz="2400"/>
+                    </a:p>
+                  </a:txBody>
+                  <a:tcPr anchor="ctr" anchorCtr="0">
+                    <a:lnL>
+                      <a:noFill/>
+                    </a:lnL>
+                    <a:lnR w="12700">
+                      <a:solidFill>
+                        <a:schemeClr val="tx1"/>
+                      </a:solidFill>
+                      <a:prstDash val="solid"/>
+                    </a:lnR>
+                    <a:lnT w="12700">
+                      <a:solidFill>
+                        <a:schemeClr val="tx1"/>
+                      </a:solidFill>
+                      <a:prstDash val="solid"/>
+                    </a:lnT>
+                    <a:lnB>
+                      <a:noFill/>
+                    </a:lnB>
+                    <a:lnTlToBr>
+                      <a:noFill/>
+                    </a:lnTlToBr>
+                    <a:lnBlToTr>
+                      <a:noFill/>
+                    </a:lnBlToTr>
+                    <a:noFill/>
+                  </a:tcPr>
+                </a:tc>
+                <a:tc>
+                  <a:txBody>
+                    <a:bodyPr/>
+                    <a:p>
+                      <a:pPr algn="ctr">
+                        <a:buNone/>
+                      </a:pPr>
+                      <a:r>
+                        <a:rPr lang="en-US" altLang="en-US" sz="2400">
+                          <a:solidFill>
+                            <a:schemeClr val="tx1"/>
+                          </a:solidFill>
+                        </a:rPr>
+                        <a:t>69595 ~ 70963</a:t>
+                      </a:r>
+                      <a:endParaRPr lang="en-US" altLang="en-US" sz="2400">
+                        <a:solidFill>
+                          <a:schemeClr val="tx1"/>
+                        </a:solidFill>
+                      </a:endParaRPr>
+                    </a:p>
+                  </a:txBody>
+                  <a:tcPr anchor="ctr" anchorCtr="0">
+                    <a:lnL w="12700">
+                      <a:solidFill>
+                        <a:schemeClr val="tx1"/>
+                      </a:solidFill>
+                      <a:prstDash val="solid"/>
+                    </a:lnL>
+                    <a:lnR>
+                      <a:noFill/>
+                    </a:lnR>
+                    <a:lnT w="12700">
+                      <a:solidFill>
+                        <a:schemeClr val="tx1"/>
+                      </a:solidFill>
+                      <a:prstDash val="solid"/>
+                    </a:lnT>
+                    <a:lnB>
+                      <a:noFill/>
+                    </a:lnB>
+                    <a:lnTlToBr>
+                      <a:noFill/>
+                    </a:lnTlToBr>
+                    <a:lnBlToTr>
+                      <a:noFill/>
+                    </a:lnBlToTr>
+                    <a:noFill/>
+                  </a:tcPr>
+                </a:tc>
+              </a:tr>
+            </a:tbl>
+          </a:graphicData>
+        </a:graphic>
+      </p:graphicFrame>
+    </p:spTree>
+  </p:cSld>
+  <p:clrMapOvr>
+    <a:masterClrMapping/>
+  </p:clrMapOvr>
+</p:sld>
+</file>
+
+<file path=ppt/slides/slide6.xml><?xml version="1.0" encoding="utf-8"?>
+<p:sld xmlns:a="http://schemas.openxmlformats.org/drawingml/2006/main" xmlns:r="http://schemas.openxmlformats.org/officeDocument/2006/relationships" xmlns:p="http://schemas.openxmlformats.org/presentationml/2006/main">
+  <p:cSld>
+    <p:spTree>
+      <p:nvGrpSpPr>
+        <p:cNvPr id="1" name=""/>
+        <p:cNvGrpSpPr/>
+        <p:nvPr/>
+      </p:nvGrpSpPr>
+      <p:grpSpPr/>
+      <p:sp>
+        <p:nvSpPr>
+          <p:cNvPr id="2" name="Slide Number Placeholder 1"/>
+          <p:cNvSpPr>
+            <a:spLocks noGrp="1"/>
+          </p:cNvSpPr>
+          <p:nvPr>
+            <p:ph type="sldNum" sz="quarter" idx="12"/>
+          </p:nvPr>
+        </p:nvSpPr>
+        <p:spPr/>
+        <p:txBody>
+          <a:bodyPr/>
+          <a:p>
+            <a:r>
+              <a:rPr lang="en-US" altLang="zh-CN" smtClean="0"/>
+              <a:t> </a:t>
+            </a:r>
+            <a:fld id="{565CE74E-AB26-4998-AD42-012C4C1AD076}" type="slidenum">
+              <a:rPr lang="zh-CN" altLang="en-US" smtClean="0"/>
+            </a:fld>
+            <a:endParaRPr lang="en-US" altLang="zh-CN" smtClean="0"/>
+          </a:p>
+        </p:txBody>
+      </p:sp>
+      <p:sp>
+        <p:nvSpPr>
+          <p:cNvPr id="3" name="Text Box 2"/>
+          <p:cNvSpPr txBox="1"/>
+          <p:nvPr/>
+        </p:nvSpPr>
+        <p:spPr>
+          <a:xfrm>
+            <a:off x="332740" y="135255"/>
+            <a:ext cx="8359140" cy="645160"/>
+          </a:xfrm>
+          <a:prstGeom prst="rect">
+            <a:avLst/>
+          </a:prstGeom>
+          <a:noFill/>
+        </p:spPr>
+        <p:txBody>
+          <a:bodyPr wrap="square" rtlCol="0">
+            <a:spAutoFit/>
+          </a:bodyPr>
+          <a:p>
+            <a:r>
+              <a:rPr lang="en-US" altLang="en-US" sz="3600"/>
+              <a:t>Overlook of event distribution </a:t>
+            </a:r>
+            <a:endParaRPr lang="en-US" altLang="en-US" sz="3600"/>
+          </a:p>
+        </p:txBody>
+      </p:sp>
+      <p:pic>
+        <p:nvPicPr>
+          <p:cNvPr id="5" name="Picture 4" descr="event_distribution_orginal"/>
+          <p:cNvPicPr>
+            <a:picLocks noChangeAspect="1"/>
+          </p:cNvPicPr>
+          <p:nvPr/>
+        </p:nvPicPr>
+        <p:blipFill>
+          <a:blip r:embed="rId1"/>
+          <a:stretch>
+            <a:fillRect/>
+          </a:stretch>
+        </p:blipFill>
+        <p:spPr>
+          <a:xfrm>
+            <a:off x="160655" y="993140"/>
+            <a:ext cx="11870690" cy="5749290"/>
+          </a:xfrm>
+          <a:prstGeom prst="rect">
+            <a:avLst/>
+          </a:prstGeom>
+        </p:spPr>
+      </p:pic>
+    </p:spTree>
+  </p:cSld>
+  <p:clrMapOvr>
+    <a:masterClrMapping/>
+  </p:clrMapOvr>
+</p:sld>
+</file>
+
 <file path=ppt/slides/slide7.xml><?xml version="1.0" encoding="utf-8"?>
 <p:sld xmlns:a="http://schemas.openxmlformats.org/drawingml/2006/main" xmlns:r="http://schemas.openxmlformats.org/officeDocument/2006/relationships" xmlns:p="http://schemas.openxmlformats.org/presentationml/2006/main">
   <p:cSld>
@@ -10395,7 +13553,7 @@
       </p:sp>
       <p:pic>
         <p:nvPicPr>
-          <p:cNvPr id="4" name="Picture 3" descr="event_distribution"/>
+          <p:cNvPr id="5" name="Picture 4" descr="event_distribution_orginal"/>
           <p:cNvPicPr>
             <a:picLocks noChangeAspect="1"/>
           </p:cNvPicPr>
@@ -10403,21 +13561,210 @@
         </p:nvPicPr>
         <p:blipFill>
           <a:blip r:embed="rId1"/>
-          <a:srcRect l="2715" b="1957"/>
           <a:stretch>
             <a:fillRect/>
           </a:stretch>
         </p:blipFill>
         <p:spPr>
           <a:xfrm>
-            <a:off x="122555" y="1011555"/>
-            <a:ext cx="11253470" cy="5269230"/>
+            <a:off x="160655" y="993140"/>
+            <a:ext cx="11870690" cy="5749290"/>
           </a:xfrm>
           <a:prstGeom prst="rect">
             <a:avLst/>
           </a:prstGeom>
         </p:spPr>
       </p:pic>
+      <p:sp>
+        <p:nvSpPr>
+          <p:cNvPr id="6" name="Oval 5"/>
+          <p:cNvSpPr/>
+          <p:nvPr/>
+        </p:nvSpPr>
+        <p:spPr>
+          <a:xfrm>
+            <a:off x="5429885" y="4678045"/>
+            <a:ext cx="167005" cy="167005"/>
+          </a:xfrm>
+          <a:prstGeom prst="ellipse">
+            <a:avLst/>
+          </a:prstGeom>
+          <a:noFill/>
+          <a:ln>
+            <a:solidFill>
+              <a:srgbClr val="FF0000"/>
+            </a:solidFill>
+          </a:ln>
+          <a:extLst>
+            <a:ext uri="{909E8E84-426E-40DD-AFC4-6F175D3DCCD1}">
+              <a14:hiddenFill xmlns:a14="http://schemas.microsoft.com/office/drawing/2010/main">
+                <a:solidFill>
+                  <a:schemeClr val="accent1"/>
+                </a:solidFill>
+              </a14:hiddenFill>
+            </a:ext>
+          </a:extLst>
+        </p:spPr>
+        <p:style>
+          <a:lnRef idx="2">
+            <a:schemeClr val="accent1">
+              <a:shade val="50000"/>
+            </a:schemeClr>
+          </a:lnRef>
+          <a:fillRef idx="1">
+            <a:schemeClr val="accent1"/>
+          </a:fillRef>
+          <a:effectRef idx="0">
+            <a:schemeClr val="accent1"/>
+          </a:effectRef>
+          <a:fontRef idx="minor">
+            <a:schemeClr val="lt1"/>
+          </a:fontRef>
+        </p:style>
+        <p:txBody>
+          <a:bodyPr rtlCol="0" anchor="ctr"/>
+          <a:p>
+            <a:pPr algn="ctr"/>
+            <a:endParaRPr lang="en-US"/>
+          </a:p>
+        </p:txBody>
+      </p:sp>
+      <p:pic>
+        <p:nvPicPr>
+          <p:cNvPr id="4" name="Picture 3" descr="event_distribution_orginal_70195"/>
+          <p:cNvPicPr>
+            <a:picLocks noChangeAspect="1"/>
+          </p:cNvPicPr>
+          <p:nvPr/>
+        </p:nvPicPr>
+        <p:blipFill>
+          <a:blip r:embed="rId2"/>
+          <a:srcRect l="3097" t="9412" r="9751" b="6248"/>
+          <a:stretch>
+            <a:fillRect/>
+          </a:stretch>
+        </p:blipFill>
+        <p:spPr>
+          <a:xfrm>
+            <a:off x="6742430" y="1344295"/>
+            <a:ext cx="3284855" cy="4537710"/>
+          </a:xfrm>
+          <a:prstGeom prst="rect">
+            <a:avLst/>
+          </a:prstGeom>
+        </p:spPr>
+      </p:pic>
+      <p:sp>
+        <p:nvSpPr>
+          <p:cNvPr id="7" name="Rectangular Callout 6"/>
+          <p:cNvSpPr/>
+          <p:nvPr/>
+        </p:nvSpPr>
+        <p:spPr>
+          <a:xfrm>
+            <a:off x="6741795" y="1344930"/>
+            <a:ext cx="3314700" cy="4536440"/>
+          </a:xfrm>
+          <a:prstGeom prst="wedgeRectCallout">
+            <a:avLst>
+              <a:gd name="adj1" fmla="val -83697"/>
+              <a:gd name="adj2" fmla="val 25293"/>
+            </a:avLst>
+          </a:prstGeom>
+          <a:noFill/>
+          <a:ln w="38100">
+            <a:solidFill>
+              <a:srgbClr val="FF0000"/>
+            </a:solidFill>
+          </a:ln>
+          <a:extLst>
+            <a:ext uri="{909E8E84-426E-40DD-AFC4-6F175D3DCCD1}">
+              <a14:hiddenFill xmlns:a14="http://schemas.microsoft.com/office/drawing/2010/main">
+                <a:solidFill>
+                  <a:schemeClr val="accent1"/>
+                </a:solidFill>
+              </a14:hiddenFill>
+            </a:ext>
+          </a:extLst>
+        </p:spPr>
+        <p:style>
+          <a:lnRef idx="2">
+            <a:schemeClr val="accent1">
+              <a:shade val="50000"/>
+            </a:schemeClr>
+          </a:lnRef>
+          <a:fillRef idx="1">
+            <a:schemeClr val="accent1"/>
+          </a:fillRef>
+          <a:effectRef idx="0">
+            <a:schemeClr val="accent1"/>
+          </a:effectRef>
+          <a:fontRef idx="minor">
+            <a:schemeClr val="lt1"/>
+          </a:fontRef>
+        </p:style>
+        <p:txBody>
+          <a:bodyPr rtlCol="0" anchor="ctr"/>
+          <a:p>
+            <a:pPr algn="ctr"/>
+            <a:endParaRPr lang="en-US"/>
+          </a:p>
+        </p:txBody>
+      </p:sp>
+      <p:sp>
+        <p:nvSpPr>
+          <p:cNvPr id="8" name="Oval 7"/>
+          <p:cNvSpPr/>
+          <p:nvPr/>
+        </p:nvSpPr>
+        <p:spPr>
+          <a:xfrm>
+            <a:off x="8218170" y="4192905"/>
+            <a:ext cx="316230" cy="316230"/>
+          </a:xfrm>
+          <a:prstGeom prst="ellipse">
+            <a:avLst/>
+          </a:prstGeom>
+          <a:noFill/>
+          <a:ln w="28575">
+            <a:solidFill>
+              <a:srgbClr val="FF0000"/>
+            </a:solidFill>
+          </a:ln>
+          <a:extLst>
+            <a:ext uri="{909E8E84-426E-40DD-AFC4-6F175D3DCCD1}">
+              <a14:hiddenFill xmlns:a14="http://schemas.microsoft.com/office/drawing/2010/main">
+                <a:solidFill>
+                  <a:schemeClr val="accent1"/>
+                </a:solidFill>
+              </a14:hiddenFill>
+            </a:ext>
+          </a:extLst>
+        </p:spPr>
+        <p:style>
+          <a:lnRef idx="2">
+            <a:schemeClr val="accent1">
+              <a:shade val="50000"/>
+            </a:schemeClr>
+          </a:lnRef>
+          <a:fillRef idx="1">
+            <a:schemeClr val="accent1"/>
+          </a:fillRef>
+          <a:effectRef idx="0">
+            <a:schemeClr val="accent1"/>
+          </a:effectRef>
+          <a:fontRef idx="minor">
+            <a:schemeClr val="lt1"/>
+          </a:fontRef>
+        </p:style>
+        <p:txBody>
+          <a:bodyPr rtlCol="0" anchor="ctr"/>
+          <a:p>
+            <a:pPr algn="ctr"/>
+            <a:endParaRPr lang="en-US"/>
+          </a:p>
+        </p:txBody>
+      </p:sp>
     </p:spTree>
   </p:cSld>
   <p:clrMapOvr>
@@ -10463,14 +13810,14 @@
       </p:sp>
       <p:sp>
         <p:nvSpPr>
-          <p:cNvPr id="3" name="Text Box 2"/>
+          <p:cNvPr id="4" name="Text Box 3"/>
           <p:cNvSpPr txBox="1"/>
           <p:nvPr/>
         </p:nvSpPr>
         <p:spPr>
           <a:xfrm>
             <a:off x="332740" y="135255"/>
-            <a:ext cx="8482965" cy="645160"/>
+            <a:ext cx="10679430" cy="645160"/>
           </a:xfrm>
           <a:prstGeom prst="rect">
             <a:avLst/>
@@ -10483,115 +13830,102 @@
           </a:bodyPr>
           <a:p>
             <a:r>
-              <a:rPr lang="en-US" altLang="en-US" sz="3600"/>
-              <a:t>Parameters investigated </a:t>
-            </a:r>
-            <a:endParaRPr lang="en-US" altLang="en-US" sz="3600"/>
-          </a:p>
-        </p:txBody>
-      </p:sp>
-      <p:sp>
-        <p:nvSpPr>
-          <p:cNvPr id="4" name="Text Box 3"/>
-          <p:cNvSpPr txBox="1"/>
-          <p:nvPr/>
-        </p:nvSpPr>
-        <p:spPr>
-          <a:xfrm>
-            <a:off x="62230" y="1536700"/>
-            <a:ext cx="11581765" cy="3784600"/>
-          </a:xfrm>
-          <a:prstGeom prst="rect">
-            <a:avLst/>
-          </a:prstGeom>
-          <a:noFill/>
-        </p:spPr>
-        <p:txBody>
-          <a:bodyPr wrap="square" rtlCol="0">
-            <a:spAutoFit/>
-          </a:bodyPr>
-          <a:p>
-            <a:pPr marL="365760" indent="-285750" fontAlgn="auto">
-              <a:spcBef>
-                <a:spcPts val="3000"/>
-              </a:spcBef>
-              <a:buFont typeface="Arial" panose="02080604020202020204" pitchFamily="34" charset="0"/>
-              <a:buChar char="•"/>
-            </a:pPr>
-            <a:r>
-              <a:rPr lang="en-US" altLang="en-US" sz="2800">
+              <a:rPr lang="" altLang="en-US" sz="3600"/>
+              <a:t>Event distribution of each spill </a:t>
+            </a:r>
+            <a:r>
+              <a:rPr lang="en-US" altLang="en-US" sz="2400">
                 <a:sym typeface="+mn-ea"/>
               </a:rPr>
-              <a:t>Invariant mass of three pions</a:t>
-            </a:r>
-            <a:endParaRPr lang="en-US" altLang="en-US" sz="2800"/>
-          </a:p>
-          <a:p>
-            <a:pPr marL="365760" indent="-285750" fontAlgn="auto">
-              <a:spcBef>
-                <a:spcPts val="3000"/>
-              </a:spcBef>
-              <a:buFont typeface="Arial" panose="02080604020202020204" pitchFamily="34" charset="0"/>
-              <a:buChar char="•"/>
-            </a:pPr>
-            <a:r>
-              <a:rPr lang="en-US" altLang="en-US" sz="2800"/>
-              <a:t>The total invariant mass </a:t>
-            </a:r>
-            <a:endParaRPr lang="en-US" altLang="en-US" sz="2800"/>
-          </a:p>
-          <a:p>
-            <a:pPr marL="365760" indent="-285750" fontAlgn="auto">
-              <a:spcBef>
-                <a:spcPts val="3000"/>
-              </a:spcBef>
-              <a:buFont typeface="Arial" panose="02080604020202020204" pitchFamily="34" charset="0"/>
-              <a:buChar char="•"/>
-            </a:pPr>
-            <a:r>
-              <a:rPr lang="en-US" altLang="en-US" sz="2800">
+              <a:t>( Run = </a:t>
+            </a:r>
+            <a:r>
+              <a:rPr lang="" altLang="en-US" sz="2400">
                 <a:sym typeface="+mn-ea"/>
               </a:rPr>
-              <a:t>Photon number from different Calorimeters</a:t>
-            </a:r>
-            <a:endParaRPr lang="en-US" altLang="en-US" sz="2800"/>
-          </a:p>
-          <a:p>
-            <a:pPr marL="365760" indent="-285750" fontAlgn="auto">
-              <a:spcBef>
-                <a:spcPts val="3000"/>
-              </a:spcBef>
-              <a:buFont typeface="Arial" panose="02080604020202020204" pitchFamily="34" charset="0"/>
-              <a:buChar char="•"/>
-            </a:pPr>
-            <a:r>
-              <a:rPr lang="en-US" altLang="en-US" sz="2800"/>
-              <a:t>The momentum magnitude of beam</a:t>
-            </a:r>
-            <a:endParaRPr lang="en-US" altLang="en-US" sz="2800"/>
-          </a:p>
-          <a:p>
-            <a:pPr marL="365760" indent="-285750" fontAlgn="auto">
-              <a:spcBef>
-                <a:spcPts val="3000"/>
-              </a:spcBef>
-              <a:buFont typeface="Arial" panose="02080604020202020204" pitchFamily="34" charset="0"/>
-              <a:buChar char="•"/>
-            </a:pPr>
-            <a:r>
-              <a:rPr lang="en-US" altLang="en-US" sz="2800"/>
-              <a:t>Angular distribution of </a:t>
-            </a:r>
-            <a:r>
-              <a:rPr lang="en-US" altLang="en-US" sz="2800">
+              <a:t>70195</a:t>
+            </a:r>
+            <a:r>
+              <a:rPr lang="en-US" altLang="en-US" sz="2400">
                 <a:sym typeface="+mn-ea"/>
               </a:rPr>
-              <a:t>recoiled proton</a:t>
-            </a:r>
-            <a:endParaRPr lang="en-US" altLang="en-US" sz="2800"/>
-          </a:p>
-        </p:txBody>
-      </p:sp>
+              <a:t>)</a:t>
+            </a:r>
+            <a:endParaRPr lang="en-US" altLang="en-US" sz="3600"/>
+          </a:p>
+        </p:txBody>
+      </p:sp>
+      <p:grpSp>
+        <p:nvGrpSpPr>
+          <p:cNvPr id="6" name="Group 5"/>
+          <p:cNvGrpSpPr/>
+          <p:nvPr/>
+        </p:nvGrpSpPr>
+        <p:grpSpPr>
+          <a:xfrm>
+            <a:off x="361950" y="1108710"/>
+            <a:ext cx="11466830" cy="5272405"/>
+            <a:chOff x="570" y="1746"/>
+            <a:chExt cx="18058" cy="8303"/>
+          </a:xfrm>
+        </p:grpSpPr>
+        <p:pic>
+          <p:nvPicPr>
+            <p:cNvPr id="3" name="Picture 2" descr="Spill_Time_Event70195"/>
+            <p:cNvPicPr>
+              <a:picLocks noChangeAspect="1"/>
+            </p:cNvPicPr>
+            <p:nvPr/>
+          </p:nvPicPr>
+          <p:blipFill>
+            <a:blip r:embed="rId1"/>
+            <a:srcRect l="3321" t="7450" r="1212" b="2523"/>
+            <a:stretch>
+              <a:fillRect/>
+            </a:stretch>
+          </p:blipFill>
+          <p:spPr>
+            <a:xfrm>
+              <a:off x="570" y="1746"/>
+              <a:ext cx="18059" cy="8183"/>
+            </a:xfrm>
+            <a:prstGeom prst="rect">
+              <a:avLst/>
+            </a:prstGeom>
+          </p:spPr>
+        </p:pic>
+        <p:sp>
+          <p:nvSpPr>
+            <p:cNvPr id="5" name="Text Box 4"/>
+            <p:cNvSpPr txBox="1"/>
+            <p:nvPr/>
+          </p:nvSpPr>
+          <p:spPr>
+            <a:xfrm>
+              <a:off x="15106" y="9567"/>
+              <a:ext cx="2977" cy="483"/>
+            </a:xfrm>
+            <a:prstGeom prst="rect">
+              <a:avLst/>
+            </a:prstGeom>
+            <a:solidFill>
+              <a:schemeClr val="bg1"/>
+            </a:solidFill>
+          </p:spPr>
+          <p:txBody>
+            <a:bodyPr wrap="square" rtlCol="0">
+              <a:spAutoFit/>
+            </a:bodyPr>
+            <a:p>
+              <a:r>
+                <a:rPr lang="" altLang="en-US" sz="1400"/>
+                <a:t>Spill number</a:t>
+              </a:r>
+              <a:endParaRPr lang="" altLang="en-US" sz="1400"/>
+            </a:p>
+          </p:txBody>
+        </p:sp>
+      </p:grpSp>
     </p:spTree>
   </p:cSld>
   <p:clrMapOvr>
@@ -10637,14 +13971,14 @@
       </p:sp>
       <p:sp>
         <p:nvSpPr>
-          <p:cNvPr id="4" name="Text Box 3"/>
+          <p:cNvPr id="3" name="Text Box 2"/>
           <p:cNvSpPr txBox="1"/>
           <p:nvPr/>
         </p:nvSpPr>
         <p:spPr>
           <a:xfrm>
             <a:off x="332740" y="135255"/>
-            <a:ext cx="6692265" cy="645160"/>
+            <a:ext cx="8359140" cy="645160"/>
           </a:xfrm>
           <a:prstGeom prst="rect">
             <a:avLst/>
@@ -10657,20 +13991,16 @@
           </a:bodyPr>
           <a:p>
             <a:r>
-              <a:rPr lang="en-US" altLang="en-US" sz="3600">
-                <a:sym typeface="+mn-ea"/>
-              </a:rPr>
-              <a:t>Invariant mass of 3 pions</a:t>
-            </a:r>
-            <a:endParaRPr lang="en-US" altLang="en-US" sz="3600">
-              <a:sym typeface="+mn-ea"/>
-            </a:endParaRPr>
+              <a:rPr lang="en-US" altLang="en-US" sz="3600"/>
+              <a:t>Overlook of event distribution </a:t>
+            </a:r>
+            <a:endParaRPr lang="en-US" altLang="en-US" sz="3600"/>
           </a:p>
         </p:txBody>
       </p:sp>
       <p:pic>
         <p:nvPicPr>
-          <p:cNvPr id="5" name="Picture 4" descr="mass_Three_pion"/>
+          <p:cNvPr id="4" name="Picture 3" descr="event_distribution"/>
           <p:cNvPicPr>
             <a:picLocks noChangeAspect="1"/>
           </p:cNvPicPr>
@@ -10678,15 +14008,15 @@
         </p:nvPicPr>
         <p:blipFill>
           <a:blip r:embed="rId1"/>
-          <a:srcRect l="3845"/>
+          <a:srcRect l="2715" b="1957"/>
           <a:stretch>
             <a:fillRect/>
           </a:stretch>
         </p:blipFill>
         <p:spPr>
           <a:xfrm>
-            <a:off x="139700" y="922655"/>
-            <a:ext cx="10945495" cy="5513070"/>
+            <a:off x="122555" y="1011555"/>
+            <a:ext cx="11253470" cy="5269230"/>
           </a:xfrm>
           <a:prstGeom prst="rect">
             <a:avLst/>

--- a/presentation/Final pre/talk.pptx
+++ b/presentation/Final pre/talk.pptx
@@ -5514,7 +5514,7 @@
         <a:spcBef>
           <a:spcPts val="1000"/>
         </a:spcBef>
-        <a:buFont typeface="Arial" panose="02080604020202020204" pitchFamily="34" charset="0"/>
+        <a:buFont typeface="Arial" panose="020B0604020202020204" pitchFamily="34" charset="0"/>
         <a:buChar char="•"/>
         <a:defRPr sz="2800" kern="1200">
           <a:solidFill>
@@ -5532,7 +5532,7 @@
         <a:spcBef>
           <a:spcPts val="500"/>
         </a:spcBef>
-        <a:buFont typeface="Arial" panose="02080604020202020204" pitchFamily="34" charset="0"/>
+        <a:buFont typeface="Arial" panose="020B0604020202020204" pitchFamily="34" charset="0"/>
         <a:buChar char="•"/>
         <a:defRPr sz="2400" kern="1200">
           <a:solidFill>
@@ -5550,7 +5550,7 @@
         <a:spcBef>
           <a:spcPts val="500"/>
         </a:spcBef>
-        <a:buFont typeface="Arial" panose="02080604020202020204" pitchFamily="34" charset="0"/>
+        <a:buFont typeface="Arial" panose="020B0604020202020204" pitchFamily="34" charset="0"/>
         <a:buChar char="•"/>
         <a:defRPr sz="2000" kern="1200">
           <a:solidFill>
@@ -5568,7 +5568,7 @@
         <a:spcBef>
           <a:spcPts val="500"/>
         </a:spcBef>
-        <a:buFont typeface="Arial" panose="02080604020202020204" pitchFamily="34" charset="0"/>
+        <a:buFont typeface="Arial" panose="020B0604020202020204" pitchFamily="34" charset="0"/>
         <a:buChar char="•"/>
         <a:defRPr sz="1800" kern="1200">
           <a:solidFill>
@@ -5586,7 +5586,7 @@
         <a:spcBef>
           <a:spcPts val="500"/>
         </a:spcBef>
-        <a:buFont typeface="Arial" panose="02080604020202020204" pitchFamily="34" charset="0"/>
+        <a:buFont typeface="Arial" panose="020B0604020202020204" pitchFamily="34" charset="0"/>
         <a:buChar char="•"/>
         <a:defRPr sz="1800" kern="1200">
           <a:solidFill>
@@ -5604,7 +5604,7 @@
         <a:spcBef>
           <a:spcPts val="500"/>
         </a:spcBef>
-        <a:buFont typeface="Arial" panose="02080604020202020204" pitchFamily="34" charset="0"/>
+        <a:buFont typeface="Arial" panose="020B0604020202020204" pitchFamily="34" charset="0"/>
         <a:buChar char="•"/>
         <a:defRPr sz="1800" kern="1200">
           <a:solidFill>
@@ -5622,7 +5622,7 @@
         <a:spcBef>
           <a:spcPts val="500"/>
         </a:spcBef>
-        <a:buFont typeface="Arial" panose="02080604020202020204" pitchFamily="34" charset="0"/>
+        <a:buFont typeface="Arial" panose="020B0604020202020204" pitchFamily="34" charset="0"/>
         <a:buChar char="•"/>
         <a:defRPr sz="1800" kern="1200">
           <a:solidFill>
@@ -5640,7 +5640,7 @@
         <a:spcBef>
           <a:spcPts val="500"/>
         </a:spcBef>
-        <a:buFont typeface="Arial" panose="02080604020202020204" pitchFamily="34" charset="0"/>
+        <a:buFont typeface="Arial" panose="020B0604020202020204" pitchFamily="34" charset="0"/>
         <a:buChar char="•"/>
         <a:defRPr sz="1800" kern="1200">
           <a:solidFill>
@@ -5658,7 +5658,7 @@
         <a:spcBef>
           <a:spcPts val="500"/>
         </a:spcBef>
-        <a:buFont typeface="Arial" panose="02080604020202020204" pitchFamily="34" charset="0"/>
+        <a:buFont typeface="Arial" panose="020B0604020202020204" pitchFamily="34" charset="0"/>
         <a:buChar char="•"/>
         <a:defRPr sz="1800" kern="1200">
           <a:solidFill>
@@ -6052,7 +6052,7 @@
         <a:spcBef>
           <a:spcPts val="1000"/>
         </a:spcBef>
-        <a:buFont typeface="Arial" panose="02080604020202020204" pitchFamily="34" charset="0"/>
+        <a:buFont typeface="Arial" panose="020B0604020202020204" pitchFamily="34" charset="0"/>
         <a:buChar char="•"/>
         <a:defRPr sz="2800" kern="1200">
           <a:solidFill>
@@ -6070,7 +6070,7 @@
         <a:spcBef>
           <a:spcPts val="500"/>
         </a:spcBef>
-        <a:buFont typeface="Arial" panose="02080604020202020204" pitchFamily="34" charset="0"/>
+        <a:buFont typeface="Arial" panose="020B0604020202020204" pitchFamily="34" charset="0"/>
         <a:buChar char="•"/>
         <a:defRPr sz="2400" kern="1200">
           <a:solidFill>
@@ -6088,7 +6088,7 @@
         <a:spcBef>
           <a:spcPts val="500"/>
         </a:spcBef>
-        <a:buFont typeface="Arial" panose="02080604020202020204" pitchFamily="34" charset="0"/>
+        <a:buFont typeface="Arial" panose="020B0604020202020204" pitchFamily="34" charset="0"/>
         <a:buChar char="•"/>
         <a:defRPr sz="2000" kern="1200">
           <a:solidFill>
@@ -6106,7 +6106,7 @@
         <a:spcBef>
           <a:spcPts val="500"/>
         </a:spcBef>
-        <a:buFont typeface="Arial" panose="02080604020202020204" pitchFamily="34" charset="0"/>
+        <a:buFont typeface="Arial" panose="020B0604020202020204" pitchFamily="34" charset="0"/>
         <a:buChar char="•"/>
         <a:defRPr sz="1800" kern="1200">
           <a:solidFill>
@@ -6124,7 +6124,7 @@
         <a:spcBef>
           <a:spcPts val="500"/>
         </a:spcBef>
-        <a:buFont typeface="Arial" panose="02080604020202020204" pitchFamily="34" charset="0"/>
+        <a:buFont typeface="Arial" panose="020B0604020202020204" pitchFamily="34" charset="0"/>
         <a:buChar char="•"/>
         <a:defRPr sz="1800" kern="1200">
           <a:solidFill>
@@ -6142,7 +6142,7 @@
         <a:spcBef>
           <a:spcPts val="500"/>
         </a:spcBef>
-        <a:buFont typeface="Arial" panose="02080604020202020204" pitchFamily="34" charset="0"/>
+        <a:buFont typeface="Arial" panose="020B0604020202020204" pitchFamily="34" charset="0"/>
         <a:buChar char="•"/>
         <a:defRPr sz="1800" kern="1200">
           <a:solidFill>
@@ -6160,7 +6160,7 @@
         <a:spcBef>
           <a:spcPts val="500"/>
         </a:spcBef>
-        <a:buFont typeface="Arial" panose="02080604020202020204" pitchFamily="34" charset="0"/>
+        <a:buFont typeface="Arial" panose="020B0604020202020204" pitchFamily="34" charset="0"/>
         <a:buChar char="•"/>
         <a:defRPr sz="1800" kern="1200">
           <a:solidFill>
@@ -6178,7 +6178,7 @@
         <a:spcBef>
           <a:spcPts val="500"/>
         </a:spcBef>
-        <a:buFont typeface="Arial" panose="02080604020202020204" pitchFamily="34" charset="0"/>
+        <a:buFont typeface="Arial" panose="020B0604020202020204" pitchFamily="34" charset="0"/>
         <a:buChar char="•"/>
         <a:defRPr sz="1800" kern="1200">
           <a:solidFill>
@@ -6196,7 +6196,7 @@
         <a:spcBef>
           <a:spcPts val="500"/>
         </a:spcBef>
-        <a:buFont typeface="Arial" panose="02080604020202020204" pitchFamily="34" charset="0"/>
+        <a:buFont typeface="Arial" panose="020B0604020202020204" pitchFamily="34" charset="0"/>
         <a:buChar char="•"/>
         <a:defRPr sz="1800" kern="1200">
           <a:solidFill>
@@ -6494,7 +6494,7 @@
               <a:spcBef>
                 <a:spcPts val="3000"/>
               </a:spcBef>
-              <a:buFont typeface="Arial" panose="02080604020202020204" pitchFamily="34" charset="0"/>
+              <a:buFont typeface="Arial" panose="020B0604020202020204" pitchFamily="34" charset="0"/>
               <a:buChar char="•"/>
             </a:pPr>
             <a:r>
@@ -6512,26 +6512,14 @@
               <a:spcBef>
                 <a:spcPts val="3000"/>
               </a:spcBef>
-              <a:buFont typeface="Arial" panose="02080604020202020204" pitchFamily="34" charset="0"/>
+              <a:buFont typeface="Arial" panose="020B0604020202020204" pitchFamily="34" charset="0"/>
               <a:buChar char="•"/>
             </a:pPr>
             <a:r>
               <a:rPr lang="en-US" altLang="en-US" sz="2800">
                 <a:sym typeface="+mn-ea"/>
               </a:rPr>
-              <a:t>Photon number from different </a:t>
-            </a:r>
-            <a:r>
-              <a:rPr lang="" altLang="en-US" sz="2800">
-                <a:sym typeface="+mn-ea"/>
-              </a:rPr>
-              <a:t>c</a:t>
-            </a:r>
-            <a:r>
-              <a:rPr lang="en-US" altLang="en-US" sz="2800">
-                <a:sym typeface="+mn-ea"/>
-              </a:rPr>
-              <a:t>alorimeters</a:t>
+              <a:t>Photon number from different calorimeters</a:t>
             </a:r>
             <a:endParaRPr lang="en-US" altLang="en-US" sz="2800"/>
           </a:p>
@@ -6540,7 +6528,7 @@
               <a:spcBef>
                 <a:spcPts val="3000"/>
               </a:spcBef>
-              <a:buFont typeface="Arial" panose="02080604020202020204" pitchFamily="34" charset="0"/>
+              <a:buFont typeface="Arial" panose="020B0604020202020204" pitchFamily="34" charset="0"/>
               <a:buChar char="•"/>
             </a:pPr>
             <a:r>
@@ -6554,7 +6542,7 @@
               <a:spcBef>
                 <a:spcPts val="3000"/>
               </a:spcBef>
-              <a:buFont typeface="Arial" panose="02080604020202020204" pitchFamily="34" charset="0"/>
+              <a:buFont typeface="Arial" panose="020B0604020202020204" pitchFamily="34" charset="0"/>
               <a:buChar char="•"/>
             </a:pPr>
             <a:r>
@@ -6576,7 +6564,7 @@
               <a:spcBef>
                 <a:spcPts val="3000"/>
               </a:spcBef>
-              <a:buFont typeface="Arial" panose="02080604020202020204" pitchFamily="34" charset="0"/>
+              <a:buFont typeface="Arial" panose="020B0604020202020204" pitchFamily="34" charset="0"/>
               <a:buChar char="•"/>
             </a:pPr>
             <a:r>
@@ -9033,7 +9021,7 @@
               <a:spcBef>
                 <a:spcPts val="6600"/>
               </a:spcBef>
-              <a:buFont typeface="Arial" panose="02080604020202020204" pitchFamily="34" charset="0"/>
+              <a:buFont typeface="Arial" panose="020B0604020202020204" pitchFamily="34" charset="0"/>
               <a:buChar char="•"/>
             </a:pPr>
             <a:r>
@@ -9047,7 +9035,7 @@
               <a:spcBef>
                 <a:spcPts val="6600"/>
               </a:spcBef>
-              <a:buFont typeface="Arial" panose="02080604020202020204" pitchFamily="34" charset="0"/>
+              <a:buFont typeface="Arial" panose="020B0604020202020204" pitchFamily="34" charset="0"/>
               <a:buChar char="•"/>
             </a:pPr>
             <a:r>
@@ -9061,7 +9049,7 @@
               <a:spcBef>
                 <a:spcPts val="6600"/>
               </a:spcBef>
-              <a:buFont typeface="Arial" panose="02080604020202020204" pitchFamily="34" charset="0"/>
+              <a:buFont typeface="Arial" panose="020B0604020202020204" pitchFamily="34" charset="0"/>
               <a:buChar char="•"/>
             </a:pPr>
             <a:r>
@@ -10084,8 +10072,8 @@
                 <a:solidFill>
                   <a:srgbClr val="FF0000"/>
                 </a:solidFill>
-                <a:latin typeface="Arial" panose="02080604020202020204" pitchFamily="34" charset="0"/>
-                <a:cs typeface="Arial" panose="02080604020202020204" pitchFamily="34" charset="0"/>
+                <a:latin typeface="Arial" panose="020B0604020202020204" pitchFamily="34" charset="0"/>
+                <a:cs typeface="Arial" panose="020B0604020202020204" pitchFamily="34" charset="0"/>
               </a:rPr>
               <a:t>≈ 3.45 GeV</a:t>
             </a:r>
@@ -10093,8 +10081,8 @@
               <a:solidFill>
                 <a:srgbClr val="FF0000"/>
               </a:solidFill>
-              <a:latin typeface="Arial" panose="02080604020202020204" pitchFamily="34" charset="0"/>
-              <a:cs typeface="Arial" panose="02080604020202020204" pitchFamily="34" charset="0"/>
+              <a:latin typeface="Arial" panose="020B0604020202020204" pitchFamily="34" charset="0"/>
+              <a:cs typeface="Arial" panose="020B0604020202020204" pitchFamily="34" charset="0"/>
             </a:endParaRPr>
           </a:p>
         </p:txBody>
@@ -13578,17 +13566,9 @@
                   <a:srgbClr val="7030A0"/>
                 </a:solidFill>
               </a:rPr>
-              <a:t>Run Number: </a:t>
-            </a:r>
-            <a:r>
-              <a:rPr lang="" altLang="en-US" sz="1200">
-                <a:solidFill>
-                  <a:srgbClr val="7030A0"/>
-                </a:solidFill>
-              </a:rPr>
-              <a:t>70054</a:t>
-            </a:r>
-            <a:endParaRPr lang="" altLang="en-US" sz="1200">
+              <a:t>Run Number: 70054</a:t>
+            </a:r>
+            <a:endParaRPr lang="en-US" altLang="en-US" sz="1200">
               <a:solidFill>
                 <a:srgbClr val="7030A0"/>
               </a:solidFill>
@@ -16215,17 +16195,9 @@
                             <a:schemeClr val="tx1"/>
                           </a:solidFill>
                         </a:rPr>
-                        <a:t>700</a:t>
+                        <a:t>70054</a:t>
                       </a:r>
-                      <a:r>
-                        <a:rPr lang="" altLang="en-US">
-                          <a:solidFill>
-                            <a:schemeClr val="tx1"/>
-                          </a:solidFill>
-                        </a:rPr>
-                        <a:t>54</a:t>
-                      </a:r>
-                      <a:endParaRPr lang="" altLang="en-US">
+                      <a:endParaRPr lang="en-US" altLang="en-US">
                         <a:solidFill>
                           <a:schemeClr val="tx1"/>
                         </a:solidFill>
@@ -19684,7 +19656,7 @@
               <a:spcBef>
                 <a:spcPts val="3000"/>
               </a:spcBef>
-              <a:buFont typeface="Arial" panose="02080604020202020204" pitchFamily="34" charset="0"/>
+              <a:buFont typeface="Arial" panose="020B0604020202020204" pitchFamily="34" charset="0"/>
               <a:buAutoNum type="arabicPeriod"/>
             </a:pPr>
             <a:r>
@@ -19698,7 +19670,7 @@
               <a:spcBef>
                 <a:spcPts val="3000"/>
               </a:spcBef>
-              <a:buFont typeface="Arial" panose="02080604020202020204" pitchFamily="34" charset="0"/>
+              <a:buFont typeface="Arial" panose="020B0604020202020204" pitchFamily="34" charset="0"/>
               <a:buAutoNum type="arabicPeriod"/>
             </a:pPr>
             <a:r>
@@ -19712,7 +19684,7 @@
               <a:spcBef>
                 <a:spcPts val="3000"/>
               </a:spcBef>
-              <a:buFont typeface="Arial" panose="02080604020202020204" pitchFamily="34" charset="0"/>
+              <a:buFont typeface="Arial" panose="020B0604020202020204" pitchFamily="34" charset="0"/>
               <a:buAutoNum type="arabicPeriod"/>
             </a:pPr>
             <a:r>
@@ -19734,7 +19706,7 @@
               <a:spcBef>
                 <a:spcPts val="3000"/>
               </a:spcBef>
-              <a:buFont typeface="Arial" panose="02080604020202020204" pitchFamily="34" charset="0"/>
+              <a:buFont typeface="Arial" panose="020B0604020202020204" pitchFamily="34" charset="0"/>
               <a:buAutoNum type="arabicPeriod"/>
             </a:pPr>
             <a:r>
@@ -20953,10 +20925,10 @@
           </a:bodyPr>
           <a:p>
             <a:r>
-              <a:rPr lang="" altLang="en-US" sz="1400"/>
+              <a:rPr lang="en-US" altLang="en-US" sz="1400"/>
               <a:t>(sec)</a:t>
             </a:r>
-            <a:endParaRPr lang="" altLang="en-US" sz="1400"/>
+            <a:endParaRPr lang="en-US" altLang="en-US" sz="1400"/>
           </a:p>
         </p:txBody>
       </p:sp>
